--- a/2023/10/31/Cache基础知识/Cache示意图.pptx
+++ b/2023/10/31/Cache基础知识/Cache示意图.pptx
@@ -5,12 +5,14 @@
     <p:sldMasterId id="2147483648" r:id="rId1"/>
   </p:sldMasterIdLst>
   <p:sldIdLst>
-    <p:sldId id="256" r:id="rId3"/>
+    <p:sldId id="257" r:id="rId3"/>
+    <p:sldId id="258" r:id="rId4"/>
+    <p:sldId id="259" r:id="rId5"/>
   </p:sldIdLst>
   <p:sldSz cx="12192000" cy="6858000"/>
   <p:notesSz cx="6858000" cy="9144000"/>
   <p:custDataLst>
-    <p:tags r:id="rId7"/>
+    <p:tags r:id="rId9"/>
   </p:custDataLst>
   <p:defaultTextStyle>
     <a:defPPr>
@@ -110,12 +112,12 @@
   <p:extLst>
     <p:ext uri="{EFAFB233-063F-42B5-8137-9DF3F51BA10A}">
       <p15:sldGuideLst xmlns:p15="http://schemas.microsoft.com/office/powerpoint/2012/main">
-        <p15:guide id="1" orient="horz" pos="2160" userDrawn="1">
+        <p15:guide id="1" orient="horz" pos="2167" userDrawn="1">
           <p15:clr>
             <a:srgbClr val="A4A3A4"/>
           </p15:clr>
         </p15:guide>
-        <p15:guide id="2" pos="3840" userDrawn="1">
+        <p15:guide id="2" pos="3765" userDrawn="1">
           <p15:clr>
             <a:srgbClr val="A4A3A4"/>
           </p15:clr>
@@ -3093,8 +3095,8 @@
         </p:nvSpPr>
         <p:spPr>
           <a:xfrm>
-            <a:off x="3326765" y="1743710"/>
-            <a:ext cx="3295650" cy="869315"/>
+            <a:off x="3487420" y="960755"/>
+            <a:ext cx="2793365" cy="631190"/>
           </a:xfrm>
           <a:prstGeom prst="rect">
             <a:avLst/>
@@ -3155,24 +3157,874 @@
       </p:sp>
       <p:sp>
         <p:nvSpPr>
-          <p:cNvPr id="7" name="矩形 6"/>
-          <p:cNvSpPr/>
-          <p:nvPr>
-            <p:custDataLst>
-              <p:tags r:id="rId1"/>
-            </p:custDataLst>
-          </p:nvPr>
-        </p:nvSpPr>
-        <p:spPr>
-          <a:xfrm>
-            <a:off x="6622415" y="1743710"/>
-            <a:ext cx="3295650" cy="869315"/>
+          <p:cNvPr id="9" name="文本框 8"/>
+          <p:cNvSpPr txBox="1"/>
+          <p:nvPr/>
+        </p:nvSpPr>
+        <p:spPr>
+          <a:xfrm>
+            <a:off x="1195070" y="1043940"/>
+            <a:ext cx="1882140" cy="521970"/>
           </a:xfrm>
           <a:prstGeom prst="rect">
             <a:avLst/>
           </a:prstGeom>
+          <a:noFill/>
+        </p:spPr>
+        <p:txBody>
+          <a:bodyPr wrap="square" rtlCol="0">
+            <a:spAutoFit/>
+          </a:bodyPr>
+          <a:p>
+            <a:r>
+              <a:rPr lang="zh-CN" altLang="en-US" sz="2800"/>
+              <a:t>主存地址</a:t>
+            </a:r>
+            <a:endParaRPr lang="zh-CN" altLang="en-US" sz="2800"/>
+          </a:p>
+        </p:txBody>
+      </p:sp>
+      <p:sp>
+        <p:nvSpPr>
+          <p:cNvPr id="2" name="文本框 1"/>
+          <p:cNvSpPr txBox="1"/>
+          <p:nvPr/>
+        </p:nvSpPr>
+        <p:spPr>
+          <a:xfrm>
+            <a:off x="5081905" y="136525"/>
+            <a:ext cx="2819400" cy="521970"/>
+          </a:xfrm>
+          <a:prstGeom prst="rect">
+            <a:avLst/>
+          </a:prstGeom>
+          <a:noFill/>
+        </p:spPr>
+        <p:txBody>
+          <a:bodyPr wrap="square" rtlCol="0">
+            <a:spAutoFit/>
+          </a:bodyPr>
+          <a:p>
+            <a:r>
+              <a:rPr lang="zh-CN" altLang="en-US" sz="2800" b="1">
+                <a:solidFill>
+                  <a:srgbClr val="FF0000"/>
+                </a:solidFill>
+              </a:rPr>
+              <a:t>直接映像</a:t>
+            </a:r>
+            <a:r>
+              <a:rPr lang="en-US" altLang="zh-CN" sz="2800" b="1">
+                <a:solidFill>
+                  <a:srgbClr val="FF0000"/>
+                </a:solidFill>
+              </a:rPr>
+              <a:t>Cache</a:t>
+            </a:r>
+            <a:endParaRPr lang="en-US" altLang="zh-CN" sz="2800" b="1">
+              <a:solidFill>
+                <a:srgbClr val="FF0000"/>
+              </a:solidFill>
+            </a:endParaRPr>
+          </a:p>
+        </p:txBody>
+      </p:sp>
+      <p:cxnSp>
+        <p:nvCxnSpPr>
+          <p:cNvPr id="3" name="直接箭头连接符 2"/>
+          <p:cNvCxnSpPr/>
+          <p:nvPr/>
+        </p:nvCxnSpPr>
+        <p:spPr>
+          <a:xfrm flipH="1">
+            <a:off x="2754630" y="1671320"/>
+            <a:ext cx="732790" cy="572135"/>
+          </a:xfrm>
+          <a:prstGeom prst="straightConnector1">
+            <a:avLst/>
+          </a:prstGeom>
+          <a:ln w="38100">
+            <a:solidFill>
+              <a:schemeClr val="tx1"/>
+            </a:solidFill>
+            <a:tailEnd type="arrow"/>
+          </a:ln>
+        </p:spPr>
+        <p:style>
+          <a:lnRef idx="1">
+            <a:schemeClr val="accent1"/>
+          </a:lnRef>
+          <a:fillRef idx="0">
+            <a:schemeClr val="accent1"/>
+          </a:fillRef>
+          <a:effectRef idx="0">
+            <a:schemeClr val="accent1"/>
+          </a:effectRef>
+          <a:fontRef idx="minor">
+            <a:schemeClr val="tx1"/>
+          </a:fontRef>
+        </p:style>
+      </p:cxnSp>
+      <p:cxnSp>
+        <p:nvCxnSpPr>
+          <p:cNvPr id="4" name="直接箭头连接符 3"/>
+          <p:cNvCxnSpPr/>
+          <p:nvPr>
+            <p:custDataLst>
+              <p:tags r:id="rId1"/>
+            </p:custDataLst>
+          </p:nvPr>
+        </p:nvCxnSpPr>
+        <p:spPr>
+          <a:xfrm>
+            <a:off x="6280785" y="1684020"/>
+            <a:ext cx="728345" cy="565785"/>
+          </a:xfrm>
+          <a:prstGeom prst="straightConnector1">
+            <a:avLst/>
+          </a:prstGeom>
+          <a:ln w="38100">
+            <a:solidFill>
+              <a:schemeClr val="tx1"/>
+            </a:solidFill>
+            <a:tailEnd type="arrow"/>
+          </a:ln>
+        </p:spPr>
+        <p:style>
+          <a:lnRef idx="1">
+            <a:schemeClr val="accent1"/>
+          </a:lnRef>
+          <a:fillRef idx="0">
+            <a:schemeClr val="accent1"/>
+          </a:fillRef>
+          <a:effectRef idx="0">
+            <a:schemeClr val="accent1"/>
+          </a:effectRef>
+          <a:fontRef idx="minor">
+            <a:schemeClr val="tx1"/>
+          </a:fontRef>
+        </p:style>
+      </p:cxnSp>
+      <p:sp>
+        <p:nvSpPr>
+          <p:cNvPr id="6" name="矩形 5"/>
+          <p:cNvSpPr/>
+          <p:nvPr>
+            <p:custDataLst>
+              <p:tags r:id="rId2"/>
+            </p:custDataLst>
+          </p:nvPr>
+        </p:nvSpPr>
+        <p:spPr>
+          <a:xfrm>
+            <a:off x="2226945" y="2341880"/>
+            <a:ext cx="2703830" cy="659130"/>
+          </a:xfrm>
+          <a:prstGeom prst="rect">
+            <a:avLst/>
+          </a:prstGeom>
+          <a:solidFill>
+            <a:schemeClr val="bg1"/>
+          </a:solidFill>
+          <a:ln w="38100">
+            <a:solidFill>
+              <a:schemeClr val="tx1"/>
+            </a:solidFill>
+          </a:ln>
+        </p:spPr>
+        <p:style>
+          <a:lnRef idx="2">
+            <a:schemeClr val="accent1">
+              <a:shade val="50000"/>
+            </a:schemeClr>
+          </a:lnRef>
+          <a:fillRef idx="1">
+            <a:schemeClr val="accent1"/>
+          </a:fillRef>
+          <a:effectRef idx="0">
+            <a:schemeClr val="accent1"/>
+          </a:effectRef>
+          <a:fontRef idx="minor">
+            <a:schemeClr val="lt1"/>
+          </a:fontRef>
+        </p:style>
+        <p:txBody>
+          <a:bodyPr rtlCol="0" anchor="ctr"/>
+          <a:p>
+            <a:pPr algn="ctr"/>
+            <a:r>
+              <a:rPr lang="en-US" altLang="zh-CN" sz="2000">
+                <a:ln>
+                  <a:noFill/>
+                </a:ln>
+                <a:solidFill>
+                  <a:schemeClr val="tx1"/>
+                </a:solidFill>
+              </a:rPr>
+              <a:t>tag</a:t>
+            </a:r>
+            <a:endParaRPr lang="en-US" altLang="zh-CN" sz="2000">
+              <a:ln>
+                <a:noFill/>
+              </a:ln>
+              <a:solidFill>
+                <a:schemeClr val="tx1"/>
+              </a:solidFill>
+            </a:endParaRPr>
+          </a:p>
+        </p:txBody>
+      </p:sp>
+      <p:sp>
+        <p:nvSpPr>
+          <p:cNvPr id="10" name="矩形 9"/>
+          <p:cNvSpPr/>
+          <p:nvPr/>
+        </p:nvSpPr>
+        <p:spPr>
+          <a:xfrm>
+            <a:off x="5322570" y="3565525"/>
+            <a:ext cx="2149475" cy="421640"/>
+          </a:xfrm>
+          <a:prstGeom prst="rect">
+            <a:avLst/>
+          </a:prstGeom>
           <a:solidFill>
             <a:schemeClr val="accent2">
+              <a:lumMod val="60000"/>
+              <a:lumOff val="40000"/>
+            </a:schemeClr>
+          </a:solidFill>
+        </p:spPr>
+        <p:style>
+          <a:lnRef idx="2">
+            <a:schemeClr val="accent1">
+              <a:shade val="50000"/>
+            </a:schemeClr>
+          </a:lnRef>
+          <a:fillRef idx="1">
+            <a:schemeClr val="accent1"/>
+          </a:fillRef>
+          <a:effectRef idx="0">
+            <a:schemeClr val="accent1"/>
+          </a:effectRef>
+          <a:fontRef idx="minor">
+            <a:schemeClr val="lt1"/>
+          </a:fontRef>
+        </p:style>
+        <p:txBody>
+          <a:bodyPr rtlCol="0" anchor="ctr"/>
+          <a:p>
+            <a:pPr algn="ctr"/>
+            <a:endParaRPr lang="zh-CN" altLang="en-US"/>
+          </a:p>
+        </p:txBody>
+      </p:sp>
+      <p:sp>
+        <p:nvSpPr>
+          <p:cNvPr id="13" name="矩形 12"/>
+          <p:cNvSpPr/>
+          <p:nvPr>
+            <p:custDataLst>
+              <p:tags r:id="rId3"/>
+            </p:custDataLst>
+          </p:nvPr>
+        </p:nvSpPr>
+        <p:spPr>
+          <a:xfrm>
+            <a:off x="5322570" y="3987165"/>
+            <a:ext cx="2149475" cy="421640"/>
+          </a:xfrm>
+          <a:prstGeom prst="rect">
+            <a:avLst/>
+          </a:prstGeom>
+        </p:spPr>
+        <p:style>
+          <a:lnRef idx="2">
+            <a:schemeClr val="accent1">
+              <a:shade val="50000"/>
+            </a:schemeClr>
+          </a:lnRef>
+          <a:fillRef idx="1">
+            <a:schemeClr val="accent1"/>
+          </a:fillRef>
+          <a:effectRef idx="0">
+            <a:schemeClr val="accent1"/>
+          </a:effectRef>
+          <a:fontRef idx="minor">
+            <a:schemeClr val="lt1"/>
+          </a:fontRef>
+        </p:style>
+        <p:txBody>
+          <a:bodyPr rtlCol="0" anchor="ctr"/>
+          <a:p>
+            <a:pPr algn="ctr"/>
+            <a:r>
+              <a:rPr lang="en-US" altLang="zh-CN"/>
+              <a:t>tag</a:t>
+            </a:r>
+            <a:endParaRPr lang="en-US" altLang="zh-CN"/>
+          </a:p>
+        </p:txBody>
+      </p:sp>
+      <p:sp>
+        <p:nvSpPr>
+          <p:cNvPr id="14" name="矩形 13"/>
+          <p:cNvSpPr/>
+          <p:nvPr>
+            <p:custDataLst>
+              <p:tags r:id="rId4"/>
+            </p:custDataLst>
+          </p:nvPr>
+        </p:nvSpPr>
+        <p:spPr>
+          <a:xfrm>
+            <a:off x="5322570" y="4408805"/>
+            <a:ext cx="2149475" cy="421640"/>
+          </a:xfrm>
+          <a:prstGeom prst="rect">
+            <a:avLst/>
+          </a:prstGeom>
+          <a:solidFill>
+            <a:schemeClr val="accent2">
+              <a:lumMod val="60000"/>
+              <a:lumOff val="40000"/>
+            </a:schemeClr>
+          </a:solidFill>
+        </p:spPr>
+        <p:style>
+          <a:lnRef idx="2">
+            <a:schemeClr val="accent1">
+              <a:shade val="50000"/>
+            </a:schemeClr>
+          </a:lnRef>
+          <a:fillRef idx="1">
+            <a:schemeClr val="accent1"/>
+          </a:fillRef>
+          <a:effectRef idx="0">
+            <a:schemeClr val="accent1"/>
+          </a:effectRef>
+          <a:fontRef idx="minor">
+            <a:schemeClr val="lt1"/>
+          </a:fontRef>
+        </p:style>
+        <p:txBody>
+          <a:bodyPr rtlCol="0" anchor="ctr"/>
+          <a:p>
+            <a:pPr algn="ctr"/>
+            <a:endParaRPr lang="zh-CN" altLang="en-US"/>
+          </a:p>
+        </p:txBody>
+      </p:sp>
+      <p:sp>
+        <p:nvSpPr>
+          <p:cNvPr id="15" name="矩形 14"/>
+          <p:cNvSpPr/>
+          <p:nvPr>
+            <p:custDataLst>
+              <p:tags r:id="rId5"/>
+            </p:custDataLst>
+          </p:nvPr>
+        </p:nvSpPr>
+        <p:spPr>
+          <a:xfrm>
+            <a:off x="5322570" y="4830445"/>
+            <a:ext cx="2149475" cy="421640"/>
+          </a:xfrm>
+          <a:prstGeom prst="rect">
+            <a:avLst/>
+          </a:prstGeom>
+          <a:solidFill>
+            <a:schemeClr val="accent2">
+              <a:lumMod val="60000"/>
+              <a:lumOff val="40000"/>
+            </a:schemeClr>
+          </a:solidFill>
+        </p:spPr>
+        <p:style>
+          <a:lnRef idx="2">
+            <a:schemeClr val="accent1">
+              <a:shade val="50000"/>
+            </a:schemeClr>
+          </a:lnRef>
+          <a:fillRef idx="1">
+            <a:schemeClr val="accent1"/>
+          </a:fillRef>
+          <a:effectRef idx="0">
+            <a:schemeClr val="accent1"/>
+          </a:effectRef>
+          <a:fontRef idx="minor">
+            <a:schemeClr val="lt1"/>
+          </a:fontRef>
+        </p:style>
+        <p:txBody>
+          <a:bodyPr rtlCol="0" anchor="ctr"/>
+          <a:p>
+            <a:pPr algn="ctr"/>
+            <a:endParaRPr lang="zh-CN" altLang="en-US"/>
+          </a:p>
+        </p:txBody>
+      </p:sp>
+      <p:sp>
+        <p:nvSpPr>
+          <p:cNvPr id="16" name="文本框 15"/>
+          <p:cNvSpPr txBox="1"/>
+          <p:nvPr/>
+        </p:nvSpPr>
+        <p:spPr>
+          <a:xfrm>
+            <a:off x="7745095" y="3987165"/>
+            <a:ext cx="2396490" cy="645160"/>
+          </a:xfrm>
+          <a:prstGeom prst="rect">
+            <a:avLst/>
+          </a:prstGeom>
+          <a:noFill/>
+        </p:spPr>
+        <p:txBody>
+          <a:bodyPr wrap="square" rtlCol="0">
+            <a:spAutoFit/>
+          </a:bodyPr>
+          <a:p>
+            <a:pPr algn="ctr"/>
+            <a:r>
+              <a:rPr lang="zh-CN" altLang="en-US"/>
+              <a:t>目录表</a:t>
+            </a:r>
+            <a:endParaRPr lang="zh-CN" altLang="en-US"/>
+          </a:p>
+          <a:p>
+            <a:pPr algn="ctr"/>
+            <a:r>
+              <a:rPr lang="zh-CN" altLang="en-US"/>
+              <a:t>（标识</a:t>
+            </a:r>
+            <a:r>
+              <a:rPr lang="zh-CN" altLang="en-US"/>
+              <a:t>存储器）</a:t>
+            </a:r>
+            <a:endParaRPr lang="zh-CN" altLang="en-US"/>
+          </a:p>
+        </p:txBody>
+      </p:sp>
+      <p:sp>
+        <p:nvSpPr>
+          <p:cNvPr id="17" name="矩形 16"/>
+          <p:cNvSpPr/>
+          <p:nvPr>
+            <p:custDataLst>
+              <p:tags r:id="rId6"/>
+            </p:custDataLst>
+          </p:nvPr>
+        </p:nvSpPr>
+        <p:spPr>
+          <a:xfrm>
+            <a:off x="6280785" y="960755"/>
+            <a:ext cx="2793365" cy="631190"/>
+          </a:xfrm>
+          <a:prstGeom prst="rect">
+            <a:avLst/>
+          </a:prstGeom>
+          <a:solidFill>
+            <a:schemeClr val="accent3">
+              <a:lumMod val="40000"/>
+              <a:lumOff val="60000"/>
+            </a:schemeClr>
+          </a:solidFill>
+        </p:spPr>
+        <p:style>
+          <a:lnRef idx="2">
+            <a:schemeClr val="accent3">
+              <a:shade val="50000"/>
+            </a:schemeClr>
+          </a:lnRef>
+          <a:fillRef idx="1">
+            <a:schemeClr val="accent3"/>
+          </a:fillRef>
+          <a:effectRef idx="0">
+            <a:schemeClr val="accent3"/>
+          </a:effectRef>
+          <a:fontRef idx="minor">
+            <a:schemeClr val="lt1"/>
+          </a:fontRef>
+        </p:style>
+        <p:txBody>
+          <a:bodyPr rtlCol="0" anchor="ctr"/>
+          <a:p>
+            <a:pPr algn="ctr"/>
+            <a:r>
+              <a:rPr lang="zh-CN" altLang="en-US" sz="2000">
+                <a:ln>
+                  <a:noFill/>
+                </a:ln>
+                <a:solidFill>
+                  <a:schemeClr val="tx1"/>
+                </a:solidFill>
+              </a:rPr>
+              <a:t>块内</a:t>
+            </a:r>
+            <a:r>
+              <a:rPr lang="zh-CN" altLang="en-US" sz="2000">
+                <a:ln>
+                  <a:noFill/>
+                </a:ln>
+                <a:solidFill>
+                  <a:schemeClr val="tx1"/>
+                </a:solidFill>
+              </a:rPr>
+              <a:t>位移</a:t>
+            </a:r>
+            <a:endParaRPr lang="zh-CN" altLang="en-US" sz="2000">
+              <a:ln>
+                <a:noFill/>
+              </a:ln>
+              <a:solidFill>
+                <a:schemeClr val="tx1"/>
+              </a:solidFill>
+            </a:endParaRPr>
+          </a:p>
+        </p:txBody>
+      </p:sp>
+      <p:sp>
+        <p:nvSpPr>
+          <p:cNvPr id="18" name="矩形 17"/>
+          <p:cNvSpPr/>
+          <p:nvPr>
+            <p:custDataLst>
+              <p:tags r:id="rId7"/>
+            </p:custDataLst>
+          </p:nvPr>
+        </p:nvSpPr>
+        <p:spPr>
+          <a:xfrm>
+            <a:off x="4930775" y="2341880"/>
+            <a:ext cx="2703830" cy="659130"/>
+          </a:xfrm>
+          <a:prstGeom prst="rect">
+            <a:avLst/>
+          </a:prstGeom>
+          <a:solidFill>
+            <a:schemeClr val="bg1"/>
+          </a:solidFill>
+          <a:ln w="38100">
+            <a:solidFill>
+              <a:schemeClr val="tx1"/>
+            </a:solidFill>
+          </a:ln>
+        </p:spPr>
+        <p:style>
+          <a:lnRef idx="2">
+            <a:schemeClr val="accent1">
+              <a:shade val="50000"/>
+            </a:schemeClr>
+          </a:lnRef>
+          <a:fillRef idx="1">
+            <a:schemeClr val="accent1"/>
+          </a:fillRef>
+          <a:effectRef idx="0">
+            <a:schemeClr val="accent1"/>
+          </a:effectRef>
+          <a:fontRef idx="minor">
+            <a:schemeClr val="lt1"/>
+          </a:fontRef>
+        </p:style>
+        <p:txBody>
+          <a:bodyPr rtlCol="0" anchor="ctr"/>
+          <a:p>
+            <a:pPr algn="ctr"/>
+            <a:r>
+              <a:rPr lang="zh-CN" altLang="en-US" sz="2000">
+                <a:ln>
+                  <a:noFill/>
+                </a:ln>
+                <a:solidFill>
+                  <a:schemeClr val="tx1"/>
+                </a:solidFill>
+                <a:sym typeface="+mn-ea"/>
+              </a:rPr>
+              <a:t>块索引（</a:t>
+            </a:r>
+            <a:r>
+              <a:rPr lang="en-US" altLang="zh-CN" sz="2000">
+                <a:ln>
+                  <a:noFill/>
+                </a:ln>
+                <a:solidFill>
+                  <a:schemeClr val="tx1"/>
+                </a:solidFill>
+                <a:sym typeface="+mn-ea"/>
+              </a:rPr>
+              <a:t>Index</a:t>
+            </a:r>
+            <a:r>
+              <a:rPr lang="zh-CN" altLang="en-US" sz="2000">
+                <a:ln>
+                  <a:noFill/>
+                </a:ln>
+                <a:solidFill>
+                  <a:schemeClr val="tx1"/>
+                </a:solidFill>
+                <a:sym typeface="+mn-ea"/>
+              </a:rPr>
+              <a:t>）</a:t>
+            </a:r>
+            <a:endParaRPr lang="en-US" altLang="zh-CN" sz="2000">
+              <a:ln>
+                <a:noFill/>
+              </a:ln>
+              <a:solidFill>
+                <a:schemeClr val="tx1"/>
+              </a:solidFill>
+            </a:endParaRPr>
+          </a:p>
+        </p:txBody>
+      </p:sp>
+      <p:sp>
+        <p:nvSpPr>
+          <p:cNvPr id="22" name="流程图: 决策 21"/>
+          <p:cNvSpPr/>
+          <p:nvPr/>
+        </p:nvSpPr>
+        <p:spPr>
+          <a:xfrm>
+            <a:off x="5683885" y="5635625"/>
+            <a:ext cx="1426210" cy="552450"/>
+          </a:xfrm>
+          <a:prstGeom prst="flowChartDecision">
+            <a:avLst/>
+          </a:prstGeom>
+        </p:spPr>
+        <p:style>
+          <a:lnRef idx="2">
+            <a:schemeClr val="accent1">
+              <a:shade val="50000"/>
+            </a:schemeClr>
+          </a:lnRef>
+          <a:fillRef idx="1">
+            <a:schemeClr val="accent1"/>
+          </a:fillRef>
+          <a:effectRef idx="0">
+            <a:schemeClr val="accent1"/>
+          </a:effectRef>
+          <a:fontRef idx="minor">
+            <a:schemeClr val="lt1"/>
+          </a:fontRef>
+        </p:style>
+        <p:txBody>
+          <a:bodyPr rtlCol="0" anchor="ctr"/>
+          <a:p>
+            <a:pPr algn="ctr"/>
+            <a:r>
+              <a:rPr lang="en-US" altLang="zh-CN"/>
+              <a:t>=</a:t>
+            </a:r>
+            <a:r>
+              <a:rPr lang="zh-CN" altLang="en-US"/>
+              <a:t>？</a:t>
+            </a:r>
+            <a:endParaRPr lang="zh-CN" altLang="en-US"/>
+          </a:p>
+        </p:txBody>
+      </p:sp>
+      <p:cxnSp>
+        <p:nvCxnSpPr>
+          <p:cNvPr id="23" name="肘形连接符 22"/>
+          <p:cNvCxnSpPr>
+            <a:stCxn id="6" idx="2"/>
+            <a:endCxn id="22" idx="2"/>
+          </p:cNvCxnSpPr>
+          <p:nvPr/>
+        </p:nvCxnSpPr>
+        <p:spPr>
+          <a:xfrm rot="5400000" flipV="1">
+            <a:off x="3394710" y="3185160"/>
+            <a:ext cx="3187065" cy="2818130"/>
+          </a:xfrm>
+          <a:prstGeom prst="bentConnector3">
+            <a:avLst>
+              <a:gd name="adj1" fmla="val 107462"/>
+            </a:avLst>
+          </a:prstGeom>
+          <a:ln w="38100">
+            <a:prstDash val="solid"/>
+            <a:tailEnd type="arrow" w="med" len="med"/>
+          </a:ln>
+        </p:spPr>
+        <p:style>
+          <a:lnRef idx="1">
+            <a:schemeClr val="dk1"/>
+          </a:lnRef>
+          <a:fillRef idx="0">
+            <a:schemeClr val="dk1"/>
+          </a:fillRef>
+          <a:effectRef idx="0">
+            <a:schemeClr val="dk1"/>
+          </a:effectRef>
+          <a:fontRef idx="minor">
+            <a:schemeClr val="tx1"/>
+          </a:fontRef>
+        </p:style>
+      </p:cxnSp>
+      <p:cxnSp>
+        <p:nvCxnSpPr>
+          <p:cNvPr id="24" name="肘形连接符 23"/>
+          <p:cNvCxnSpPr/>
+          <p:nvPr/>
+        </p:nvCxnSpPr>
+        <p:spPr>
+          <a:xfrm rot="5400000">
+            <a:off x="5204460" y="3119120"/>
+            <a:ext cx="1196975" cy="960120"/>
+          </a:xfrm>
+          <a:prstGeom prst="bentConnector4">
+            <a:avLst>
+              <a:gd name="adj1" fmla="val 25278"/>
+              <a:gd name="adj2" fmla="val 194940"/>
+            </a:avLst>
+          </a:prstGeom>
+          <a:ln w="38100">
+            <a:solidFill>
+              <a:schemeClr val="tx1"/>
+            </a:solidFill>
+            <a:tailEnd type="arrow"/>
+          </a:ln>
+        </p:spPr>
+        <p:style>
+          <a:lnRef idx="1">
+            <a:schemeClr val="accent1"/>
+          </a:lnRef>
+          <a:fillRef idx="0">
+            <a:schemeClr val="accent1"/>
+          </a:fillRef>
+          <a:effectRef idx="0">
+            <a:schemeClr val="accent1"/>
+          </a:effectRef>
+          <a:fontRef idx="minor">
+            <a:schemeClr val="tx1"/>
+          </a:fontRef>
+        </p:style>
+      </p:cxnSp>
+      <p:cxnSp>
+        <p:nvCxnSpPr>
+          <p:cNvPr id="25" name="直接箭头连接符 24"/>
+          <p:cNvCxnSpPr/>
+          <p:nvPr/>
+        </p:nvCxnSpPr>
+        <p:spPr>
+          <a:xfrm>
+            <a:off x="6397625" y="4330065"/>
+            <a:ext cx="0" cy="1305560"/>
+          </a:xfrm>
+          <a:prstGeom prst="straightConnector1">
+            <a:avLst/>
+          </a:prstGeom>
+          <a:ln w="38100">
+            <a:prstDash val="sysDot"/>
+            <a:tailEnd type="arrow" w="med" len="med"/>
+          </a:ln>
+        </p:spPr>
+        <p:style>
+          <a:lnRef idx="1">
+            <a:schemeClr val="dk1"/>
+          </a:lnRef>
+          <a:fillRef idx="0">
+            <a:schemeClr val="dk1"/>
+          </a:fillRef>
+          <a:effectRef idx="0">
+            <a:schemeClr val="dk1"/>
+          </a:effectRef>
+          <a:fontRef idx="minor">
+            <a:schemeClr val="tx1"/>
+          </a:fontRef>
+        </p:style>
+      </p:cxnSp>
+      <p:sp>
+        <p:nvSpPr>
+          <p:cNvPr id="26" name="文本框 25"/>
+          <p:cNvSpPr txBox="1"/>
+          <p:nvPr/>
+        </p:nvSpPr>
+        <p:spPr>
+          <a:xfrm>
+            <a:off x="7472045" y="5471795"/>
+            <a:ext cx="4064000" cy="645160"/>
+          </a:xfrm>
+          <a:prstGeom prst="rect">
+            <a:avLst/>
+          </a:prstGeom>
+          <a:noFill/>
+        </p:spPr>
+        <p:txBody>
+          <a:bodyPr wrap="square" rtlCol="0">
+            <a:spAutoFit/>
+          </a:bodyPr>
+          <a:p>
+            <a:r>
+              <a:rPr lang="zh-CN" altLang="en-US"/>
+              <a:t>匹配，则</a:t>
+            </a:r>
+            <a:r>
+              <a:rPr lang="zh-CN" altLang="en-US"/>
+              <a:t>命中</a:t>
+            </a:r>
+            <a:endParaRPr lang="zh-CN" altLang="en-US"/>
+          </a:p>
+          <a:p>
+            <a:r>
+              <a:rPr lang="zh-CN" altLang="en-US"/>
+              <a:t>不匹配，则</a:t>
+            </a:r>
+            <a:r>
+              <a:rPr lang="zh-CN" altLang="en-US"/>
+              <a:t>失效</a:t>
+            </a:r>
+            <a:endParaRPr lang="zh-CN" altLang="en-US"/>
+          </a:p>
+        </p:txBody>
+      </p:sp>
+    </p:spTree>
+    <p:custDataLst>
+      <p:tags r:id="rId8"/>
+    </p:custDataLst>
+  </p:cSld>
+  <p:clrMapOvr>
+    <a:masterClrMapping/>
+  </p:clrMapOvr>
+</p:sld>
+</file>
+
+<file path=ppt/slides/slide2.xml><?xml version="1.0" encoding="utf-8"?>
+<p:sld xmlns:a="http://schemas.openxmlformats.org/drawingml/2006/main" xmlns:r="http://schemas.openxmlformats.org/officeDocument/2006/relationships" xmlns:p="http://schemas.openxmlformats.org/presentationml/2006/main">
+  <p:cSld>
+    <p:spTree>
+      <p:nvGrpSpPr>
+        <p:cNvPr id="1" name=""/>
+        <p:cNvGrpSpPr/>
+        <p:nvPr/>
+      </p:nvGrpSpPr>
+      <p:grpSpPr>
+        <a:xfrm>
+          <a:off x="0" y="0"/>
+          <a:ext cx="0" cy="0"/>
+          <a:chOff x="0" y="0"/>
+          <a:chExt cx="0" cy="0"/>
+        </a:xfrm>
+      </p:grpSpPr>
+      <p:sp>
+        <p:nvSpPr>
+          <p:cNvPr id="5" name="矩形 4"/>
+          <p:cNvSpPr/>
+          <p:nvPr/>
+        </p:nvSpPr>
+        <p:spPr>
+          <a:xfrm>
+            <a:off x="3487420" y="960755"/>
+            <a:ext cx="2793365" cy="631190"/>
+          </a:xfrm>
+          <a:prstGeom prst="rect">
+            <a:avLst/>
+          </a:prstGeom>
+          <a:solidFill>
+            <a:schemeClr val="accent4">
               <a:lumMod val="40000"/>
               <a:lumOff val="60000"/>
             </a:schemeClr>
@@ -3212,7 +4064,7 @@
                   <a:schemeClr val="tx1"/>
                 </a:solidFill>
               </a:rPr>
-              <a:t>块内位移</a:t>
+              <a:t>块地址</a:t>
             </a:r>
             <a:endParaRPr lang="zh-CN" altLang="en-US" sz="2000">
               <a:ln>
@@ -3233,7 +4085,7 @@
         </p:nvSpPr>
         <p:spPr>
           <a:xfrm>
-            <a:off x="974090" y="1917065"/>
+            <a:off x="1195070" y="1043940"/>
             <a:ext cx="1882140" cy="521970"/>
           </a:xfrm>
           <a:prstGeom prst="rect">
@@ -3254,9 +4106,3482 @@
           </a:p>
         </p:txBody>
       </p:sp>
+      <p:sp>
+        <p:nvSpPr>
+          <p:cNvPr id="2" name="文本框 1"/>
+          <p:cNvSpPr txBox="1"/>
+          <p:nvPr/>
+        </p:nvSpPr>
+        <p:spPr>
+          <a:xfrm>
+            <a:off x="4850765" y="207010"/>
+            <a:ext cx="3991610" cy="521970"/>
+          </a:xfrm>
+          <a:prstGeom prst="rect">
+            <a:avLst/>
+          </a:prstGeom>
+          <a:noFill/>
+        </p:spPr>
+        <p:txBody>
+          <a:bodyPr wrap="square" rtlCol="0">
+            <a:spAutoFit/>
+          </a:bodyPr>
+          <a:p>
+            <a:r>
+              <a:rPr lang="en-US" altLang="zh-CN" sz="2800" b="1">
+                <a:solidFill>
+                  <a:srgbClr val="FF0000"/>
+                </a:solidFill>
+              </a:rPr>
+              <a:t>4</a:t>
+            </a:r>
+            <a:r>
+              <a:rPr lang="zh-CN" altLang="en-US" sz="2800" b="1">
+                <a:solidFill>
+                  <a:srgbClr val="FF0000"/>
+                </a:solidFill>
+              </a:rPr>
+              <a:t>路组相联</a:t>
+            </a:r>
+            <a:r>
+              <a:rPr lang="en-US" altLang="zh-CN" sz="2800" b="1">
+                <a:solidFill>
+                  <a:srgbClr val="FF0000"/>
+                </a:solidFill>
+              </a:rPr>
+              <a:t>Cache</a:t>
+            </a:r>
+            <a:endParaRPr lang="en-US" altLang="zh-CN" sz="2800" b="1">
+              <a:solidFill>
+                <a:srgbClr val="FF0000"/>
+              </a:solidFill>
+            </a:endParaRPr>
+          </a:p>
+        </p:txBody>
+      </p:sp>
+      <p:cxnSp>
+        <p:nvCxnSpPr>
+          <p:cNvPr id="3" name="直接箭头连接符 2"/>
+          <p:cNvCxnSpPr/>
+          <p:nvPr/>
+        </p:nvCxnSpPr>
+        <p:spPr>
+          <a:xfrm flipH="1">
+            <a:off x="2550795" y="1671320"/>
+            <a:ext cx="936625" cy="290830"/>
+          </a:xfrm>
+          <a:prstGeom prst="straightConnector1">
+            <a:avLst/>
+          </a:prstGeom>
+          <a:ln w="38100">
+            <a:solidFill>
+              <a:schemeClr val="tx1"/>
+            </a:solidFill>
+            <a:tailEnd type="arrow"/>
+          </a:ln>
+        </p:spPr>
+        <p:style>
+          <a:lnRef idx="1">
+            <a:schemeClr val="accent1"/>
+          </a:lnRef>
+          <a:fillRef idx="0">
+            <a:schemeClr val="accent1"/>
+          </a:fillRef>
+          <a:effectRef idx="0">
+            <a:schemeClr val="accent1"/>
+          </a:effectRef>
+          <a:fontRef idx="minor">
+            <a:schemeClr val="tx1"/>
+          </a:fontRef>
+        </p:style>
+      </p:cxnSp>
+      <p:cxnSp>
+        <p:nvCxnSpPr>
+          <p:cNvPr id="4" name="直接箭头连接符 3"/>
+          <p:cNvCxnSpPr/>
+          <p:nvPr>
+            <p:custDataLst>
+              <p:tags r:id="rId1"/>
+            </p:custDataLst>
+          </p:nvPr>
+        </p:nvCxnSpPr>
+        <p:spPr>
+          <a:xfrm>
+            <a:off x="6280785" y="1684020"/>
+            <a:ext cx="979805" cy="258445"/>
+          </a:xfrm>
+          <a:prstGeom prst="straightConnector1">
+            <a:avLst/>
+          </a:prstGeom>
+          <a:ln w="38100">
+            <a:solidFill>
+              <a:schemeClr val="tx1"/>
+            </a:solidFill>
+            <a:tailEnd type="arrow"/>
+          </a:ln>
+        </p:spPr>
+        <p:style>
+          <a:lnRef idx="1">
+            <a:schemeClr val="accent1"/>
+          </a:lnRef>
+          <a:fillRef idx="0">
+            <a:schemeClr val="accent1"/>
+          </a:fillRef>
+          <a:effectRef idx="0">
+            <a:schemeClr val="accent1"/>
+          </a:effectRef>
+          <a:fontRef idx="minor">
+            <a:schemeClr val="tx1"/>
+          </a:fontRef>
+        </p:style>
+      </p:cxnSp>
+      <p:sp>
+        <p:nvSpPr>
+          <p:cNvPr id="6" name="矩形 5"/>
+          <p:cNvSpPr/>
+          <p:nvPr>
+            <p:custDataLst>
+              <p:tags r:id="rId2"/>
+            </p:custDataLst>
+          </p:nvPr>
+        </p:nvSpPr>
+        <p:spPr>
+          <a:xfrm>
+            <a:off x="2226945" y="2052320"/>
+            <a:ext cx="2703830" cy="659130"/>
+          </a:xfrm>
+          <a:prstGeom prst="rect">
+            <a:avLst/>
+          </a:prstGeom>
+          <a:solidFill>
+            <a:schemeClr val="bg1"/>
+          </a:solidFill>
+          <a:ln w="38100">
+            <a:solidFill>
+              <a:schemeClr val="tx1"/>
+            </a:solidFill>
+          </a:ln>
+        </p:spPr>
+        <p:style>
+          <a:lnRef idx="2">
+            <a:schemeClr val="accent1">
+              <a:shade val="50000"/>
+            </a:schemeClr>
+          </a:lnRef>
+          <a:fillRef idx="1">
+            <a:schemeClr val="accent1"/>
+          </a:fillRef>
+          <a:effectRef idx="0">
+            <a:schemeClr val="accent1"/>
+          </a:effectRef>
+          <a:fontRef idx="minor">
+            <a:schemeClr val="lt1"/>
+          </a:fontRef>
+        </p:style>
+        <p:txBody>
+          <a:bodyPr rtlCol="0" anchor="ctr"/>
+          <a:p>
+            <a:pPr algn="ctr"/>
+            <a:r>
+              <a:rPr lang="en-US" altLang="zh-CN" sz="2000">
+                <a:ln>
+                  <a:noFill/>
+                </a:ln>
+                <a:solidFill>
+                  <a:schemeClr val="tx1"/>
+                </a:solidFill>
+              </a:rPr>
+              <a:t>tag</a:t>
+            </a:r>
+            <a:endParaRPr lang="en-US" altLang="zh-CN" sz="2000">
+              <a:ln>
+                <a:noFill/>
+              </a:ln>
+              <a:solidFill>
+                <a:schemeClr val="tx1"/>
+              </a:solidFill>
+            </a:endParaRPr>
+          </a:p>
+        </p:txBody>
+      </p:sp>
+      <p:sp>
+        <p:nvSpPr>
+          <p:cNvPr id="10" name="矩形 9"/>
+          <p:cNvSpPr/>
+          <p:nvPr/>
+        </p:nvSpPr>
+        <p:spPr>
+          <a:xfrm>
+            <a:off x="5323840" y="3486785"/>
+            <a:ext cx="1235710" cy="421640"/>
+          </a:xfrm>
+          <a:prstGeom prst="rect">
+            <a:avLst/>
+          </a:prstGeom>
+          <a:solidFill>
+            <a:schemeClr val="accent2">
+              <a:lumMod val="60000"/>
+              <a:lumOff val="40000"/>
+            </a:schemeClr>
+          </a:solidFill>
+        </p:spPr>
+        <p:style>
+          <a:lnRef idx="2">
+            <a:schemeClr val="accent1">
+              <a:shade val="50000"/>
+            </a:schemeClr>
+          </a:lnRef>
+          <a:fillRef idx="1">
+            <a:schemeClr val="accent1"/>
+          </a:fillRef>
+          <a:effectRef idx="0">
+            <a:schemeClr val="accent1"/>
+          </a:effectRef>
+          <a:fontRef idx="minor">
+            <a:schemeClr val="lt1"/>
+          </a:fontRef>
+        </p:style>
+        <p:txBody>
+          <a:bodyPr rtlCol="0" anchor="ctr"/>
+          <a:p>
+            <a:pPr algn="ctr"/>
+            <a:endParaRPr lang="zh-CN" altLang="en-US"/>
+          </a:p>
+        </p:txBody>
+      </p:sp>
+      <p:sp>
+        <p:nvSpPr>
+          <p:cNvPr id="13" name="矩形 12"/>
+          <p:cNvSpPr/>
+          <p:nvPr>
+            <p:custDataLst>
+              <p:tags r:id="rId3"/>
+            </p:custDataLst>
+          </p:nvPr>
+        </p:nvSpPr>
+        <p:spPr>
+          <a:xfrm>
+            <a:off x="5323840" y="3908425"/>
+            <a:ext cx="1235710" cy="421640"/>
+          </a:xfrm>
+          <a:prstGeom prst="rect">
+            <a:avLst/>
+          </a:prstGeom>
+        </p:spPr>
+        <p:style>
+          <a:lnRef idx="2">
+            <a:schemeClr val="accent1">
+              <a:shade val="50000"/>
+            </a:schemeClr>
+          </a:lnRef>
+          <a:fillRef idx="1">
+            <a:schemeClr val="accent1"/>
+          </a:fillRef>
+          <a:effectRef idx="0">
+            <a:schemeClr val="accent1"/>
+          </a:effectRef>
+          <a:fontRef idx="minor">
+            <a:schemeClr val="lt1"/>
+          </a:fontRef>
+        </p:style>
+        <p:txBody>
+          <a:bodyPr rtlCol="0" anchor="ctr"/>
+          <a:p>
+            <a:pPr algn="ctr"/>
+            <a:r>
+              <a:rPr lang="en-US" altLang="zh-CN"/>
+              <a:t>tag_0</a:t>
+            </a:r>
+            <a:endParaRPr lang="en-US" altLang="zh-CN"/>
+          </a:p>
+        </p:txBody>
+      </p:sp>
+      <p:sp>
+        <p:nvSpPr>
+          <p:cNvPr id="14" name="矩形 13"/>
+          <p:cNvSpPr/>
+          <p:nvPr>
+            <p:custDataLst>
+              <p:tags r:id="rId4"/>
+            </p:custDataLst>
+          </p:nvPr>
+        </p:nvSpPr>
+        <p:spPr>
+          <a:xfrm>
+            <a:off x="5323840" y="4330065"/>
+            <a:ext cx="1235710" cy="421640"/>
+          </a:xfrm>
+          <a:prstGeom prst="rect">
+            <a:avLst/>
+          </a:prstGeom>
+          <a:solidFill>
+            <a:schemeClr val="accent2">
+              <a:lumMod val="60000"/>
+              <a:lumOff val="40000"/>
+            </a:schemeClr>
+          </a:solidFill>
+        </p:spPr>
+        <p:style>
+          <a:lnRef idx="2">
+            <a:schemeClr val="accent1">
+              <a:shade val="50000"/>
+            </a:schemeClr>
+          </a:lnRef>
+          <a:fillRef idx="1">
+            <a:schemeClr val="accent1"/>
+          </a:fillRef>
+          <a:effectRef idx="0">
+            <a:schemeClr val="accent1"/>
+          </a:effectRef>
+          <a:fontRef idx="minor">
+            <a:schemeClr val="lt1"/>
+          </a:fontRef>
+        </p:style>
+        <p:txBody>
+          <a:bodyPr rtlCol="0" anchor="ctr"/>
+          <a:p>
+            <a:pPr algn="ctr"/>
+            <a:endParaRPr lang="zh-CN" altLang="en-US"/>
+          </a:p>
+        </p:txBody>
+      </p:sp>
+      <p:sp>
+        <p:nvSpPr>
+          <p:cNvPr id="15" name="矩形 14"/>
+          <p:cNvSpPr/>
+          <p:nvPr>
+            <p:custDataLst>
+              <p:tags r:id="rId5"/>
+            </p:custDataLst>
+          </p:nvPr>
+        </p:nvSpPr>
+        <p:spPr>
+          <a:xfrm>
+            <a:off x="5323840" y="4751705"/>
+            <a:ext cx="1235710" cy="421640"/>
+          </a:xfrm>
+          <a:prstGeom prst="rect">
+            <a:avLst/>
+          </a:prstGeom>
+          <a:solidFill>
+            <a:schemeClr val="accent2">
+              <a:lumMod val="60000"/>
+              <a:lumOff val="40000"/>
+            </a:schemeClr>
+          </a:solidFill>
+        </p:spPr>
+        <p:style>
+          <a:lnRef idx="2">
+            <a:schemeClr val="accent1">
+              <a:shade val="50000"/>
+            </a:schemeClr>
+          </a:lnRef>
+          <a:fillRef idx="1">
+            <a:schemeClr val="accent1"/>
+          </a:fillRef>
+          <a:effectRef idx="0">
+            <a:schemeClr val="accent1"/>
+          </a:effectRef>
+          <a:fontRef idx="minor">
+            <a:schemeClr val="lt1"/>
+          </a:fontRef>
+        </p:style>
+        <p:txBody>
+          <a:bodyPr rtlCol="0" anchor="ctr"/>
+          <a:p>
+            <a:pPr algn="ctr"/>
+            <a:endParaRPr lang="zh-CN" altLang="en-US"/>
+          </a:p>
+        </p:txBody>
+      </p:sp>
+      <p:sp>
+        <p:nvSpPr>
+          <p:cNvPr id="16" name="文本框 15"/>
+          <p:cNvSpPr txBox="1"/>
+          <p:nvPr/>
+        </p:nvSpPr>
+        <p:spPr>
+          <a:xfrm>
+            <a:off x="10266680" y="4010025"/>
+            <a:ext cx="2055495" cy="645160"/>
+          </a:xfrm>
+          <a:prstGeom prst="rect">
+            <a:avLst/>
+          </a:prstGeom>
+          <a:noFill/>
+        </p:spPr>
+        <p:txBody>
+          <a:bodyPr wrap="square" rtlCol="0">
+            <a:spAutoFit/>
+          </a:bodyPr>
+          <a:p>
+            <a:pPr algn="ctr"/>
+            <a:r>
+              <a:rPr lang="zh-CN" altLang="en-US"/>
+              <a:t>目录表</a:t>
+            </a:r>
+            <a:endParaRPr lang="zh-CN" altLang="en-US"/>
+          </a:p>
+          <a:p>
+            <a:pPr algn="ctr"/>
+            <a:r>
+              <a:rPr lang="zh-CN" altLang="en-US"/>
+              <a:t>（标识</a:t>
+            </a:r>
+            <a:r>
+              <a:rPr lang="zh-CN" altLang="en-US"/>
+              <a:t>存储器）</a:t>
+            </a:r>
+            <a:endParaRPr lang="zh-CN" altLang="en-US"/>
+          </a:p>
+        </p:txBody>
+      </p:sp>
+      <p:sp>
+        <p:nvSpPr>
+          <p:cNvPr id="17" name="矩形 16"/>
+          <p:cNvSpPr/>
+          <p:nvPr>
+            <p:custDataLst>
+              <p:tags r:id="rId6"/>
+            </p:custDataLst>
+          </p:nvPr>
+        </p:nvSpPr>
+        <p:spPr>
+          <a:xfrm>
+            <a:off x="6280785" y="960755"/>
+            <a:ext cx="2793365" cy="631190"/>
+          </a:xfrm>
+          <a:prstGeom prst="rect">
+            <a:avLst/>
+          </a:prstGeom>
+          <a:solidFill>
+            <a:schemeClr val="accent3">
+              <a:lumMod val="40000"/>
+              <a:lumOff val="60000"/>
+            </a:schemeClr>
+          </a:solidFill>
+        </p:spPr>
+        <p:style>
+          <a:lnRef idx="2">
+            <a:schemeClr val="accent3">
+              <a:shade val="50000"/>
+            </a:schemeClr>
+          </a:lnRef>
+          <a:fillRef idx="1">
+            <a:schemeClr val="accent3"/>
+          </a:fillRef>
+          <a:effectRef idx="0">
+            <a:schemeClr val="accent3"/>
+          </a:effectRef>
+          <a:fontRef idx="minor">
+            <a:schemeClr val="lt1"/>
+          </a:fontRef>
+        </p:style>
+        <p:txBody>
+          <a:bodyPr rtlCol="0" anchor="ctr"/>
+          <a:p>
+            <a:pPr algn="ctr"/>
+            <a:r>
+              <a:rPr lang="zh-CN" altLang="en-US" sz="2000">
+                <a:ln>
+                  <a:noFill/>
+                </a:ln>
+                <a:solidFill>
+                  <a:schemeClr val="tx1"/>
+                </a:solidFill>
+              </a:rPr>
+              <a:t>块内</a:t>
+            </a:r>
+            <a:r>
+              <a:rPr lang="zh-CN" altLang="en-US" sz="2000">
+                <a:ln>
+                  <a:noFill/>
+                </a:ln>
+                <a:solidFill>
+                  <a:schemeClr val="tx1"/>
+                </a:solidFill>
+              </a:rPr>
+              <a:t>位移</a:t>
+            </a:r>
+            <a:endParaRPr lang="zh-CN" altLang="en-US" sz="2000">
+              <a:ln>
+                <a:noFill/>
+              </a:ln>
+              <a:solidFill>
+                <a:schemeClr val="tx1"/>
+              </a:solidFill>
+            </a:endParaRPr>
+          </a:p>
+        </p:txBody>
+      </p:sp>
+      <p:sp>
+        <p:nvSpPr>
+          <p:cNvPr id="18" name="矩形 17"/>
+          <p:cNvSpPr/>
+          <p:nvPr>
+            <p:custDataLst>
+              <p:tags r:id="rId7"/>
+            </p:custDataLst>
+          </p:nvPr>
+        </p:nvSpPr>
+        <p:spPr>
+          <a:xfrm>
+            <a:off x="4930775" y="2052320"/>
+            <a:ext cx="2703830" cy="659130"/>
+          </a:xfrm>
+          <a:prstGeom prst="rect">
+            <a:avLst/>
+          </a:prstGeom>
+          <a:solidFill>
+            <a:schemeClr val="bg1"/>
+          </a:solidFill>
+          <a:ln w="38100">
+            <a:solidFill>
+              <a:schemeClr val="tx1"/>
+            </a:solidFill>
+          </a:ln>
+        </p:spPr>
+        <p:style>
+          <a:lnRef idx="2">
+            <a:schemeClr val="accent1">
+              <a:shade val="50000"/>
+            </a:schemeClr>
+          </a:lnRef>
+          <a:fillRef idx="1">
+            <a:schemeClr val="accent1"/>
+          </a:fillRef>
+          <a:effectRef idx="0">
+            <a:schemeClr val="accent1"/>
+          </a:effectRef>
+          <a:fontRef idx="minor">
+            <a:schemeClr val="lt1"/>
+          </a:fontRef>
+        </p:style>
+        <p:txBody>
+          <a:bodyPr rtlCol="0" anchor="ctr"/>
+          <a:p>
+            <a:pPr algn="ctr"/>
+            <a:r>
+              <a:rPr lang="zh-CN" altLang="en-US" sz="2000">
+                <a:ln>
+                  <a:noFill/>
+                </a:ln>
+                <a:solidFill>
+                  <a:schemeClr val="tx1"/>
+                </a:solidFill>
+                <a:sym typeface="+mn-ea"/>
+              </a:rPr>
+              <a:t>组索引（</a:t>
+            </a:r>
+            <a:r>
+              <a:rPr lang="en-US" altLang="zh-CN" sz="2000">
+                <a:ln>
+                  <a:noFill/>
+                </a:ln>
+                <a:solidFill>
+                  <a:schemeClr val="tx1"/>
+                </a:solidFill>
+                <a:sym typeface="+mn-ea"/>
+              </a:rPr>
+              <a:t>Index</a:t>
+            </a:r>
+            <a:r>
+              <a:rPr lang="zh-CN" altLang="en-US" sz="2000">
+                <a:ln>
+                  <a:noFill/>
+                </a:ln>
+                <a:solidFill>
+                  <a:schemeClr val="tx1"/>
+                </a:solidFill>
+                <a:sym typeface="+mn-ea"/>
+              </a:rPr>
+              <a:t>）</a:t>
+            </a:r>
+            <a:endParaRPr lang="en-US" altLang="zh-CN" sz="2000">
+              <a:ln>
+                <a:noFill/>
+              </a:ln>
+              <a:solidFill>
+                <a:schemeClr val="tx1"/>
+              </a:solidFill>
+            </a:endParaRPr>
+          </a:p>
+        </p:txBody>
+      </p:sp>
+      <p:sp>
+        <p:nvSpPr>
+          <p:cNvPr id="22" name="流程图: 决策 21"/>
+          <p:cNvSpPr/>
+          <p:nvPr/>
+        </p:nvSpPr>
+        <p:spPr>
+          <a:xfrm>
+            <a:off x="5407660" y="5567045"/>
+            <a:ext cx="1056640" cy="552450"/>
+          </a:xfrm>
+          <a:prstGeom prst="flowChartDecision">
+            <a:avLst/>
+          </a:prstGeom>
+        </p:spPr>
+        <p:style>
+          <a:lnRef idx="2">
+            <a:schemeClr val="accent1">
+              <a:shade val="50000"/>
+            </a:schemeClr>
+          </a:lnRef>
+          <a:fillRef idx="1">
+            <a:schemeClr val="accent1"/>
+          </a:fillRef>
+          <a:effectRef idx="0">
+            <a:schemeClr val="accent1"/>
+          </a:effectRef>
+          <a:fontRef idx="minor">
+            <a:schemeClr val="lt1"/>
+          </a:fontRef>
+        </p:style>
+        <p:txBody>
+          <a:bodyPr rtlCol="0" anchor="ctr"/>
+          <a:p>
+            <a:pPr algn="ctr"/>
+            <a:r>
+              <a:rPr lang="en-US" altLang="zh-CN"/>
+              <a:t>=</a:t>
+            </a:r>
+            <a:r>
+              <a:rPr lang="zh-CN" altLang="en-US"/>
+              <a:t>？</a:t>
+            </a:r>
+            <a:endParaRPr lang="zh-CN" altLang="en-US"/>
+          </a:p>
+        </p:txBody>
+      </p:sp>
+      <p:cxnSp>
+        <p:nvCxnSpPr>
+          <p:cNvPr id="23" name="肘形连接符 22"/>
+          <p:cNvCxnSpPr>
+            <a:stCxn id="6" idx="2"/>
+            <a:endCxn id="22" idx="2"/>
+          </p:cNvCxnSpPr>
+          <p:nvPr/>
+        </p:nvCxnSpPr>
+        <p:spPr>
+          <a:xfrm rot="5400000" flipV="1">
+            <a:off x="3053398" y="3236913"/>
+            <a:ext cx="3408045" cy="2357120"/>
+          </a:xfrm>
+          <a:prstGeom prst="bentConnector3">
+            <a:avLst>
+              <a:gd name="adj1" fmla="val 106978"/>
+            </a:avLst>
+          </a:prstGeom>
+          <a:ln w="38100">
+            <a:prstDash val="solid"/>
+            <a:tailEnd type="arrow" w="med" len="med"/>
+          </a:ln>
+        </p:spPr>
+        <p:style>
+          <a:lnRef idx="1">
+            <a:schemeClr val="dk1"/>
+          </a:lnRef>
+          <a:fillRef idx="0">
+            <a:schemeClr val="dk1"/>
+          </a:fillRef>
+          <a:effectRef idx="0">
+            <a:schemeClr val="dk1"/>
+          </a:effectRef>
+          <a:fontRef idx="minor">
+            <a:schemeClr val="tx1"/>
+          </a:fontRef>
+        </p:style>
+      </p:cxnSp>
+      <p:cxnSp>
+        <p:nvCxnSpPr>
+          <p:cNvPr id="24" name="肘形连接符 23"/>
+          <p:cNvCxnSpPr/>
+          <p:nvPr/>
+        </p:nvCxnSpPr>
+        <p:spPr>
+          <a:xfrm rot="5400000">
+            <a:off x="5099685" y="2934970"/>
+            <a:ext cx="1407795" cy="959485"/>
+          </a:xfrm>
+          <a:prstGeom prst="bentConnector4">
+            <a:avLst>
+              <a:gd name="adj1" fmla="val 22552"/>
+              <a:gd name="adj2" fmla="val 192852"/>
+            </a:avLst>
+          </a:prstGeom>
+          <a:ln w="38100">
+            <a:solidFill>
+              <a:schemeClr val="tx1"/>
+            </a:solidFill>
+            <a:tailEnd type="arrow"/>
+          </a:ln>
+        </p:spPr>
+        <p:style>
+          <a:lnRef idx="1">
+            <a:schemeClr val="accent1"/>
+          </a:lnRef>
+          <a:fillRef idx="0">
+            <a:schemeClr val="accent1"/>
+          </a:fillRef>
+          <a:effectRef idx="0">
+            <a:schemeClr val="accent1"/>
+          </a:effectRef>
+          <a:fontRef idx="minor">
+            <a:schemeClr val="tx1"/>
+          </a:fontRef>
+        </p:style>
+      </p:cxnSp>
+      <p:cxnSp>
+        <p:nvCxnSpPr>
+          <p:cNvPr id="25" name="直接箭头连接符 24"/>
+          <p:cNvCxnSpPr/>
+          <p:nvPr/>
+        </p:nvCxnSpPr>
+        <p:spPr>
+          <a:xfrm>
+            <a:off x="5942330" y="4261485"/>
+            <a:ext cx="0" cy="1305560"/>
+          </a:xfrm>
+          <a:prstGeom prst="straightConnector1">
+            <a:avLst/>
+          </a:prstGeom>
+          <a:ln w="38100">
+            <a:prstDash val="sysDot"/>
+            <a:tailEnd type="arrow" w="med" len="med"/>
+          </a:ln>
+        </p:spPr>
+        <p:style>
+          <a:lnRef idx="1">
+            <a:schemeClr val="dk1"/>
+          </a:lnRef>
+          <a:fillRef idx="0">
+            <a:schemeClr val="dk1"/>
+          </a:fillRef>
+          <a:effectRef idx="0">
+            <a:schemeClr val="dk1"/>
+          </a:effectRef>
+          <a:fontRef idx="minor">
+            <a:schemeClr val="tx1"/>
+          </a:fontRef>
+        </p:style>
+      </p:cxnSp>
+      <p:sp>
+        <p:nvSpPr>
+          <p:cNvPr id="26" name="文本框 25"/>
+          <p:cNvSpPr txBox="1"/>
+          <p:nvPr/>
+        </p:nvSpPr>
+        <p:spPr>
+          <a:xfrm>
+            <a:off x="10266680" y="5567045"/>
+            <a:ext cx="4064000" cy="645160"/>
+          </a:xfrm>
+          <a:prstGeom prst="rect">
+            <a:avLst/>
+          </a:prstGeom>
+          <a:noFill/>
+        </p:spPr>
+        <p:txBody>
+          <a:bodyPr wrap="square" rtlCol="0">
+            <a:spAutoFit/>
+          </a:bodyPr>
+          <a:p>
+            <a:r>
+              <a:rPr lang="zh-CN" altLang="en-US"/>
+              <a:t>匹配，则</a:t>
+            </a:r>
+            <a:r>
+              <a:rPr lang="zh-CN" altLang="en-US"/>
+              <a:t>命中</a:t>
+            </a:r>
+            <a:endParaRPr lang="zh-CN" altLang="en-US"/>
+          </a:p>
+          <a:p>
+            <a:r>
+              <a:rPr lang="zh-CN" altLang="en-US"/>
+              <a:t>不匹配，则</a:t>
+            </a:r>
+            <a:r>
+              <a:rPr lang="zh-CN" altLang="en-US"/>
+              <a:t>失效</a:t>
+            </a:r>
+            <a:endParaRPr lang="zh-CN" altLang="en-US"/>
+          </a:p>
+        </p:txBody>
+      </p:sp>
+      <p:sp>
+        <p:nvSpPr>
+          <p:cNvPr id="30" name="矩形 29"/>
+          <p:cNvSpPr/>
+          <p:nvPr>
+            <p:custDataLst>
+              <p:tags r:id="rId8"/>
+            </p:custDataLst>
+          </p:nvPr>
+        </p:nvSpPr>
+        <p:spPr>
+          <a:xfrm>
+            <a:off x="6559550" y="3486785"/>
+            <a:ext cx="1235710" cy="421640"/>
+          </a:xfrm>
+          <a:prstGeom prst="rect">
+            <a:avLst/>
+          </a:prstGeom>
+          <a:solidFill>
+            <a:schemeClr val="accent2">
+              <a:lumMod val="60000"/>
+              <a:lumOff val="40000"/>
+            </a:schemeClr>
+          </a:solidFill>
+        </p:spPr>
+        <p:style>
+          <a:lnRef idx="2">
+            <a:schemeClr val="accent1">
+              <a:shade val="50000"/>
+            </a:schemeClr>
+          </a:lnRef>
+          <a:fillRef idx="1">
+            <a:schemeClr val="accent1"/>
+          </a:fillRef>
+          <a:effectRef idx="0">
+            <a:schemeClr val="accent1"/>
+          </a:effectRef>
+          <a:fontRef idx="minor">
+            <a:schemeClr val="lt1"/>
+          </a:fontRef>
+        </p:style>
+        <p:txBody>
+          <a:bodyPr rtlCol="0" anchor="ctr"/>
+          <a:p>
+            <a:pPr algn="ctr"/>
+            <a:endParaRPr lang="zh-CN" altLang="en-US"/>
+          </a:p>
+        </p:txBody>
+      </p:sp>
+      <p:sp>
+        <p:nvSpPr>
+          <p:cNvPr id="31" name="矩形 30"/>
+          <p:cNvSpPr/>
+          <p:nvPr>
+            <p:custDataLst>
+              <p:tags r:id="rId9"/>
+            </p:custDataLst>
+          </p:nvPr>
+        </p:nvSpPr>
+        <p:spPr>
+          <a:xfrm>
+            <a:off x="6559550" y="3908425"/>
+            <a:ext cx="1235710" cy="421640"/>
+          </a:xfrm>
+          <a:prstGeom prst="rect">
+            <a:avLst/>
+          </a:prstGeom>
+        </p:spPr>
+        <p:style>
+          <a:lnRef idx="2">
+            <a:schemeClr val="accent1">
+              <a:shade val="50000"/>
+            </a:schemeClr>
+          </a:lnRef>
+          <a:fillRef idx="1">
+            <a:schemeClr val="accent1"/>
+          </a:fillRef>
+          <a:effectRef idx="0">
+            <a:schemeClr val="accent1"/>
+          </a:effectRef>
+          <a:fontRef idx="minor">
+            <a:schemeClr val="lt1"/>
+          </a:fontRef>
+        </p:style>
+        <p:txBody>
+          <a:bodyPr rtlCol="0" anchor="ctr"/>
+          <a:p>
+            <a:pPr algn="ctr"/>
+            <a:r>
+              <a:rPr lang="en-US" altLang="zh-CN"/>
+              <a:t>tag_1</a:t>
+            </a:r>
+            <a:endParaRPr lang="en-US" altLang="zh-CN"/>
+          </a:p>
+        </p:txBody>
+      </p:sp>
+      <p:sp>
+        <p:nvSpPr>
+          <p:cNvPr id="32" name="矩形 31"/>
+          <p:cNvSpPr/>
+          <p:nvPr>
+            <p:custDataLst>
+              <p:tags r:id="rId10"/>
+            </p:custDataLst>
+          </p:nvPr>
+        </p:nvSpPr>
+        <p:spPr>
+          <a:xfrm>
+            <a:off x="6559550" y="4330065"/>
+            <a:ext cx="1235710" cy="421640"/>
+          </a:xfrm>
+          <a:prstGeom prst="rect">
+            <a:avLst/>
+          </a:prstGeom>
+          <a:solidFill>
+            <a:schemeClr val="accent2">
+              <a:lumMod val="60000"/>
+              <a:lumOff val="40000"/>
+            </a:schemeClr>
+          </a:solidFill>
+        </p:spPr>
+        <p:style>
+          <a:lnRef idx="2">
+            <a:schemeClr val="accent1">
+              <a:shade val="50000"/>
+            </a:schemeClr>
+          </a:lnRef>
+          <a:fillRef idx="1">
+            <a:schemeClr val="accent1"/>
+          </a:fillRef>
+          <a:effectRef idx="0">
+            <a:schemeClr val="accent1"/>
+          </a:effectRef>
+          <a:fontRef idx="minor">
+            <a:schemeClr val="lt1"/>
+          </a:fontRef>
+        </p:style>
+        <p:txBody>
+          <a:bodyPr rtlCol="0" anchor="ctr"/>
+          <a:p>
+            <a:pPr algn="ctr"/>
+            <a:endParaRPr lang="zh-CN" altLang="en-US"/>
+          </a:p>
+        </p:txBody>
+      </p:sp>
+      <p:sp>
+        <p:nvSpPr>
+          <p:cNvPr id="33" name="矩形 32"/>
+          <p:cNvSpPr/>
+          <p:nvPr>
+            <p:custDataLst>
+              <p:tags r:id="rId11"/>
+            </p:custDataLst>
+          </p:nvPr>
+        </p:nvSpPr>
+        <p:spPr>
+          <a:xfrm>
+            <a:off x="6559550" y="4751705"/>
+            <a:ext cx="1235710" cy="421640"/>
+          </a:xfrm>
+          <a:prstGeom prst="rect">
+            <a:avLst/>
+          </a:prstGeom>
+          <a:solidFill>
+            <a:schemeClr val="accent2">
+              <a:lumMod val="60000"/>
+              <a:lumOff val="40000"/>
+            </a:schemeClr>
+          </a:solidFill>
+        </p:spPr>
+        <p:style>
+          <a:lnRef idx="2">
+            <a:schemeClr val="accent1">
+              <a:shade val="50000"/>
+            </a:schemeClr>
+          </a:lnRef>
+          <a:fillRef idx="1">
+            <a:schemeClr val="accent1"/>
+          </a:fillRef>
+          <a:effectRef idx="0">
+            <a:schemeClr val="accent1"/>
+          </a:effectRef>
+          <a:fontRef idx="minor">
+            <a:schemeClr val="lt1"/>
+          </a:fontRef>
+        </p:style>
+        <p:txBody>
+          <a:bodyPr rtlCol="0" anchor="ctr"/>
+          <a:p>
+            <a:pPr algn="ctr"/>
+            <a:endParaRPr lang="zh-CN" altLang="en-US"/>
+          </a:p>
+        </p:txBody>
+      </p:sp>
+      <p:sp>
+        <p:nvSpPr>
+          <p:cNvPr id="34" name="流程图: 决策 33"/>
+          <p:cNvSpPr/>
+          <p:nvPr>
+            <p:custDataLst>
+              <p:tags r:id="rId12"/>
+            </p:custDataLst>
+          </p:nvPr>
+        </p:nvSpPr>
+        <p:spPr>
+          <a:xfrm>
+            <a:off x="6643370" y="5567045"/>
+            <a:ext cx="1056640" cy="552450"/>
+          </a:xfrm>
+          <a:prstGeom prst="flowChartDecision">
+            <a:avLst/>
+          </a:prstGeom>
+        </p:spPr>
+        <p:style>
+          <a:lnRef idx="2">
+            <a:schemeClr val="accent1">
+              <a:shade val="50000"/>
+            </a:schemeClr>
+          </a:lnRef>
+          <a:fillRef idx="1">
+            <a:schemeClr val="accent1"/>
+          </a:fillRef>
+          <a:effectRef idx="0">
+            <a:schemeClr val="accent1"/>
+          </a:effectRef>
+          <a:fontRef idx="minor">
+            <a:schemeClr val="lt1"/>
+          </a:fontRef>
+        </p:style>
+        <p:txBody>
+          <a:bodyPr rtlCol="0" anchor="ctr"/>
+          <a:p>
+            <a:pPr algn="ctr"/>
+            <a:r>
+              <a:rPr lang="en-US" altLang="zh-CN"/>
+              <a:t>=</a:t>
+            </a:r>
+            <a:r>
+              <a:rPr lang="zh-CN" altLang="en-US"/>
+              <a:t>？</a:t>
+            </a:r>
+            <a:endParaRPr lang="zh-CN" altLang="en-US"/>
+          </a:p>
+        </p:txBody>
+      </p:sp>
+      <p:cxnSp>
+        <p:nvCxnSpPr>
+          <p:cNvPr id="35" name="直接箭头连接符 34"/>
+          <p:cNvCxnSpPr/>
+          <p:nvPr>
+            <p:custDataLst>
+              <p:tags r:id="rId13"/>
+            </p:custDataLst>
+          </p:nvPr>
+        </p:nvCxnSpPr>
+        <p:spPr>
+          <a:xfrm>
+            <a:off x="7178040" y="4261485"/>
+            <a:ext cx="0" cy="1305560"/>
+          </a:xfrm>
+          <a:prstGeom prst="straightConnector1">
+            <a:avLst/>
+          </a:prstGeom>
+          <a:ln w="38100">
+            <a:prstDash val="sysDot"/>
+            <a:tailEnd type="arrow" w="med" len="med"/>
+          </a:ln>
+        </p:spPr>
+        <p:style>
+          <a:lnRef idx="1">
+            <a:schemeClr val="dk1"/>
+          </a:lnRef>
+          <a:fillRef idx="0">
+            <a:schemeClr val="dk1"/>
+          </a:fillRef>
+          <a:effectRef idx="0">
+            <a:schemeClr val="dk1"/>
+          </a:effectRef>
+          <a:fontRef idx="minor">
+            <a:schemeClr val="tx1"/>
+          </a:fontRef>
+        </p:style>
+      </p:cxnSp>
+      <p:sp>
+        <p:nvSpPr>
+          <p:cNvPr id="36" name="矩形 35"/>
+          <p:cNvSpPr/>
+          <p:nvPr>
+            <p:custDataLst>
+              <p:tags r:id="rId14"/>
+            </p:custDataLst>
+          </p:nvPr>
+        </p:nvSpPr>
+        <p:spPr>
+          <a:xfrm>
+            <a:off x="7795260" y="3486785"/>
+            <a:ext cx="1235710" cy="421640"/>
+          </a:xfrm>
+          <a:prstGeom prst="rect">
+            <a:avLst/>
+          </a:prstGeom>
+          <a:solidFill>
+            <a:schemeClr val="accent2">
+              <a:lumMod val="60000"/>
+              <a:lumOff val="40000"/>
+            </a:schemeClr>
+          </a:solidFill>
+        </p:spPr>
+        <p:style>
+          <a:lnRef idx="2">
+            <a:schemeClr val="accent1">
+              <a:shade val="50000"/>
+            </a:schemeClr>
+          </a:lnRef>
+          <a:fillRef idx="1">
+            <a:schemeClr val="accent1"/>
+          </a:fillRef>
+          <a:effectRef idx="0">
+            <a:schemeClr val="accent1"/>
+          </a:effectRef>
+          <a:fontRef idx="minor">
+            <a:schemeClr val="lt1"/>
+          </a:fontRef>
+        </p:style>
+        <p:txBody>
+          <a:bodyPr rtlCol="0" anchor="ctr"/>
+          <a:p>
+            <a:pPr algn="ctr"/>
+            <a:endParaRPr lang="zh-CN" altLang="en-US"/>
+          </a:p>
+        </p:txBody>
+      </p:sp>
+      <p:sp>
+        <p:nvSpPr>
+          <p:cNvPr id="37" name="矩形 36"/>
+          <p:cNvSpPr/>
+          <p:nvPr>
+            <p:custDataLst>
+              <p:tags r:id="rId15"/>
+            </p:custDataLst>
+          </p:nvPr>
+        </p:nvSpPr>
+        <p:spPr>
+          <a:xfrm>
+            <a:off x="7795260" y="3908425"/>
+            <a:ext cx="1235710" cy="421640"/>
+          </a:xfrm>
+          <a:prstGeom prst="rect">
+            <a:avLst/>
+          </a:prstGeom>
+        </p:spPr>
+        <p:style>
+          <a:lnRef idx="2">
+            <a:schemeClr val="accent1">
+              <a:shade val="50000"/>
+            </a:schemeClr>
+          </a:lnRef>
+          <a:fillRef idx="1">
+            <a:schemeClr val="accent1"/>
+          </a:fillRef>
+          <a:effectRef idx="0">
+            <a:schemeClr val="accent1"/>
+          </a:effectRef>
+          <a:fontRef idx="minor">
+            <a:schemeClr val="lt1"/>
+          </a:fontRef>
+        </p:style>
+        <p:txBody>
+          <a:bodyPr rtlCol="0" anchor="ctr"/>
+          <a:p>
+            <a:pPr algn="ctr"/>
+            <a:r>
+              <a:rPr lang="en-US" altLang="zh-CN"/>
+              <a:t>tag_2</a:t>
+            </a:r>
+            <a:endParaRPr lang="en-US" altLang="zh-CN"/>
+          </a:p>
+        </p:txBody>
+      </p:sp>
+      <p:sp>
+        <p:nvSpPr>
+          <p:cNvPr id="38" name="矩形 37"/>
+          <p:cNvSpPr/>
+          <p:nvPr>
+            <p:custDataLst>
+              <p:tags r:id="rId16"/>
+            </p:custDataLst>
+          </p:nvPr>
+        </p:nvSpPr>
+        <p:spPr>
+          <a:xfrm>
+            <a:off x="7795260" y="4330065"/>
+            <a:ext cx="1235710" cy="421640"/>
+          </a:xfrm>
+          <a:prstGeom prst="rect">
+            <a:avLst/>
+          </a:prstGeom>
+          <a:solidFill>
+            <a:schemeClr val="accent2">
+              <a:lumMod val="60000"/>
+              <a:lumOff val="40000"/>
+            </a:schemeClr>
+          </a:solidFill>
+        </p:spPr>
+        <p:style>
+          <a:lnRef idx="2">
+            <a:schemeClr val="accent1">
+              <a:shade val="50000"/>
+            </a:schemeClr>
+          </a:lnRef>
+          <a:fillRef idx="1">
+            <a:schemeClr val="accent1"/>
+          </a:fillRef>
+          <a:effectRef idx="0">
+            <a:schemeClr val="accent1"/>
+          </a:effectRef>
+          <a:fontRef idx="minor">
+            <a:schemeClr val="lt1"/>
+          </a:fontRef>
+        </p:style>
+        <p:txBody>
+          <a:bodyPr rtlCol="0" anchor="ctr"/>
+          <a:p>
+            <a:pPr algn="ctr"/>
+            <a:endParaRPr lang="zh-CN" altLang="en-US"/>
+          </a:p>
+        </p:txBody>
+      </p:sp>
+      <p:sp>
+        <p:nvSpPr>
+          <p:cNvPr id="39" name="矩形 38"/>
+          <p:cNvSpPr/>
+          <p:nvPr>
+            <p:custDataLst>
+              <p:tags r:id="rId17"/>
+            </p:custDataLst>
+          </p:nvPr>
+        </p:nvSpPr>
+        <p:spPr>
+          <a:xfrm>
+            <a:off x="7795260" y="4751705"/>
+            <a:ext cx="1235710" cy="421640"/>
+          </a:xfrm>
+          <a:prstGeom prst="rect">
+            <a:avLst/>
+          </a:prstGeom>
+          <a:solidFill>
+            <a:schemeClr val="accent2">
+              <a:lumMod val="60000"/>
+              <a:lumOff val="40000"/>
+            </a:schemeClr>
+          </a:solidFill>
+        </p:spPr>
+        <p:style>
+          <a:lnRef idx="2">
+            <a:schemeClr val="accent1">
+              <a:shade val="50000"/>
+            </a:schemeClr>
+          </a:lnRef>
+          <a:fillRef idx="1">
+            <a:schemeClr val="accent1"/>
+          </a:fillRef>
+          <a:effectRef idx="0">
+            <a:schemeClr val="accent1"/>
+          </a:effectRef>
+          <a:fontRef idx="minor">
+            <a:schemeClr val="lt1"/>
+          </a:fontRef>
+        </p:style>
+        <p:txBody>
+          <a:bodyPr rtlCol="0" anchor="ctr"/>
+          <a:p>
+            <a:pPr algn="ctr"/>
+            <a:endParaRPr lang="zh-CN" altLang="en-US"/>
+          </a:p>
+        </p:txBody>
+      </p:sp>
+      <p:sp>
+        <p:nvSpPr>
+          <p:cNvPr id="40" name="流程图: 决策 39"/>
+          <p:cNvSpPr/>
+          <p:nvPr>
+            <p:custDataLst>
+              <p:tags r:id="rId18"/>
+            </p:custDataLst>
+          </p:nvPr>
+        </p:nvSpPr>
+        <p:spPr>
+          <a:xfrm>
+            <a:off x="7879080" y="5567045"/>
+            <a:ext cx="1056640" cy="552450"/>
+          </a:xfrm>
+          <a:prstGeom prst="flowChartDecision">
+            <a:avLst/>
+          </a:prstGeom>
+        </p:spPr>
+        <p:style>
+          <a:lnRef idx="2">
+            <a:schemeClr val="accent1">
+              <a:shade val="50000"/>
+            </a:schemeClr>
+          </a:lnRef>
+          <a:fillRef idx="1">
+            <a:schemeClr val="accent1"/>
+          </a:fillRef>
+          <a:effectRef idx="0">
+            <a:schemeClr val="accent1"/>
+          </a:effectRef>
+          <a:fontRef idx="minor">
+            <a:schemeClr val="lt1"/>
+          </a:fontRef>
+        </p:style>
+        <p:txBody>
+          <a:bodyPr rtlCol="0" anchor="ctr"/>
+          <a:p>
+            <a:pPr algn="ctr"/>
+            <a:r>
+              <a:rPr lang="en-US" altLang="zh-CN"/>
+              <a:t>=</a:t>
+            </a:r>
+            <a:r>
+              <a:rPr lang="zh-CN" altLang="en-US"/>
+              <a:t>？</a:t>
+            </a:r>
+            <a:endParaRPr lang="zh-CN" altLang="en-US"/>
+          </a:p>
+        </p:txBody>
+      </p:sp>
+      <p:cxnSp>
+        <p:nvCxnSpPr>
+          <p:cNvPr id="41" name="直接箭头连接符 40"/>
+          <p:cNvCxnSpPr/>
+          <p:nvPr>
+            <p:custDataLst>
+              <p:tags r:id="rId19"/>
+            </p:custDataLst>
+          </p:nvPr>
+        </p:nvCxnSpPr>
+        <p:spPr>
+          <a:xfrm>
+            <a:off x="8413750" y="4261485"/>
+            <a:ext cx="0" cy="1305560"/>
+          </a:xfrm>
+          <a:prstGeom prst="straightConnector1">
+            <a:avLst/>
+          </a:prstGeom>
+          <a:ln w="38100">
+            <a:prstDash val="sysDot"/>
+            <a:tailEnd type="arrow" w="med" len="med"/>
+          </a:ln>
+        </p:spPr>
+        <p:style>
+          <a:lnRef idx="1">
+            <a:schemeClr val="dk1"/>
+          </a:lnRef>
+          <a:fillRef idx="0">
+            <a:schemeClr val="dk1"/>
+          </a:fillRef>
+          <a:effectRef idx="0">
+            <a:schemeClr val="dk1"/>
+          </a:effectRef>
+          <a:fontRef idx="minor">
+            <a:schemeClr val="tx1"/>
+          </a:fontRef>
+        </p:style>
+      </p:cxnSp>
+      <p:sp>
+        <p:nvSpPr>
+          <p:cNvPr id="42" name="矩形 41"/>
+          <p:cNvSpPr/>
+          <p:nvPr>
+            <p:custDataLst>
+              <p:tags r:id="rId20"/>
+            </p:custDataLst>
+          </p:nvPr>
+        </p:nvSpPr>
+        <p:spPr>
+          <a:xfrm>
+            <a:off x="9030970" y="3486785"/>
+            <a:ext cx="1235710" cy="421640"/>
+          </a:xfrm>
+          <a:prstGeom prst="rect">
+            <a:avLst/>
+          </a:prstGeom>
+          <a:solidFill>
+            <a:schemeClr val="accent2">
+              <a:lumMod val="60000"/>
+              <a:lumOff val="40000"/>
+            </a:schemeClr>
+          </a:solidFill>
+        </p:spPr>
+        <p:style>
+          <a:lnRef idx="2">
+            <a:schemeClr val="accent1">
+              <a:shade val="50000"/>
+            </a:schemeClr>
+          </a:lnRef>
+          <a:fillRef idx="1">
+            <a:schemeClr val="accent1"/>
+          </a:fillRef>
+          <a:effectRef idx="0">
+            <a:schemeClr val="accent1"/>
+          </a:effectRef>
+          <a:fontRef idx="minor">
+            <a:schemeClr val="lt1"/>
+          </a:fontRef>
+        </p:style>
+        <p:txBody>
+          <a:bodyPr rtlCol="0" anchor="ctr"/>
+          <a:p>
+            <a:pPr algn="ctr"/>
+            <a:endParaRPr lang="zh-CN" altLang="en-US"/>
+          </a:p>
+        </p:txBody>
+      </p:sp>
+      <p:sp>
+        <p:nvSpPr>
+          <p:cNvPr id="43" name="矩形 42"/>
+          <p:cNvSpPr/>
+          <p:nvPr>
+            <p:custDataLst>
+              <p:tags r:id="rId21"/>
+            </p:custDataLst>
+          </p:nvPr>
+        </p:nvSpPr>
+        <p:spPr>
+          <a:xfrm>
+            <a:off x="9030970" y="3908425"/>
+            <a:ext cx="1235710" cy="421640"/>
+          </a:xfrm>
+          <a:prstGeom prst="rect">
+            <a:avLst/>
+          </a:prstGeom>
+        </p:spPr>
+        <p:style>
+          <a:lnRef idx="2">
+            <a:schemeClr val="accent1">
+              <a:shade val="50000"/>
+            </a:schemeClr>
+          </a:lnRef>
+          <a:fillRef idx="1">
+            <a:schemeClr val="accent1"/>
+          </a:fillRef>
+          <a:effectRef idx="0">
+            <a:schemeClr val="accent1"/>
+          </a:effectRef>
+          <a:fontRef idx="minor">
+            <a:schemeClr val="lt1"/>
+          </a:fontRef>
+        </p:style>
+        <p:txBody>
+          <a:bodyPr rtlCol="0" anchor="ctr"/>
+          <a:p>
+            <a:pPr algn="ctr"/>
+            <a:r>
+              <a:rPr lang="en-US" altLang="zh-CN"/>
+              <a:t>tag_3</a:t>
+            </a:r>
+            <a:endParaRPr lang="en-US" altLang="zh-CN"/>
+          </a:p>
+        </p:txBody>
+      </p:sp>
+      <p:sp>
+        <p:nvSpPr>
+          <p:cNvPr id="44" name="矩形 43"/>
+          <p:cNvSpPr/>
+          <p:nvPr>
+            <p:custDataLst>
+              <p:tags r:id="rId22"/>
+            </p:custDataLst>
+          </p:nvPr>
+        </p:nvSpPr>
+        <p:spPr>
+          <a:xfrm>
+            <a:off x="9030970" y="4330065"/>
+            <a:ext cx="1235710" cy="421640"/>
+          </a:xfrm>
+          <a:prstGeom prst="rect">
+            <a:avLst/>
+          </a:prstGeom>
+          <a:solidFill>
+            <a:schemeClr val="accent2">
+              <a:lumMod val="60000"/>
+              <a:lumOff val="40000"/>
+            </a:schemeClr>
+          </a:solidFill>
+        </p:spPr>
+        <p:style>
+          <a:lnRef idx="2">
+            <a:schemeClr val="accent1">
+              <a:shade val="50000"/>
+            </a:schemeClr>
+          </a:lnRef>
+          <a:fillRef idx="1">
+            <a:schemeClr val="accent1"/>
+          </a:fillRef>
+          <a:effectRef idx="0">
+            <a:schemeClr val="accent1"/>
+          </a:effectRef>
+          <a:fontRef idx="minor">
+            <a:schemeClr val="lt1"/>
+          </a:fontRef>
+        </p:style>
+        <p:txBody>
+          <a:bodyPr rtlCol="0" anchor="ctr"/>
+          <a:p>
+            <a:pPr algn="ctr"/>
+            <a:endParaRPr lang="zh-CN" altLang="en-US"/>
+          </a:p>
+        </p:txBody>
+      </p:sp>
+      <p:sp>
+        <p:nvSpPr>
+          <p:cNvPr id="45" name="矩形 44"/>
+          <p:cNvSpPr/>
+          <p:nvPr>
+            <p:custDataLst>
+              <p:tags r:id="rId23"/>
+            </p:custDataLst>
+          </p:nvPr>
+        </p:nvSpPr>
+        <p:spPr>
+          <a:xfrm>
+            <a:off x="9030970" y="4751705"/>
+            <a:ext cx="1235710" cy="421640"/>
+          </a:xfrm>
+          <a:prstGeom prst="rect">
+            <a:avLst/>
+          </a:prstGeom>
+          <a:solidFill>
+            <a:schemeClr val="accent2">
+              <a:lumMod val="60000"/>
+              <a:lumOff val="40000"/>
+            </a:schemeClr>
+          </a:solidFill>
+        </p:spPr>
+        <p:style>
+          <a:lnRef idx="2">
+            <a:schemeClr val="accent1">
+              <a:shade val="50000"/>
+            </a:schemeClr>
+          </a:lnRef>
+          <a:fillRef idx="1">
+            <a:schemeClr val="accent1"/>
+          </a:fillRef>
+          <a:effectRef idx="0">
+            <a:schemeClr val="accent1"/>
+          </a:effectRef>
+          <a:fontRef idx="minor">
+            <a:schemeClr val="lt1"/>
+          </a:fontRef>
+        </p:style>
+        <p:txBody>
+          <a:bodyPr rtlCol="0" anchor="ctr"/>
+          <a:p>
+            <a:pPr algn="ctr"/>
+            <a:endParaRPr lang="zh-CN" altLang="en-US"/>
+          </a:p>
+        </p:txBody>
+      </p:sp>
+      <p:sp>
+        <p:nvSpPr>
+          <p:cNvPr id="46" name="流程图: 决策 45"/>
+          <p:cNvSpPr/>
+          <p:nvPr>
+            <p:custDataLst>
+              <p:tags r:id="rId24"/>
+            </p:custDataLst>
+          </p:nvPr>
+        </p:nvSpPr>
+        <p:spPr>
+          <a:xfrm>
+            <a:off x="9114790" y="5567045"/>
+            <a:ext cx="1056640" cy="552450"/>
+          </a:xfrm>
+          <a:prstGeom prst="flowChartDecision">
+            <a:avLst/>
+          </a:prstGeom>
+        </p:spPr>
+        <p:style>
+          <a:lnRef idx="2">
+            <a:schemeClr val="accent1">
+              <a:shade val="50000"/>
+            </a:schemeClr>
+          </a:lnRef>
+          <a:fillRef idx="1">
+            <a:schemeClr val="accent1"/>
+          </a:fillRef>
+          <a:effectRef idx="0">
+            <a:schemeClr val="accent1"/>
+          </a:effectRef>
+          <a:fontRef idx="minor">
+            <a:schemeClr val="lt1"/>
+          </a:fontRef>
+        </p:style>
+        <p:txBody>
+          <a:bodyPr rtlCol="0" anchor="ctr"/>
+          <a:p>
+            <a:pPr algn="ctr"/>
+            <a:r>
+              <a:rPr lang="en-US" altLang="zh-CN"/>
+              <a:t>=</a:t>
+            </a:r>
+            <a:r>
+              <a:rPr lang="zh-CN" altLang="en-US"/>
+              <a:t>？</a:t>
+            </a:r>
+            <a:endParaRPr lang="zh-CN" altLang="en-US"/>
+          </a:p>
+        </p:txBody>
+      </p:sp>
+      <p:cxnSp>
+        <p:nvCxnSpPr>
+          <p:cNvPr id="47" name="直接箭头连接符 46"/>
+          <p:cNvCxnSpPr/>
+          <p:nvPr>
+            <p:custDataLst>
+              <p:tags r:id="rId25"/>
+            </p:custDataLst>
+          </p:nvPr>
+        </p:nvCxnSpPr>
+        <p:spPr>
+          <a:xfrm>
+            <a:off x="9649460" y="4261485"/>
+            <a:ext cx="0" cy="1305560"/>
+          </a:xfrm>
+          <a:prstGeom prst="straightConnector1">
+            <a:avLst/>
+          </a:prstGeom>
+          <a:ln w="38100">
+            <a:prstDash val="sysDot"/>
+            <a:tailEnd type="arrow" w="med" len="med"/>
+          </a:ln>
+        </p:spPr>
+        <p:style>
+          <a:lnRef idx="1">
+            <a:schemeClr val="dk1"/>
+          </a:lnRef>
+          <a:fillRef idx="0">
+            <a:schemeClr val="dk1"/>
+          </a:fillRef>
+          <a:effectRef idx="0">
+            <a:schemeClr val="dk1"/>
+          </a:effectRef>
+          <a:fontRef idx="minor">
+            <a:schemeClr val="tx1"/>
+          </a:fontRef>
+        </p:style>
+      </p:cxnSp>
+      <p:sp>
+        <p:nvSpPr>
+          <p:cNvPr id="50" name="文本框 49"/>
+          <p:cNvSpPr txBox="1"/>
+          <p:nvPr/>
+        </p:nvSpPr>
+        <p:spPr>
+          <a:xfrm>
+            <a:off x="5578475" y="3060700"/>
+            <a:ext cx="874395" cy="368300"/>
+          </a:xfrm>
+          <a:prstGeom prst="rect">
+            <a:avLst/>
+          </a:prstGeom>
+          <a:noFill/>
+        </p:spPr>
+        <p:txBody>
+          <a:bodyPr wrap="square" rtlCol="0">
+            <a:spAutoFit/>
+          </a:bodyPr>
+          <a:p>
+            <a:r>
+              <a:rPr lang="zh-CN" altLang="en-US"/>
+              <a:t>第</a:t>
+            </a:r>
+            <a:r>
+              <a:rPr lang="en-US" altLang="zh-CN"/>
+              <a:t>0</a:t>
+            </a:r>
+            <a:r>
+              <a:rPr lang="zh-CN" altLang="en-US"/>
+              <a:t>路</a:t>
+            </a:r>
+            <a:endParaRPr lang="zh-CN" altLang="en-US"/>
+          </a:p>
+        </p:txBody>
+      </p:sp>
+      <p:sp>
+        <p:nvSpPr>
+          <p:cNvPr id="51" name="文本框 50"/>
+          <p:cNvSpPr txBox="1"/>
+          <p:nvPr>
+            <p:custDataLst>
+              <p:tags r:id="rId26"/>
+            </p:custDataLst>
+          </p:nvPr>
+        </p:nvSpPr>
+        <p:spPr>
+          <a:xfrm>
+            <a:off x="6760210" y="3060700"/>
+            <a:ext cx="874395" cy="368300"/>
+          </a:xfrm>
+          <a:prstGeom prst="rect">
+            <a:avLst/>
+          </a:prstGeom>
+          <a:noFill/>
+        </p:spPr>
+        <p:txBody>
+          <a:bodyPr wrap="square" rtlCol="0">
+            <a:spAutoFit/>
+          </a:bodyPr>
+          <a:p>
+            <a:r>
+              <a:rPr lang="zh-CN" altLang="en-US"/>
+              <a:t>第</a:t>
+            </a:r>
+            <a:r>
+              <a:rPr lang="en-US" altLang="zh-CN"/>
+              <a:t>1</a:t>
+            </a:r>
+            <a:r>
+              <a:rPr lang="zh-CN" altLang="en-US"/>
+              <a:t>路</a:t>
+            </a:r>
+            <a:endParaRPr lang="zh-CN" altLang="en-US"/>
+          </a:p>
+        </p:txBody>
+      </p:sp>
+      <p:sp>
+        <p:nvSpPr>
+          <p:cNvPr id="52" name="文本框 51"/>
+          <p:cNvSpPr txBox="1"/>
+          <p:nvPr>
+            <p:custDataLst>
+              <p:tags r:id="rId27"/>
+            </p:custDataLst>
+          </p:nvPr>
+        </p:nvSpPr>
+        <p:spPr>
+          <a:xfrm>
+            <a:off x="8052435" y="3060700"/>
+            <a:ext cx="874395" cy="368300"/>
+          </a:xfrm>
+          <a:prstGeom prst="rect">
+            <a:avLst/>
+          </a:prstGeom>
+          <a:noFill/>
+        </p:spPr>
+        <p:txBody>
+          <a:bodyPr wrap="square" rtlCol="0">
+            <a:spAutoFit/>
+          </a:bodyPr>
+          <a:p>
+            <a:r>
+              <a:rPr lang="zh-CN" altLang="en-US"/>
+              <a:t>第</a:t>
+            </a:r>
+            <a:r>
+              <a:rPr lang="en-US" altLang="zh-CN"/>
+              <a:t>2</a:t>
+            </a:r>
+            <a:r>
+              <a:rPr lang="zh-CN" altLang="en-US"/>
+              <a:t>路</a:t>
+            </a:r>
+            <a:endParaRPr lang="zh-CN" altLang="en-US"/>
+          </a:p>
+        </p:txBody>
+      </p:sp>
+      <p:sp>
+        <p:nvSpPr>
+          <p:cNvPr id="53" name="文本框 52"/>
+          <p:cNvSpPr txBox="1"/>
+          <p:nvPr>
+            <p:custDataLst>
+              <p:tags r:id="rId28"/>
+            </p:custDataLst>
+          </p:nvPr>
+        </p:nvSpPr>
+        <p:spPr>
+          <a:xfrm>
+            <a:off x="9212580" y="3060700"/>
+            <a:ext cx="874395" cy="368300"/>
+          </a:xfrm>
+          <a:prstGeom prst="rect">
+            <a:avLst/>
+          </a:prstGeom>
+          <a:noFill/>
+        </p:spPr>
+        <p:txBody>
+          <a:bodyPr wrap="square" rtlCol="0">
+            <a:spAutoFit/>
+          </a:bodyPr>
+          <a:p>
+            <a:r>
+              <a:rPr lang="zh-CN" altLang="en-US"/>
+              <a:t>第</a:t>
+            </a:r>
+            <a:r>
+              <a:rPr lang="en-US" altLang="zh-CN"/>
+              <a:t>3</a:t>
+            </a:r>
+            <a:r>
+              <a:rPr lang="zh-CN" altLang="en-US"/>
+              <a:t>路</a:t>
+            </a:r>
+            <a:endParaRPr lang="zh-CN" altLang="en-US"/>
+          </a:p>
+        </p:txBody>
+      </p:sp>
+      <p:cxnSp>
+        <p:nvCxnSpPr>
+          <p:cNvPr id="54" name="肘形连接符 53"/>
+          <p:cNvCxnSpPr>
+            <a:endCxn id="34" idx="2"/>
+          </p:cNvCxnSpPr>
+          <p:nvPr/>
+        </p:nvCxnSpPr>
+        <p:spPr>
+          <a:xfrm>
+            <a:off x="3554730" y="2715895"/>
+            <a:ext cx="3616960" cy="3403600"/>
+          </a:xfrm>
+          <a:prstGeom prst="bentConnector4">
+            <a:avLst>
+              <a:gd name="adj1" fmla="val 772"/>
+              <a:gd name="adj2" fmla="val 106996"/>
+            </a:avLst>
+          </a:prstGeom>
+          <a:ln w="38100">
+            <a:tailEnd type="arrow" w="med" len="med"/>
+          </a:ln>
+        </p:spPr>
+        <p:style>
+          <a:lnRef idx="1">
+            <a:schemeClr val="dk1"/>
+          </a:lnRef>
+          <a:fillRef idx="0">
+            <a:schemeClr val="dk1"/>
+          </a:fillRef>
+          <a:effectRef idx="0">
+            <a:schemeClr val="dk1"/>
+          </a:effectRef>
+          <a:fontRef idx="minor">
+            <a:schemeClr val="tx1"/>
+          </a:fontRef>
+        </p:style>
+      </p:cxnSp>
+      <p:cxnSp>
+        <p:nvCxnSpPr>
+          <p:cNvPr id="55" name="肘形连接符 54"/>
+          <p:cNvCxnSpPr>
+            <a:endCxn id="40" idx="2"/>
+          </p:cNvCxnSpPr>
+          <p:nvPr>
+            <p:custDataLst>
+              <p:tags r:id="rId29"/>
+            </p:custDataLst>
+          </p:nvPr>
+        </p:nvCxnSpPr>
+        <p:spPr>
+          <a:xfrm>
+            <a:off x="3554730" y="2715895"/>
+            <a:ext cx="4852670" cy="3403600"/>
+          </a:xfrm>
+          <a:prstGeom prst="bentConnector4">
+            <a:avLst>
+              <a:gd name="adj1" fmla="val 497"/>
+              <a:gd name="adj2" fmla="val 106996"/>
+            </a:avLst>
+          </a:prstGeom>
+          <a:ln w="38100">
+            <a:tailEnd type="arrow" w="med" len="med"/>
+          </a:ln>
+        </p:spPr>
+        <p:style>
+          <a:lnRef idx="1">
+            <a:schemeClr val="dk1"/>
+          </a:lnRef>
+          <a:fillRef idx="0">
+            <a:schemeClr val="dk1"/>
+          </a:fillRef>
+          <a:effectRef idx="0">
+            <a:schemeClr val="dk1"/>
+          </a:effectRef>
+          <a:fontRef idx="minor">
+            <a:schemeClr val="tx1"/>
+          </a:fontRef>
+        </p:style>
+      </p:cxnSp>
+      <p:cxnSp>
+        <p:nvCxnSpPr>
+          <p:cNvPr id="56" name="肘形连接符 55"/>
+          <p:cNvCxnSpPr>
+            <a:endCxn id="46" idx="2"/>
+          </p:cNvCxnSpPr>
+          <p:nvPr>
+            <p:custDataLst>
+              <p:tags r:id="rId30"/>
+            </p:custDataLst>
+          </p:nvPr>
+        </p:nvCxnSpPr>
+        <p:spPr>
+          <a:xfrm>
+            <a:off x="3575050" y="2705735"/>
+            <a:ext cx="6068060" cy="3413760"/>
+          </a:xfrm>
+          <a:prstGeom prst="bentConnector4">
+            <a:avLst>
+              <a:gd name="adj1" fmla="val 303"/>
+              <a:gd name="adj2" fmla="val 106975"/>
+            </a:avLst>
+          </a:prstGeom>
+          <a:ln w="38100">
+            <a:tailEnd type="arrow" w="med" len="med"/>
+          </a:ln>
+        </p:spPr>
+        <p:style>
+          <a:lnRef idx="1">
+            <a:schemeClr val="dk1"/>
+          </a:lnRef>
+          <a:fillRef idx="0">
+            <a:schemeClr val="dk1"/>
+          </a:fillRef>
+          <a:effectRef idx="0">
+            <a:schemeClr val="dk1"/>
+          </a:effectRef>
+          <a:fontRef idx="minor">
+            <a:schemeClr val="tx1"/>
+          </a:fontRef>
+        </p:style>
+      </p:cxnSp>
     </p:spTree>
     <p:custDataLst>
-      <p:tags r:id="rId2"/>
+      <p:tags r:id="rId31"/>
+    </p:custDataLst>
+  </p:cSld>
+  <p:clrMapOvr>
+    <a:masterClrMapping/>
+  </p:clrMapOvr>
+</p:sld>
+</file>
+
+<file path=ppt/slides/slide3.xml><?xml version="1.0" encoding="utf-8"?>
+<p:sld xmlns:a="http://schemas.openxmlformats.org/drawingml/2006/main" xmlns:r="http://schemas.openxmlformats.org/officeDocument/2006/relationships" xmlns:p="http://schemas.openxmlformats.org/presentationml/2006/main">
+  <p:cSld>
+    <p:spTree>
+      <p:nvGrpSpPr>
+        <p:cNvPr id="1" name=""/>
+        <p:cNvGrpSpPr/>
+        <p:nvPr/>
+      </p:nvGrpSpPr>
+      <p:grpSpPr>
+        <a:xfrm>
+          <a:off x="0" y="0"/>
+          <a:ext cx="0" cy="0"/>
+          <a:chOff x="0" y="0"/>
+          <a:chExt cx="0" cy="0"/>
+        </a:xfrm>
+      </p:grpSpPr>
+      <p:sp>
+        <p:nvSpPr>
+          <p:cNvPr id="5" name="矩形 4"/>
+          <p:cNvSpPr/>
+          <p:nvPr/>
+        </p:nvSpPr>
+        <p:spPr>
+          <a:xfrm>
+            <a:off x="2335530" y="1069340"/>
+            <a:ext cx="2793365" cy="631190"/>
+          </a:xfrm>
+          <a:prstGeom prst="rect">
+            <a:avLst/>
+          </a:prstGeom>
+          <a:solidFill>
+            <a:schemeClr val="accent4">
+              <a:lumMod val="40000"/>
+              <a:lumOff val="60000"/>
+            </a:schemeClr>
+          </a:solidFill>
+          <a:ln>
+            <a:solidFill>
+              <a:schemeClr val="accent1"/>
+            </a:solidFill>
+          </a:ln>
+        </p:spPr>
+        <p:style>
+          <a:lnRef idx="2">
+            <a:schemeClr val="accent1">
+              <a:shade val="50000"/>
+            </a:schemeClr>
+          </a:lnRef>
+          <a:fillRef idx="1">
+            <a:schemeClr val="accent1"/>
+          </a:fillRef>
+          <a:effectRef idx="0">
+            <a:schemeClr val="accent1"/>
+          </a:effectRef>
+          <a:fontRef idx="minor">
+            <a:schemeClr val="lt1"/>
+          </a:fontRef>
+        </p:style>
+        <p:txBody>
+          <a:bodyPr rtlCol="0" anchor="ctr"/>
+          <a:p>
+            <a:pPr algn="ctr"/>
+            <a:r>
+              <a:rPr lang="zh-CN" altLang="en-US" sz="2000">
+                <a:ln>
+                  <a:noFill/>
+                </a:ln>
+                <a:solidFill>
+                  <a:schemeClr val="tx1"/>
+                </a:solidFill>
+              </a:rPr>
+              <a:t>块地址</a:t>
+            </a:r>
+            <a:endParaRPr lang="zh-CN" altLang="en-US" sz="2000">
+              <a:ln>
+                <a:noFill/>
+              </a:ln>
+              <a:solidFill>
+                <a:schemeClr val="tx1"/>
+              </a:solidFill>
+            </a:endParaRPr>
+          </a:p>
+        </p:txBody>
+      </p:sp>
+      <p:sp>
+        <p:nvSpPr>
+          <p:cNvPr id="9" name="文本框 8"/>
+          <p:cNvSpPr txBox="1"/>
+          <p:nvPr/>
+        </p:nvSpPr>
+        <p:spPr>
+          <a:xfrm>
+            <a:off x="43180" y="1152525"/>
+            <a:ext cx="1882140" cy="521970"/>
+          </a:xfrm>
+          <a:prstGeom prst="rect">
+            <a:avLst/>
+          </a:prstGeom>
+          <a:noFill/>
+        </p:spPr>
+        <p:txBody>
+          <a:bodyPr wrap="square" rtlCol="0">
+            <a:spAutoFit/>
+          </a:bodyPr>
+          <a:p>
+            <a:r>
+              <a:rPr lang="zh-CN" altLang="en-US" sz="2800"/>
+              <a:t>主存地址</a:t>
+            </a:r>
+            <a:endParaRPr lang="zh-CN" altLang="en-US" sz="2800"/>
+          </a:p>
+        </p:txBody>
+      </p:sp>
+      <p:sp>
+        <p:nvSpPr>
+          <p:cNvPr id="2" name="文本框 1"/>
+          <p:cNvSpPr txBox="1"/>
+          <p:nvPr/>
+        </p:nvSpPr>
+        <p:spPr>
+          <a:xfrm>
+            <a:off x="4039235" y="315595"/>
+            <a:ext cx="3991610" cy="521970"/>
+          </a:xfrm>
+          <a:prstGeom prst="rect">
+            <a:avLst/>
+          </a:prstGeom>
+          <a:noFill/>
+        </p:spPr>
+        <p:txBody>
+          <a:bodyPr wrap="square" rtlCol="0">
+            <a:spAutoFit/>
+          </a:bodyPr>
+          <a:p>
+            <a:r>
+              <a:rPr lang="zh-CN" altLang="en-US" sz="2800" b="1">
+                <a:solidFill>
+                  <a:srgbClr val="FF0000"/>
+                </a:solidFill>
+              </a:rPr>
+              <a:t>全相联</a:t>
+            </a:r>
+            <a:r>
+              <a:rPr lang="en-US" altLang="zh-CN" sz="2800" b="1">
+                <a:solidFill>
+                  <a:srgbClr val="FF0000"/>
+                </a:solidFill>
+              </a:rPr>
+              <a:t>Cache</a:t>
+            </a:r>
+            <a:endParaRPr lang="en-US" altLang="zh-CN" sz="2800" b="1">
+              <a:solidFill>
+                <a:srgbClr val="FF0000"/>
+              </a:solidFill>
+            </a:endParaRPr>
+          </a:p>
+        </p:txBody>
+      </p:sp>
+      <p:cxnSp>
+        <p:nvCxnSpPr>
+          <p:cNvPr id="3" name="直接箭头连接符 2"/>
+          <p:cNvCxnSpPr/>
+          <p:nvPr/>
+        </p:nvCxnSpPr>
+        <p:spPr>
+          <a:xfrm flipH="1">
+            <a:off x="1398905" y="1779905"/>
+            <a:ext cx="936625" cy="290830"/>
+          </a:xfrm>
+          <a:prstGeom prst="straightConnector1">
+            <a:avLst/>
+          </a:prstGeom>
+          <a:ln w="38100">
+            <a:solidFill>
+              <a:schemeClr val="tx1"/>
+            </a:solidFill>
+            <a:tailEnd type="arrow"/>
+          </a:ln>
+        </p:spPr>
+        <p:style>
+          <a:lnRef idx="1">
+            <a:schemeClr val="accent1"/>
+          </a:lnRef>
+          <a:fillRef idx="0">
+            <a:schemeClr val="accent1"/>
+          </a:fillRef>
+          <a:effectRef idx="0">
+            <a:schemeClr val="accent1"/>
+          </a:effectRef>
+          <a:fontRef idx="minor">
+            <a:schemeClr val="tx1"/>
+          </a:fontRef>
+        </p:style>
+      </p:cxnSp>
+      <p:cxnSp>
+        <p:nvCxnSpPr>
+          <p:cNvPr id="4" name="直接箭头连接符 3"/>
+          <p:cNvCxnSpPr/>
+          <p:nvPr>
+            <p:custDataLst>
+              <p:tags r:id="rId1"/>
+            </p:custDataLst>
+          </p:nvPr>
+        </p:nvCxnSpPr>
+        <p:spPr>
+          <a:xfrm>
+            <a:off x="5128895" y="1792605"/>
+            <a:ext cx="979805" cy="258445"/>
+          </a:xfrm>
+          <a:prstGeom prst="straightConnector1">
+            <a:avLst/>
+          </a:prstGeom>
+          <a:ln w="38100">
+            <a:solidFill>
+              <a:schemeClr val="tx1"/>
+            </a:solidFill>
+            <a:tailEnd type="arrow"/>
+          </a:ln>
+        </p:spPr>
+        <p:style>
+          <a:lnRef idx="1">
+            <a:schemeClr val="accent1"/>
+          </a:lnRef>
+          <a:fillRef idx="0">
+            <a:schemeClr val="accent1"/>
+          </a:fillRef>
+          <a:effectRef idx="0">
+            <a:schemeClr val="accent1"/>
+          </a:effectRef>
+          <a:fontRef idx="minor">
+            <a:schemeClr val="tx1"/>
+          </a:fontRef>
+        </p:style>
+      </p:cxnSp>
+      <p:sp>
+        <p:nvSpPr>
+          <p:cNvPr id="6" name="矩形 5"/>
+          <p:cNvSpPr/>
+          <p:nvPr>
+            <p:custDataLst>
+              <p:tags r:id="rId2"/>
+            </p:custDataLst>
+          </p:nvPr>
+        </p:nvSpPr>
+        <p:spPr>
+          <a:xfrm>
+            <a:off x="1075055" y="2160905"/>
+            <a:ext cx="2703830" cy="659130"/>
+          </a:xfrm>
+          <a:prstGeom prst="rect">
+            <a:avLst/>
+          </a:prstGeom>
+          <a:solidFill>
+            <a:schemeClr val="bg1"/>
+          </a:solidFill>
+          <a:ln w="38100">
+            <a:solidFill>
+              <a:schemeClr val="tx1"/>
+            </a:solidFill>
+          </a:ln>
+        </p:spPr>
+        <p:style>
+          <a:lnRef idx="2">
+            <a:schemeClr val="accent1">
+              <a:shade val="50000"/>
+            </a:schemeClr>
+          </a:lnRef>
+          <a:fillRef idx="1">
+            <a:schemeClr val="accent1"/>
+          </a:fillRef>
+          <a:effectRef idx="0">
+            <a:schemeClr val="accent1"/>
+          </a:effectRef>
+          <a:fontRef idx="minor">
+            <a:schemeClr val="lt1"/>
+          </a:fontRef>
+        </p:style>
+        <p:txBody>
+          <a:bodyPr rtlCol="0" anchor="ctr"/>
+          <a:p>
+            <a:pPr algn="ctr"/>
+            <a:r>
+              <a:rPr lang="en-US" altLang="zh-CN" sz="2000">
+                <a:ln>
+                  <a:noFill/>
+                </a:ln>
+                <a:solidFill>
+                  <a:schemeClr val="tx1"/>
+                </a:solidFill>
+              </a:rPr>
+              <a:t>tag</a:t>
+            </a:r>
+            <a:endParaRPr lang="en-US" altLang="zh-CN" sz="2000">
+              <a:ln>
+                <a:noFill/>
+              </a:ln>
+              <a:solidFill>
+                <a:schemeClr val="tx1"/>
+              </a:solidFill>
+            </a:endParaRPr>
+          </a:p>
+        </p:txBody>
+      </p:sp>
+      <p:sp>
+        <p:nvSpPr>
+          <p:cNvPr id="13" name="矩形 12"/>
+          <p:cNvSpPr/>
+          <p:nvPr>
+            <p:custDataLst>
+              <p:tags r:id="rId3"/>
+            </p:custDataLst>
+          </p:nvPr>
+        </p:nvSpPr>
+        <p:spPr>
+          <a:xfrm>
+            <a:off x="3725545" y="4018915"/>
+            <a:ext cx="1235710" cy="421640"/>
+          </a:xfrm>
+          <a:prstGeom prst="rect">
+            <a:avLst/>
+          </a:prstGeom>
+        </p:spPr>
+        <p:style>
+          <a:lnRef idx="2">
+            <a:schemeClr val="accent1">
+              <a:shade val="50000"/>
+            </a:schemeClr>
+          </a:lnRef>
+          <a:fillRef idx="1">
+            <a:schemeClr val="accent1"/>
+          </a:fillRef>
+          <a:effectRef idx="0">
+            <a:schemeClr val="accent1"/>
+          </a:effectRef>
+          <a:fontRef idx="minor">
+            <a:schemeClr val="lt1"/>
+          </a:fontRef>
+        </p:style>
+        <p:txBody>
+          <a:bodyPr rtlCol="0" anchor="ctr"/>
+          <a:p>
+            <a:pPr algn="ctr"/>
+            <a:r>
+              <a:rPr lang="en-US" altLang="zh-CN"/>
+              <a:t>tag_0</a:t>
+            </a:r>
+            <a:endParaRPr lang="en-US" altLang="zh-CN"/>
+          </a:p>
+        </p:txBody>
+      </p:sp>
+      <p:sp>
+        <p:nvSpPr>
+          <p:cNvPr id="16" name="文本框 15"/>
+          <p:cNvSpPr txBox="1"/>
+          <p:nvPr/>
+        </p:nvSpPr>
+        <p:spPr>
+          <a:xfrm>
+            <a:off x="10083800" y="3935730"/>
+            <a:ext cx="1573530" cy="645160"/>
+          </a:xfrm>
+          <a:prstGeom prst="rect">
+            <a:avLst/>
+          </a:prstGeom>
+          <a:noFill/>
+        </p:spPr>
+        <p:txBody>
+          <a:bodyPr wrap="square" rtlCol="0">
+            <a:spAutoFit/>
+          </a:bodyPr>
+          <a:p>
+            <a:pPr algn="ctr"/>
+            <a:r>
+              <a:rPr lang="zh-CN" altLang="en-US"/>
+              <a:t>目录表</a:t>
+            </a:r>
+            <a:endParaRPr lang="zh-CN" altLang="en-US"/>
+          </a:p>
+          <a:p>
+            <a:pPr algn="ctr"/>
+            <a:r>
+              <a:rPr lang="zh-CN" altLang="en-US"/>
+              <a:t>（标识</a:t>
+            </a:r>
+            <a:r>
+              <a:rPr lang="zh-CN" altLang="en-US"/>
+              <a:t>存储器）</a:t>
+            </a:r>
+            <a:endParaRPr lang="zh-CN" altLang="en-US"/>
+          </a:p>
+        </p:txBody>
+      </p:sp>
+      <p:sp>
+        <p:nvSpPr>
+          <p:cNvPr id="17" name="矩形 16"/>
+          <p:cNvSpPr/>
+          <p:nvPr>
+            <p:custDataLst>
+              <p:tags r:id="rId4"/>
+            </p:custDataLst>
+          </p:nvPr>
+        </p:nvSpPr>
+        <p:spPr>
+          <a:xfrm>
+            <a:off x="5128895" y="1069340"/>
+            <a:ext cx="2793365" cy="631190"/>
+          </a:xfrm>
+          <a:prstGeom prst="rect">
+            <a:avLst/>
+          </a:prstGeom>
+          <a:solidFill>
+            <a:schemeClr val="accent3">
+              <a:lumMod val="40000"/>
+              <a:lumOff val="60000"/>
+            </a:schemeClr>
+          </a:solidFill>
+        </p:spPr>
+        <p:style>
+          <a:lnRef idx="2">
+            <a:schemeClr val="accent3">
+              <a:shade val="50000"/>
+            </a:schemeClr>
+          </a:lnRef>
+          <a:fillRef idx="1">
+            <a:schemeClr val="accent3"/>
+          </a:fillRef>
+          <a:effectRef idx="0">
+            <a:schemeClr val="accent3"/>
+          </a:effectRef>
+          <a:fontRef idx="minor">
+            <a:schemeClr val="lt1"/>
+          </a:fontRef>
+        </p:style>
+        <p:txBody>
+          <a:bodyPr rtlCol="0" anchor="ctr"/>
+          <a:p>
+            <a:pPr algn="ctr"/>
+            <a:r>
+              <a:rPr lang="zh-CN" altLang="en-US" sz="2000">
+                <a:ln>
+                  <a:noFill/>
+                </a:ln>
+                <a:solidFill>
+                  <a:schemeClr val="tx1"/>
+                </a:solidFill>
+              </a:rPr>
+              <a:t>块内</a:t>
+            </a:r>
+            <a:r>
+              <a:rPr lang="zh-CN" altLang="en-US" sz="2000">
+                <a:ln>
+                  <a:noFill/>
+                </a:ln>
+                <a:solidFill>
+                  <a:schemeClr val="tx1"/>
+                </a:solidFill>
+              </a:rPr>
+              <a:t>位移</a:t>
+            </a:r>
+            <a:endParaRPr lang="zh-CN" altLang="en-US" sz="2000">
+              <a:ln>
+                <a:noFill/>
+              </a:ln>
+              <a:solidFill>
+                <a:schemeClr val="tx1"/>
+              </a:solidFill>
+            </a:endParaRPr>
+          </a:p>
+        </p:txBody>
+      </p:sp>
+      <p:sp>
+        <p:nvSpPr>
+          <p:cNvPr id="18" name="矩形 17"/>
+          <p:cNvSpPr/>
+          <p:nvPr>
+            <p:custDataLst>
+              <p:tags r:id="rId5"/>
+            </p:custDataLst>
+          </p:nvPr>
+        </p:nvSpPr>
+        <p:spPr>
+          <a:xfrm>
+            <a:off x="3778885" y="2160905"/>
+            <a:ext cx="2703830" cy="659130"/>
+          </a:xfrm>
+          <a:prstGeom prst="rect">
+            <a:avLst/>
+          </a:prstGeom>
+          <a:solidFill>
+            <a:schemeClr val="bg1"/>
+          </a:solidFill>
+          <a:ln w="38100">
+            <a:solidFill>
+              <a:schemeClr val="tx1"/>
+            </a:solidFill>
+          </a:ln>
+        </p:spPr>
+        <p:style>
+          <a:lnRef idx="2">
+            <a:schemeClr val="accent1">
+              <a:shade val="50000"/>
+            </a:schemeClr>
+          </a:lnRef>
+          <a:fillRef idx="1">
+            <a:schemeClr val="accent1"/>
+          </a:fillRef>
+          <a:effectRef idx="0">
+            <a:schemeClr val="accent1"/>
+          </a:effectRef>
+          <a:fontRef idx="minor">
+            <a:schemeClr val="lt1"/>
+          </a:fontRef>
+        </p:style>
+        <p:txBody>
+          <a:bodyPr rtlCol="0" anchor="ctr"/>
+          <a:p>
+            <a:pPr algn="ctr"/>
+            <a:r>
+              <a:rPr lang="zh-CN" altLang="en-US" sz="2000">
+                <a:ln>
+                  <a:noFill/>
+                </a:ln>
+                <a:solidFill>
+                  <a:schemeClr val="tx1"/>
+                </a:solidFill>
+                <a:sym typeface="+mn-ea"/>
+              </a:rPr>
+              <a:t>组索引（</a:t>
+            </a:r>
+            <a:r>
+              <a:rPr lang="en-US" altLang="zh-CN" sz="2000">
+                <a:ln>
+                  <a:noFill/>
+                </a:ln>
+                <a:solidFill>
+                  <a:schemeClr val="tx1"/>
+                </a:solidFill>
+                <a:sym typeface="+mn-ea"/>
+              </a:rPr>
+              <a:t>Index</a:t>
+            </a:r>
+            <a:r>
+              <a:rPr lang="zh-CN" altLang="en-US" sz="2000">
+                <a:ln>
+                  <a:noFill/>
+                </a:ln>
+                <a:solidFill>
+                  <a:schemeClr val="tx1"/>
+                </a:solidFill>
+                <a:sym typeface="+mn-ea"/>
+              </a:rPr>
+              <a:t>）</a:t>
+            </a:r>
+            <a:endParaRPr lang="en-US" altLang="zh-CN" sz="2000">
+              <a:ln>
+                <a:noFill/>
+              </a:ln>
+              <a:solidFill>
+                <a:schemeClr val="tx1"/>
+              </a:solidFill>
+            </a:endParaRPr>
+          </a:p>
+        </p:txBody>
+      </p:sp>
+      <p:sp>
+        <p:nvSpPr>
+          <p:cNvPr id="22" name="流程图: 决策 21"/>
+          <p:cNvSpPr/>
+          <p:nvPr/>
+        </p:nvSpPr>
+        <p:spPr>
+          <a:xfrm>
+            <a:off x="3799205" y="4997450"/>
+            <a:ext cx="1056640" cy="552450"/>
+          </a:xfrm>
+          <a:prstGeom prst="flowChartDecision">
+            <a:avLst/>
+          </a:prstGeom>
+        </p:spPr>
+        <p:style>
+          <a:lnRef idx="2">
+            <a:schemeClr val="accent1">
+              <a:shade val="50000"/>
+            </a:schemeClr>
+          </a:lnRef>
+          <a:fillRef idx="1">
+            <a:schemeClr val="accent1"/>
+          </a:fillRef>
+          <a:effectRef idx="0">
+            <a:schemeClr val="accent1"/>
+          </a:effectRef>
+          <a:fontRef idx="minor">
+            <a:schemeClr val="lt1"/>
+          </a:fontRef>
+        </p:style>
+        <p:txBody>
+          <a:bodyPr rtlCol="0" anchor="ctr"/>
+          <a:p>
+            <a:pPr algn="ctr"/>
+            <a:r>
+              <a:rPr lang="en-US" altLang="zh-CN"/>
+              <a:t>=</a:t>
+            </a:r>
+            <a:r>
+              <a:rPr lang="zh-CN" altLang="en-US"/>
+              <a:t>？</a:t>
+            </a:r>
+            <a:endParaRPr lang="zh-CN" altLang="en-US"/>
+          </a:p>
+        </p:txBody>
+      </p:sp>
+      <p:cxnSp>
+        <p:nvCxnSpPr>
+          <p:cNvPr id="23" name="肘形连接符 22"/>
+          <p:cNvCxnSpPr>
+            <a:stCxn id="6" idx="2"/>
+            <a:endCxn id="22" idx="2"/>
+          </p:cNvCxnSpPr>
+          <p:nvPr/>
+        </p:nvCxnSpPr>
+        <p:spPr>
+          <a:xfrm rot="5400000" flipV="1">
+            <a:off x="2012315" y="3234690"/>
+            <a:ext cx="2729865" cy="1900555"/>
+          </a:xfrm>
+          <a:prstGeom prst="bentConnector3">
+            <a:avLst>
+              <a:gd name="adj1" fmla="val 108723"/>
+            </a:avLst>
+          </a:prstGeom>
+          <a:ln w="38100">
+            <a:prstDash val="solid"/>
+            <a:tailEnd type="arrow" w="med" len="med"/>
+          </a:ln>
+        </p:spPr>
+        <p:style>
+          <a:lnRef idx="1">
+            <a:schemeClr val="dk1"/>
+          </a:lnRef>
+          <a:fillRef idx="0">
+            <a:schemeClr val="dk1"/>
+          </a:fillRef>
+          <a:effectRef idx="0">
+            <a:schemeClr val="dk1"/>
+          </a:effectRef>
+          <a:fontRef idx="minor">
+            <a:schemeClr val="tx1"/>
+          </a:fontRef>
+        </p:style>
+      </p:cxnSp>
+      <p:cxnSp>
+        <p:nvCxnSpPr>
+          <p:cNvPr id="24" name="肘形连接符 23"/>
+          <p:cNvCxnSpPr>
+            <a:endCxn id="13" idx="1"/>
+          </p:cNvCxnSpPr>
+          <p:nvPr/>
+        </p:nvCxnSpPr>
+        <p:spPr>
+          <a:xfrm rot="5400000">
+            <a:off x="3723640" y="2820670"/>
+            <a:ext cx="1410335" cy="1406525"/>
+          </a:xfrm>
+          <a:prstGeom prst="bentConnector4">
+            <a:avLst>
+              <a:gd name="adj1" fmla="val 28320"/>
+              <a:gd name="adj2" fmla="val 145507"/>
+            </a:avLst>
+          </a:prstGeom>
+          <a:ln w="38100">
+            <a:solidFill>
+              <a:schemeClr val="tx1"/>
+            </a:solidFill>
+            <a:tailEnd type="arrow"/>
+          </a:ln>
+        </p:spPr>
+        <p:style>
+          <a:lnRef idx="1">
+            <a:schemeClr val="accent1"/>
+          </a:lnRef>
+          <a:fillRef idx="0">
+            <a:schemeClr val="accent1"/>
+          </a:fillRef>
+          <a:effectRef idx="0">
+            <a:schemeClr val="accent1"/>
+          </a:effectRef>
+          <a:fontRef idx="minor">
+            <a:schemeClr val="tx1"/>
+          </a:fontRef>
+        </p:style>
+      </p:cxnSp>
+      <p:cxnSp>
+        <p:nvCxnSpPr>
+          <p:cNvPr id="25" name="直接箭头连接符 24"/>
+          <p:cNvCxnSpPr/>
+          <p:nvPr/>
+        </p:nvCxnSpPr>
+        <p:spPr>
+          <a:xfrm>
+            <a:off x="4353560" y="4442460"/>
+            <a:ext cx="0" cy="534670"/>
+          </a:xfrm>
+          <a:prstGeom prst="straightConnector1">
+            <a:avLst/>
+          </a:prstGeom>
+          <a:ln w="38100">
+            <a:prstDash val="sysDot"/>
+            <a:tailEnd type="arrow" w="med" len="med"/>
+          </a:ln>
+        </p:spPr>
+        <p:style>
+          <a:lnRef idx="1">
+            <a:schemeClr val="dk1"/>
+          </a:lnRef>
+          <a:fillRef idx="0">
+            <a:schemeClr val="dk1"/>
+          </a:fillRef>
+          <a:effectRef idx="0">
+            <a:schemeClr val="dk1"/>
+          </a:effectRef>
+          <a:fontRef idx="minor">
+            <a:schemeClr val="tx1"/>
+          </a:fontRef>
+        </p:style>
+      </p:cxnSp>
+      <p:sp>
+        <p:nvSpPr>
+          <p:cNvPr id="26" name="文本框 25"/>
+          <p:cNvSpPr txBox="1"/>
+          <p:nvPr/>
+        </p:nvSpPr>
+        <p:spPr>
+          <a:xfrm>
+            <a:off x="10083800" y="4904740"/>
+            <a:ext cx="1837055" cy="645160"/>
+          </a:xfrm>
+          <a:prstGeom prst="rect">
+            <a:avLst/>
+          </a:prstGeom>
+          <a:noFill/>
+        </p:spPr>
+        <p:txBody>
+          <a:bodyPr wrap="square" rtlCol="0">
+            <a:spAutoFit/>
+          </a:bodyPr>
+          <a:p>
+            <a:r>
+              <a:rPr lang="zh-CN" altLang="en-US"/>
+              <a:t>匹配，则</a:t>
+            </a:r>
+            <a:r>
+              <a:rPr lang="zh-CN" altLang="en-US"/>
+              <a:t>命中</a:t>
+            </a:r>
+            <a:endParaRPr lang="zh-CN" altLang="en-US"/>
+          </a:p>
+          <a:p>
+            <a:r>
+              <a:rPr lang="zh-CN" altLang="en-US"/>
+              <a:t>不匹配，则</a:t>
+            </a:r>
+            <a:r>
+              <a:rPr lang="zh-CN" altLang="en-US"/>
+              <a:t>失效</a:t>
+            </a:r>
+            <a:endParaRPr lang="zh-CN" altLang="en-US"/>
+          </a:p>
+        </p:txBody>
+      </p:sp>
+      <p:sp>
+        <p:nvSpPr>
+          <p:cNvPr id="31" name="矩形 30"/>
+          <p:cNvSpPr/>
+          <p:nvPr>
+            <p:custDataLst>
+              <p:tags r:id="rId6"/>
+            </p:custDataLst>
+          </p:nvPr>
+        </p:nvSpPr>
+        <p:spPr>
+          <a:xfrm>
+            <a:off x="4961255" y="4018915"/>
+            <a:ext cx="1235710" cy="421640"/>
+          </a:xfrm>
+          <a:prstGeom prst="rect">
+            <a:avLst/>
+          </a:prstGeom>
+        </p:spPr>
+        <p:style>
+          <a:lnRef idx="2">
+            <a:schemeClr val="accent1">
+              <a:shade val="50000"/>
+            </a:schemeClr>
+          </a:lnRef>
+          <a:fillRef idx="1">
+            <a:schemeClr val="accent1"/>
+          </a:fillRef>
+          <a:effectRef idx="0">
+            <a:schemeClr val="accent1"/>
+          </a:effectRef>
+          <a:fontRef idx="minor">
+            <a:schemeClr val="lt1"/>
+          </a:fontRef>
+        </p:style>
+        <p:txBody>
+          <a:bodyPr rtlCol="0" anchor="ctr"/>
+          <a:p>
+            <a:pPr algn="ctr"/>
+            <a:r>
+              <a:rPr lang="en-US" altLang="zh-CN"/>
+              <a:t>tag_1</a:t>
+            </a:r>
+            <a:endParaRPr lang="en-US" altLang="zh-CN"/>
+          </a:p>
+        </p:txBody>
+      </p:sp>
+      <p:sp>
+        <p:nvSpPr>
+          <p:cNvPr id="34" name="流程图: 决策 33"/>
+          <p:cNvSpPr/>
+          <p:nvPr>
+            <p:custDataLst>
+              <p:tags r:id="rId7"/>
+            </p:custDataLst>
+          </p:nvPr>
+        </p:nvSpPr>
+        <p:spPr>
+          <a:xfrm>
+            <a:off x="5034915" y="4997450"/>
+            <a:ext cx="1056640" cy="552450"/>
+          </a:xfrm>
+          <a:prstGeom prst="flowChartDecision">
+            <a:avLst/>
+          </a:prstGeom>
+        </p:spPr>
+        <p:style>
+          <a:lnRef idx="2">
+            <a:schemeClr val="accent1">
+              <a:shade val="50000"/>
+            </a:schemeClr>
+          </a:lnRef>
+          <a:fillRef idx="1">
+            <a:schemeClr val="accent1"/>
+          </a:fillRef>
+          <a:effectRef idx="0">
+            <a:schemeClr val="accent1"/>
+          </a:effectRef>
+          <a:fontRef idx="minor">
+            <a:schemeClr val="lt1"/>
+          </a:fontRef>
+        </p:style>
+        <p:txBody>
+          <a:bodyPr rtlCol="0" anchor="ctr"/>
+          <a:p>
+            <a:pPr algn="ctr"/>
+            <a:r>
+              <a:rPr lang="en-US" altLang="zh-CN"/>
+              <a:t>=</a:t>
+            </a:r>
+            <a:r>
+              <a:rPr lang="zh-CN" altLang="en-US"/>
+              <a:t>？</a:t>
+            </a:r>
+            <a:endParaRPr lang="zh-CN" altLang="en-US"/>
+          </a:p>
+        </p:txBody>
+      </p:sp>
+      <p:cxnSp>
+        <p:nvCxnSpPr>
+          <p:cNvPr id="35" name="直接箭头连接符 34"/>
+          <p:cNvCxnSpPr/>
+          <p:nvPr>
+            <p:custDataLst>
+              <p:tags r:id="rId8"/>
+            </p:custDataLst>
+          </p:nvPr>
+        </p:nvCxnSpPr>
+        <p:spPr>
+          <a:xfrm>
+            <a:off x="5563235" y="4502150"/>
+            <a:ext cx="15875" cy="445135"/>
+          </a:xfrm>
+          <a:prstGeom prst="straightConnector1">
+            <a:avLst/>
+          </a:prstGeom>
+          <a:ln w="38100">
+            <a:prstDash val="sysDot"/>
+            <a:tailEnd type="arrow" w="med" len="med"/>
+          </a:ln>
+        </p:spPr>
+        <p:style>
+          <a:lnRef idx="1">
+            <a:schemeClr val="dk1"/>
+          </a:lnRef>
+          <a:fillRef idx="0">
+            <a:schemeClr val="dk1"/>
+          </a:fillRef>
+          <a:effectRef idx="0">
+            <a:schemeClr val="dk1"/>
+          </a:effectRef>
+          <a:fontRef idx="minor">
+            <a:schemeClr val="tx1"/>
+          </a:fontRef>
+        </p:style>
+      </p:cxnSp>
+      <p:sp>
+        <p:nvSpPr>
+          <p:cNvPr id="37" name="矩形 36"/>
+          <p:cNvSpPr/>
+          <p:nvPr>
+            <p:custDataLst>
+              <p:tags r:id="rId9"/>
+            </p:custDataLst>
+          </p:nvPr>
+        </p:nvSpPr>
+        <p:spPr>
+          <a:xfrm>
+            <a:off x="6196965" y="4018915"/>
+            <a:ext cx="1235710" cy="421640"/>
+          </a:xfrm>
+          <a:prstGeom prst="rect">
+            <a:avLst/>
+          </a:prstGeom>
+        </p:spPr>
+        <p:style>
+          <a:lnRef idx="2">
+            <a:schemeClr val="accent1">
+              <a:shade val="50000"/>
+            </a:schemeClr>
+          </a:lnRef>
+          <a:fillRef idx="1">
+            <a:schemeClr val="accent1"/>
+          </a:fillRef>
+          <a:effectRef idx="0">
+            <a:schemeClr val="accent1"/>
+          </a:effectRef>
+          <a:fontRef idx="minor">
+            <a:schemeClr val="lt1"/>
+          </a:fontRef>
+        </p:style>
+        <p:txBody>
+          <a:bodyPr rtlCol="0" anchor="ctr"/>
+          <a:p>
+            <a:pPr algn="ctr"/>
+            <a:r>
+              <a:rPr lang="en-US" altLang="zh-CN"/>
+              <a:t>tag_2</a:t>
+            </a:r>
+            <a:endParaRPr lang="en-US" altLang="zh-CN"/>
+          </a:p>
+        </p:txBody>
+      </p:sp>
+      <p:sp>
+        <p:nvSpPr>
+          <p:cNvPr id="40" name="流程图: 决策 39"/>
+          <p:cNvSpPr/>
+          <p:nvPr>
+            <p:custDataLst>
+              <p:tags r:id="rId10"/>
+            </p:custDataLst>
+          </p:nvPr>
+        </p:nvSpPr>
+        <p:spPr>
+          <a:xfrm>
+            <a:off x="6270625" y="4997450"/>
+            <a:ext cx="1056640" cy="552450"/>
+          </a:xfrm>
+          <a:prstGeom prst="flowChartDecision">
+            <a:avLst/>
+          </a:prstGeom>
+        </p:spPr>
+        <p:style>
+          <a:lnRef idx="2">
+            <a:schemeClr val="accent1">
+              <a:shade val="50000"/>
+            </a:schemeClr>
+          </a:lnRef>
+          <a:fillRef idx="1">
+            <a:schemeClr val="accent1"/>
+          </a:fillRef>
+          <a:effectRef idx="0">
+            <a:schemeClr val="accent1"/>
+          </a:effectRef>
+          <a:fontRef idx="minor">
+            <a:schemeClr val="lt1"/>
+          </a:fontRef>
+        </p:style>
+        <p:txBody>
+          <a:bodyPr rtlCol="0" anchor="ctr"/>
+          <a:p>
+            <a:pPr algn="ctr"/>
+            <a:r>
+              <a:rPr lang="en-US" altLang="zh-CN"/>
+              <a:t>=</a:t>
+            </a:r>
+            <a:r>
+              <a:rPr lang="zh-CN" altLang="en-US"/>
+              <a:t>？</a:t>
+            </a:r>
+            <a:endParaRPr lang="zh-CN" altLang="en-US"/>
+          </a:p>
+        </p:txBody>
+      </p:sp>
+      <p:cxnSp>
+        <p:nvCxnSpPr>
+          <p:cNvPr id="41" name="直接箭头连接符 40"/>
+          <p:cNvCxnSpPr/>
+          <p:nvPr>
+            <p:custDataLst>
+              <p:tags r:id="rId11"/>
+            </p:custDataLst>
+          </p:nvPr>
+        </p:nvCxnSpPr>
+        <p:spPr>
+          <a:xfrm>
+            <a:off x="6782435" y="4442460"/>
+            <a:ext cx="1905" cy="524510"/>
+          </a:xfrm>
+          <a:prstGeom prst="straightConnector1">
+            <a:avLst/>
+          </a:prstGeom>
+          <a:ln w="38100">
+            <a:prstDash val="sysDot"/>
+            <a:tailEnd type="arrow" w="med" len="med"/>
+          </a:ln>
+        </p:spPr>
+        <p:style>
+          <a:lnRef idx="1">
+            <a:schemeClr val="dk1"/>
+          </a:lnRef>
+          <a:fillRef idx="0">
+            <a:schemeClr val="dk1"/>
+          </a:fillRef>
+          <a:effectRef idx="0">
+            <a:schemeClr val="dk1"/>
+          </a:effectRef>
+          <a:fontRef idx="minor">
+            <a:schemeClr val="tx1"/>
+          </a:fontRef>
+        </p:style>
+      </p:cxnSp>
+      <p:sp>
+        <p:nvSpPr>
+          <p:cNvPr id="46" name="流程图: 决策 45"/>
+          <p:cNvSpPr/>
+          <p:nvPr>
+            <p:custDataLst>
+              <p:tags r:id="rId12"/>
+            </p:custDataLst>
+          </p:nvPr>
+        </p:nvSpPr>
+        <p:spPr>
+          <a:xfrm>
+            <a:off x="8668385" y="4997450"/>
+            <a:ext cx="1056640" cy="552450"/>
+          </a:xfrm>
+          <a:prstGeom prst="flowChartDecision">
+            <a:avLst/>
+          </a:prstGeom>
+        </p:spPr>
+        <p:style>
+          <a:lnRef idx="2">
+            <a:schemeClr val="accent1">
+              <a:shade val="50000"/>
+            </a:schemeClr>
+          </a:lnRef>
+          <a:fillRef idx="1">
+            <a:schemeClr val="accent1"/>
+          </a:fillRef>
+          <a:effectRef idx="0">
+            <a:schemeClr val="accent1"/>
+          </a:effectRef>
+          <a:fontRef idx="minor">
+            <a:schemeClr val="lt1"/>
+          </a:fontRef>
+        </p:style>
+        <p:txBody>
+          <a:bodyPr rtlCol="0" anchor="ctr"/>
+          <a:p>
+            <a:pPr algn="ctr"/>
+            <a:r>
+              <a:rPr lang="en-US" altLang="zh-CN"/>
+              <a:t>=</a:t>
+            </a:r>
+            <a:r>
+              <a:rPr lang="zh-CN" altLang="en-US"/>
+              <a:t>？</a:t>
+            </a:r>
+            <a:endParaRPr lang="zh-CN" altLang="en-US"/>
+          </a:p>
+        </p:txBody>
+      </p:sp>
+      <p:cxnSp>
+        <p:nvCxnSpPr>
+          <p:cNvPr id="47" name="直接箭头连接符 46"/>
+          <p:cNvCxnSpPr/>
+          <p:nvPr>
+            <p:custDataLst>
+              <p:tags r:id="rId13"/>
+            </p:custDataLst>
+          </p:nvPr>
+        </p:nvCxnSpPr>
+        <p:spPr>
+          <a:xfrm>
+            <a:off x="9213215" y="4440555"/>
+            <a:ext cx="1270" cy="556895"/>
+          </a:xfrm>
+          <a:prstGeom prst="straightConnector1">
+            <a:avLst/>
+          </a:prstGeom>
+          <a:ln w="38100">
+            <a:prstDash val="sysDot"/>
+            <a:tailEnd type="arrow" w="med" len="med"/>
+          </a:ln>
+        </p:spPr>
+        <p:style>
+          <a:lnRef idx="1">
+            <a:schemeClr val="dk1"/>
+          </a:lnRef>
+          <a:fillRef idx="0">
+            <a:schemeClr val="dk1"/>
+          </a:fillRef>
+          <a:effectRef idx="0">
+            <a:schemeClr val="dk1"/>
+          </a:effectRef>
+          <a:fontRef idx="minor">
+            <a:schemeClr val="tx1"/>
+          </a:fontRef>
+        </p:style>
+      </p:cxnSp>
+      <p:sp>
+        <p:nvSpPr>
+          <p:cNvPr id="50" name="文本框 49"/>
+          <p:cNvSpPr txBox="1"/>
+          <p:nvPr/>
+        </p:nvSpPr>
+        <p:spPr>
+          <a:xfrm>
+            <a:off x="3899535" y="3412490"/>
+            <a:ext cx="874395" cy="368300"/>
+          </a:xfrm>
+          <a:prstGeom prst="rect">
+            <a:avLst/>
+          </a:prstGeom>
+          <a:noFill/>
+        </p:spPr>
+        <p:txBody>
+          <a:bodyPr wrap="square" rtlCol="0">
+            <a:spAutoFit/>
+          </a:bodyPr>
+          <a:p>
+            <a:r>
+              <a:rPr lang="zh-CN" altLang="en-US"/>
+              <a:t>第</a:t>
+            </a:r>
+            <a:r>
+              <a:rPr lang="en-US" altLang="zh-CN"/>
+              <a:t>0</a:t>
+            </a:r>
+            <a:r>
+              <a:rPr lang="zh-CN" altLang="en-US"/>
+              <a:t>路</a:t>
+            </a:r>
+            <a:endParaRPr lang="zh-CN" altLang="en-US"/>
+          </a:p>
+        </p:txBody>
+      </p:sp>
+      <p:sp>
+        <p:nvSpPr>
+          <p:cNvPr id="51" name="文本框 50"/>
+          <p:cNvSpPr txBox="1"/>
+          <p:nvPr>
+            <p:custDataLst>
+              <p:tags r:id="rId14"/>
+            </p:custDataLst>
+          </p:nvPr>
+        </p:nvSpPr>
+        <p:spPr>
+          <a:xfrm>
+            <a:off x="5132070" y="3412490"/>
+            <a:ext cx="874395" cy="368300"/>
+          </a:xfrm>
+          <a:prstGeom prst="rect">
+            <a:avLst/>
+          </a:prstGeom>
+          <a:noFill/>
+        </p:spPr>
+        <p:txBody>
+          <a:bodyPr wrap="square" rtlCol="0">
+            <a:spAutoFit/>
+          </a:bodyPr>
+          <a:p>
+            <a:r>
+              <a:rPr lang="zh-CN" altLang="en-US"/>
+              <a:t>第</a:t>
+            </a:r>
+            <a:r>
+              <a:rPr lang="en-US" altLang="zh-CN"/>
+              <a:t>1</a:t>
+            </a:r>
+            <a:r>
+              <a:rPr lang="zh-CN" altLang="en-US"/>
+              <a:t>路</a:t>
+            </a:r>
+            <a:endParaRPr lang="zh-CN" altLang="en-US"/>
+          </a:p>
+        </p:txBody>
+      </p:sp>
+      <p:sp>
+        <p:nvSpPr>
+          <p:cNvPr id="52" name="文本框 51"/>
+          <p:cNvSpPr txBox="1"/>
+          <p:nvPr>
+            <p:custDataLst>
+              <p:tags r:id="rId15"/>
+            </p:custDataLst>
+          </p:nvPr>
+        </p:nvSpPr>
+        <p:spPr>
+          <a:xfrm>
+            <a:off x="6453505" y="3412490"/>
+            <a:ext cx="874395" cy="368300"/>
+          </a:xfrm>
+          <a:prstGeom prst="rect">
+            <a:avLst/>
+          </a:prstGeom>
+          <a:noFill/>
+        </p:spPr>
+        <p:txBody>
+          <a:bodyPr wrap="square" rtlCol="0">
+            <a:spAutoFit/>
+          </a:bodyPr>
+          <a:p>
+            <a:r>
+              <a:rPr lang="zh-CN" altLang="en-US"/>
+              <a:t>第</a:t>
+            </a:r>
+            <a:r>
+              <a:rPr lang="en-US" altLang="zh-CN"/>
+              <a:t>2</a:t>
+            </a:r>
+            <a:r>
+              <a:rPr lang="zh-CN" altLang="en-US"/>
+              <a:t>路</a:t>
+            </a:r>
+            <a:endParaRPr lang="zh-CN" altLang="en-US"/>
+          </a:p>
+        </p:txBody>
+      </p:sp>
+      <p:sp>
+        <p:nvSpPr>
+          <p:cNvPr id="53" name="文本框 52"/>
+          <p:cNvSpPr txBox="1"/>
+          <p:nvPr>
+            <p:custDataLst>
+              <p:tags r:id="rId16"/>
+            </p:custDataLst>
+          </p:nvPr>
+        </p:nvSpPr>
+        <p:spPr>
+          <a:xfrm>
+            <a:off x="8775065" y="3412490"/>
+            <a:ext cx="874395" cy="368300"/>
+          </a:xfrm>
+          <a:prstGeom prst="rect">
+            <a:avLst/>
+          </a:prstGeom>
+          <a:noFill/>
+        </p:spPr>
+        <p:txBody>
+          <a:bodyPr wrap="square" rtlCol="0">
+            <a:spAutoFit/>
+          </a:bodyPr>
+          <a:p>
+            <a:r>
+              <a:rPr lang="zh-CN" altLang="en-US"/>
+              <a:t>第</a:t>
+            </a:r>
+            <a:r>
+              <a:rPr lang="en-US" altLang="zh-CN"/>
+              <a:t>M</a:t>
+            </a:r>
+            <a:r>
+              <a:rPr lang="zh-CN" altLang="en-US"/>
+              <a:t>路</a:t>
+            </a:r>
+            <a:endParaRPr lang="zh-CN" altLang="en-US"/>
+          </a:p>
+        </p:txBody>
+      </p:sp>
+      <p:cxnSp>
+        <p:nvCxnSpPr>
+          <p:cNvPr id="54" name="肘形连接符 53"/>
+          <p:cNvCxnSpPr>
+            <a:stCxn id="6" idx="2"/>
+            <a:endCxn id="34" idx="2"/>
+          </p:cNvCxnSpPr>
+          <p:nvPr/>
+        </p:nvCxnSpPr>
+        <p:spPr>
+          <a:xfrm rot="5400000" flipV="1">
+            <a:off x="2630170" y="2616835"/>
+            <a:ext cx="2729865" cy="3136265"/>
+          </a:xfrm>
+          <a:prstGeom prst="bentConnector3">
+            <a:avLst>
+              <a:gd name="adj1" fmla="val 108723"/>
+            </a:avLst>
+          </a:prstGeom>
+          <a:ln w="38100">
+            <a:tailEnd type="arrow" w="med" len="med"/>
+          </a:ln>
+        </p:spPr>
+        <p:style>
+          <a:lnRef idx="1">
+            <a:schemeClr val="dk1"/>
+          </a:lnRef>
+          <a:fillRef idx="0">
+            <a:schemeClr val="dk1"/>
+          </a:fillRef>
+          <a:effectRef idx="0">
+            <a:schemeClr val="dk1"/>
+          </a:effectRef>
+          <a:fontRef idx="minor">
+            <a:schemeClr val="tx1"/>
+          </a:fontRef>
+        </p:style>
+      </p:cxnSp>
+      <p:cxnSp>
+        <p:nvCxnSpPr>
+          <p:cNvPr id="55" name="肘形连接符 54"/>
+          <p:cNvCxnSpPr>
+            <a:stCxn id="6" idx="2"/>
+            <a:endCxn id="40" idx="2"/>
+          </p:cNvCxnSpPr>
+          <p:nvPr>
+            <p:custDataLst>
+              <p:tags r:id="rId17"/>
+            </p:custDataLst>
+          </p:nvPr>
+        </p:nvCxnSpPr>
+        <p:spPr>
+          <a:xfrm rot="5400000" flipV="1">
+            <a:off x="3248025" y="1998980"/>
+            <a:ext cx="2729865" cy="4371975"/>
+          </a:xfrm>
+          <a:prstGeom prst="bentConnector3">
+            <a:avLst>
+              <a:gd name="adj1" fmla="val 108723"/>
+            </a:avLst>
+          </a:prstGeom>
+          <a:ln w="38100">
+            <a:tailEnd type="arrow" w="med" len="med"/>
+          </a:ln>
+        </p:spPr>
+        <p:style>
+          <a:lnRef idx="1">
+            <a:schemeClr val="dk1"/>
+          </a:lnRef>
+          <a:fillRef idx="0">
+            <a:schemeClr val="dk1"/>
+          </a:fillRef>
+          <a:effectRef idx="0">
+            <a:schemeClr val="dk1"/>
+          </a:effectRef>
+          <a:fontRef idx="minor">
+            <a:schemeClr val="tx1"/>
+          </a:fontRef>
+        </p:style>
+      </p:cxnSp>
+      <p:cxnSp>
+        <p:nvCxnSpPr>
+          <p:cNvPr id="56" name="肘形连接符 55"/>
+          <p:cNvCxnSpPr>
+            <a:stCxn id="6" idx="2"/>
+            <a:endCxn id="46" idx="2"/>
+          </p:cNvCxnSpPr>
+          <p:nvPr>
+            <p:custDataLst>
+              <p:tags r:id="rId18"/>
+            </p:custDataLst>
+          </p:nvPr>
+        </p:nvCxnSpPr>
+        <p:spPr>
+          <a:xfrm rot="5400000" flipV="1">
+            <a:off x="4446905" y="800100"/>
+            <a:ext cx="2729865" cy="6769735"/>
+          </a:xfrm>
+          <a:prstGeom prst="bentConnector3">
+            <a:avLst>
+              <a:gd name="adj1" fmla="val 108723"/>
+            </a:avLst>
+          </a:prstGeom>
+          <a:ln w="38100">
+            <a:tailEnd type="arrow" w="med" len="med"/>
+          </a:ln>
+        </p:spPr>
+        <p:style>
+          <a:lnRef idx="1">
+            <a:schemeClr val="dk1"/>
+          </a:lnRef>
+          <a:fillRef idx="0">
+            <a:schemeClr val="dk1"/>
+          </a:fillRef>
+          <a:effectRef idx="0">
+            <a:schemeClr val="dk1"/>
+          </a:effectRef>
+          <a:fontRef idx="minor">
+            <a:schemeClr val="tx1"/>
+          </a:fontRef>
+        </p:style>
+      </p:cxnSp>
+      <p:sp>
+        <p:nvSpPr>
+          <p:cNvPr id="7" name="矩形 6"/>
+          <p:cNvSpPr/>
+          <p:nvPr>
+            <p:custDataLst>
+              <p:tags r:id="rId19"/>
+            </p:custDataLst>
+          </p:nvPr>
+        </p:nvSpPr>
+        <p:spPr>
+          <a:xfrm>
+            <a:off x="8514715" y="4020820"/>
+            <a:ext cx="1235710" cy="421640"/>
+          </a:xfrm>
+          <a:prstGeom prst="rect">
+            <a:avLst/>
+          </a:prstGeom>
+        </p:spPr>
+        <p:style>
+          <a:lnRef idx="2">
+            <a:schemeClr val="accent1">
+              <a:shade val="50000"/>
+            </a:schemeClr>
+          </a:lnRef>
+          <a:fillRef idx="1">
+            <a:schemeClr val="accent1"/>
+          </a:fillRef>
+          <a:effectRef idx="0">
+            <a:schemeClr val="accent1"/>
+          </a:effectRef>
+          <a:fontRef idx="minor">
+            <a:schemeClr val="lt1"/>
+          </a:fontRef>
+        </p:style>
+        <p:txBody>
+          <a:bodyPr rtlCol="0" anchor="ctr"/>
+          <a:p>
+            <a:pPr algn="ctr"/>
+            <a:r>
+              <a:rPr lang="en-US" altLang="zh-CN"/>
+              <a:t>tag_</a:t>
+            </a:r>
+            <a:r>
+              <a:rPr lang="en-US" altLang="zh-CN"/>
+              <a:t>M</a:t>
+            </a:r>
+            <a:endParaRPr lang="en-US" altLang="zh-CN"/>
+          </a:p>
+        </p:txBody>
+      </p:sp>
+      <p:sp>
+        <p:nvSpPr>
+          <p:cNvPr id="8" name="文本框 7"/>
+          <p:cNvSpPr txBox="1"/>
+          <p:nvPr/>
+        </p:nvSpPr>
+        <p:spPr>
+          <a:xfrm>
+            <a:off x="7774940" y="3440430"/>
+            <a:ext cx="903605" cy="368300"/>
+          </a:xfrm>
+          <a:prstGeom prst="rect">
+            <a:avLst/>
+          </a:prstGeom>
+          <a:noFill/>
+        </p:spPr>
+        <p:txBody>
+          <a:bodyPr wrap="square" rtlCol="0">
+            <a:spAutoFit/>
+          </a:bodyPr>
+          <a:p>
+            <a:r>
+              <a:rPr lang="en-US" altLang="zh-CN" b="1"/>
+              <a:t>...</a:t>
+            </a:r>
+            <a:endParaRPr lang="en-US" altLang="zh-CN" b="1"/>
+          </a:p>
+        </p:txBody>
+      </p:sp>
+      <p:sp>
+        <p:nvSpPr>
+          <p:cNvPr id="11" name="文本框 10"/>
+          <p:cNvSpPr txBox="1"/>
+          <p:nvPr>
+            <p:custDataLst>
+              <p:tags r:id="rId20"/>
+            </p:custDataLst>
+          </p:nvPr>
+        </p:nvSpPr>
+        <p:spPr>
+          <a:xfrm>
+            <a:off x="7774940" y="4074160"/>
+            <a:ext cx="903605" cy="368300"/>
+          </a:xfrm>
+          <a:prstGeom prst="rect">
+            <a:avLst/>
+          </a:prstGeom>
+          <a:noFill/>
+        </p:spPr>
+        <p:txBody>
+          <a:bodyPr wrap="square" rtlCol="0">
+            <a:spAutoFit/>
+          </a:bodyPr>
+          <a:p>
+            <a:r>
+              <a:rPr lang="en-US" altLang="zh-CN" b="1"/>
+              <a:t>...</a:t>
+            </a:r>
+            <a:endParaRPr lang="en-US" altLang="zh-CN" b="1"/>
+          </a:p>
+        </p:txBody>
+      </p:sp>
+    </p:spTree>
+    <p:custDataLst>
+      <p:tags r:id="rId21"/>
     </p:custDataLst>
   </p:cSld>
   <p:clrMapOvr>
@@ -3291,759 +7616,13 @@
 </p:tagLst>
 </file>
 
-<file path=ppt/tags/tag11.xml><?xml version="1.0" encoding="utf-8"?>
-<p:tagLst xmlns:p="http://schemas.openxmlformats.org/presentationml/2006/main">
-  <p:tag name="KSO_WM_UNIT_HIGHLIGHT" val="0"/>
-  <p:tag name="KSO_WM_UNIT_COMPATIBLE" val="0"/>
-  <p:tag name="KSO_WM_UNIT_DIAGRAM_ISNUMVISUAL" val="0"/>
-  <p:tag name="KSO_WM_UNIT_DIAGRAM_ISREFERUNIT" val="0"/>
-  <p:tag name="KSO_WM_UNIT_ID" val="_3**"/>
-  <p:tag name="KSO_WM_UNIT_LAYERLEVEL" val="1"/>
-  <p:tag name="KSO_WM_TAG_VERSION" val="1.0"/>
-  <p:tag name="KSO_WM_BEAUTIFY_FLAG" val="#wm#"/>
-</p:tagLst>
-</file>
-
-<file path=ppt/tags/tag12.xml><?xml version="1.0" encoding="utf-8"?>
-<p:tagLst xmlns:p="http://schemas.openxmlformats.org/presentationml/2006/main">
-  <p:tag name="KSO_WM_UNIT_HIGHLIGHT" val="0"/>
-  <p:tag name="KSO_WM_UNIT_COMPATIBLE" val="0"/>
-  <p:tag name="KSO_WM_UNIT_DIAGRAM_ISNUMVISUAL" val="0"/>
-  <p:tag name="KSO_WM_UNIT_DIAGRAM_ISREFERUNIT" val="0"/>
-  <p:tag name="KSO_WM_UNIT_ID" val="_3**"/>
-  <p:tag name="KSO_WM_UNIT_LAYERLEVEL" val="1"/>
-  <p:tag name="KSO_WM_TAG_VERSION" val="1.0"/>
-  <p:tag name="KSO_WM_BEAUTIFY_FLAG" val="#wm#"/>
-</p:tagLst>
-</file>
-
-<file path=ppt/tags/tag13.xml><?xml version="1.0" encoding="utf-8"?>
-<p:tagLst xmlns:p="http://schemas.openxmlformats.org/presentationml/2006/main">
-  <p:tag name="KSO_WM_UNIT_HIGHLIGHT" val="0"/>
-  <p:tag name="KSO_WM_UNIT_COMPATIBLE" val="0"/>
-  <p:tag name="KSO_WM_UNIT_DIAGRAM_ISNUMVISUAL" val="0"/>
-  <p:tag name="KSO_WM_UNIT_DIAGRAM_ISREFERUNIT" val="0"/>
-  <p:tag name="KSO_WM_UNIT_ID" val="_3**"/>
-  <p:tag name="KSO_WM_UNIT_LAYERLEVEL" val="1"/>
-  <p:tag name="KSO_WM_TAG_VERSION" val="1.0"/>
-  <p:tag name="KSO_WM_BEAUTIFY_FLAG" val="#wm#"/>
-</p:tagLst>
-</file>
-
-<file path=ppt/tags/tag14.xml><?xml version="1.0" encoding="utf-8"?>
-<p:tagLst xmlns:p="http://schemas.openxmlformats.org/presentationml/2006/main">
-  <p:tag name="KSO_WM_UNIT_HIGHLIGHT" val="0"/>
-  <p:tag name="KSO_WM_UNIT_COMPATIBLE" val="0"/>
-  <p:tag name="KSO_WM_UNIT_DIAGRAM_ISNUMVISUAL" val="0"/>
-  <p:tag name="KSO_WM_UNIT_DIAGRAM_ISREFERUNIT" val="0"/>
-  <p:tag name="KSO_WM_UNIT_ID" val="_3**"/>
-  <p:tag name="KSO_WM_UNIT_LAYERLEVEL" val="1"/>
-  <p:tag name="KSO_WM_TAG_VERSION" val="1.0"/>
-  <p:tag name="KSO_WM_BEAUTIFY_FLAG" val="#wm#"/>
-</p:tagLst>
-</file>
-
-<file path=ppt/tags/tag15.xml><?xml version="1.0" encoding="utf-8"?>
-<p:tagLst xmlns:p="http://schemas.openxmlformats.org/presentationml/2006/main">
-  <p:tag name="KSO_WM_UNIT_HIGHLIGHT" val="0"/>
-  <p:tag name="KSO_WM_UNIT_COMPATIBLE" val="0"/>
-  <p:tag name="KSO_WM_UNIT_DIAGRAM_ISNUMVISUAL" val="0"/>
-  <p:tag name="KSO_WM_UNIT_DIAGRAM_ISREFERUNIT" val="0"/>
-  <p:tag name="KSO_WM_UNIT_ID" val="_3**"/>
-  <p:tag name="KSO_WM_UNIT_LAYERLEVEL" val="1"/>
-  <p:tag name="KSO_WM_TAG_VERSION" val="1.0"/>
-  <p:tag name="KSO_WM_BEAUTIFY_FLAG" val="#wm#"/>
-</p:tagLst>
-</file>
-
-<file path=ppt/tags/tag16.xml><?xml version="1.0" encoding="utf-8"?>
-<p:tagLst xmlns:p="http://schemas.openxmlformats.org/presentationml/2006/main">
-  <p:tag name="KSO_WM_UNIT_HIGHLIGHT" val="0"/>
-  <p:tag name="KSO_WM_UNIT_COMPATIBLE" val="0"/>
-  <p:tag name="KSO_WM_UNIT_DIAGRAM_ISNUMVISUAL" val="0"/>
-  <p:tag name="KSO_WM_UNIT_DIAGRAM_ISREFERUNIT" val="0"/>
-  <p:tag name="KSO_WM_UNIT_ID" val="_4**"/>
-  <p:tag name="KSO_WM_UNIT_LAYERLEVEL" val="1"/>
-  <p:tag name="KSO_WM_TAG_VERSION" val="1.0"/>
-  <p:tag name="KSO_WM_BEAUTIFY_FLAG" val="#wm#"/>
-</p:tagLst>
-</file>
-
-<file path=ppt/tags/tag17.xml><?xml version="1.0" encoding="utf-8"?>
-<p:tagLst xmlns:p="http://schemas.openxmlformats.org/presentationml/2006/main">
-  <p:tag name="KSO_WM_UNIT_HIGHLIGHT" val="0"/>
-  <p:tag name="KSO_WM_UNIT_COMPATIBLE" val="0"/>
-  <p:tag name="KSO_WM_UNIT_DIAGRAM_ISNUMVISUAL" val="0"/>
-  <p:tag name="KSO_WM_UNIT_DIAGRAM_ISREFERUNIT" val="0"/>
-  <p:tag name="KSO_WM_UNIT_ID" val="_4**"/>
-  <p:tag name="KSO_WM_UNIT_LAYERLEVEL" val="1"/>
-  <p:tag name="KSO_WM_TAG_VERSION" val="1.0"/>
-  <p:tag name="KSO_WM_BEAUTIFY_FLAG" val="#wm#"/>
-</p:tagLst>
-</file>
-
-<file path=ppt/tags/tag18.xml><?xml version="1.0" encoding="utf-8"?>
-<p:tagLst xmlns:p="http://schemas.openxmlformats.org/presentationml/2006/main">
-  <p:tag name="KSO_WM_UNIT_HIGHLIGHT" val="0"/>
-  <p:tag name="KSO_WM_UNIT_COMPATIBLE" val="0"/>
-  <p:tag name="KSO_WM_UNIT_DIAGRAM_ISNUMVISUAL" val="0"/>
-  <p:tag name="KSO_WM_UNIT_DIAGRAM_ISREFERUNIT" val="0"/>
-  <p:tag name="KSO_WM_UNIT_ID" val="_4**"/>
-  <p:tag name="KSO_WM_UNIT_LAYERLEVEL" val="1"/>
-  <p:tag name="KSO_WM_TAG_VERSION" val="1.0"/>
-  <p:tag name="KSO_WM_BEAUTIFY_FLAG" val="#wm#"/>
-</p:tagLst>
-</file>
-
-<file path=ppt/tags/tag19.xml><?xml version="1.0" encoding="utf-8"?>
-<p:tagLst xmlns:p="http://schemas.openxmlformats.org/presentationml/2006/main">
-  <p:tag name="KSO_WM_UNIT_HIGHLIGHT" val="0"/>
-  <p:tag name="KSO_WM_UNIT_COMPATIBLE" val="0"/>
-  <p:tag name="KSO_WM_UNIT_DIAGRAM_ISNUMVISUAL" val="0"/>
-  <p:tag name="KSO_WM_UNIT_DIAGRAM_ISREFERUNIT" val="0"/>
-  <p:tag name="KSO_WM_UNIT_ID" val="_4**"/>
-  <p:tag name="KSO_WM_UNIT_LAYERLEVEL" val="1"/>
-  <p:tag name="KSO_WM_TAG_VERSION" val="1.0"/>
-  <p:tag name="KSO_WM_BEAUTIFY_FLAG" val="#wm#"/>
-</p:tagLst>
-</file>
-
-<file path=ppt/tags/tag2.xml><?xml version="1.0" encoding="utf-8"?>
-<p:tagLst xmlns:p="http://schemas.openxmlformats.org/presentationml/2006/main">
-  <p:tag name="KSO_WM_UNIT_HIGHLIGHT" val="0"/>
-  <p:tag name="KSO_WM_UNIT_COMPATIBLE" val="0"/>
-  <p:tag name="KSO_WM_UNIT_DIAGRAM_ISNUMVISUAL" val="0"/>
-  <p:tag name="KSO_WM_UNIT_DIAGRAM_ISREFERUNIT" val="0"/>
-  <p:tag name="KSO_WM_UNIT_ID" val="_1**"/>
-  <p:tag name="KSO_WM_UNIT_LAYERLEVEL" val="1"/>
-  <p:tag name="KSO_WM_TAG_VERSION" val="1.0"/>
-  <p:tag name="KSO_WM_BEAUTIFY_FLAG" val="#wm#"/>
-</p:tagLst>
-</file>
-
-<file path=ppt/tags/tag20.xml><?xml version="1.0" encoding="utf-8"?>
-<p:tagLst xmlns:p="http://schemas.openxmlformats.org/presentationml/2006/main">
-  <p:tag name="KSO_WM_UNIT_HIGHLIGHT" val="0"/>
-  <p:tag name="KSO_WM_UNIT_COMPATIBLE" val="0"/>
-  <p:tag name="KSO_WM_UNIT_DIAGRAM_ISNUMVISUAL" val="0"/>
-  <p:tag name="KSO_WM_UNIT_DIAGRAM_ISREFERUNIT" val="0"/>
-  <p:tag name="KSO_WM_UNIT_ID" val="_4**"/>
-  <p:tag name="KSO_WM_UNIT_LAYERLEVEL" val="1"/>
-  <p:tag name="KSO_WM_TAG_VERSION" val="1.0"/>
-  <p:tag name="KSO_WM_BEAUTIFY_FLAG" val="#wm#"/>
-</p:tagLst>
-</file>
-
-<file path=ppt/tags/tag21.xml><?xml version="1.0" encoding="utf-8"?>
-<p:tagLst xmlns:p="http://schemas.openxmlformats.org/presentationml/2006/main">
-  <p:tag name="KSO_WM_UNIT_HIGHLIGHT" val="0"/>
-  <p:tag name="KSO_WM_UNIT_COMPATIBLE" val="0"/>
-  <p:tag name="KSO_WM_UNIT_DIAGRAM_ISNUMVISUAL" val="0"/>
-  <p:tag name="KSO_WM_UNIT_DIAGRAM_ISREFERUNIT" val="0"/>
-  <p:tag name="KSO_WM_UNIT_ID" val="_4**"/>
-  <p:tag name="KSO_WM_UNIT_LAYERLEVEL" val="1"/>
-  <p:tag name="KSO_WM_TAG_VERSION" val="1.0"/>
-  <p:tag name="KSO_WM_BEAUTIFY_FLAG" val="#wm#"/>
-</p:tagLst>
-</file>
-
-<file path=ppt/tags/tag22.xml><?xml version="1.0" encoding="utf-8"?>
-<p:tagLst xmlns:p="http://schemas.openxmlformats.org/presentationml/2006/main">
-  <p:tag name="KSO_WM_UNIT_HIGHLIGHT" val="0"/>
-  <p:tag name="KSO_WM_UNIT_COMPATIBLE" val="0"/>
-  <p:tag name="KSO_WM_UNIT_DIAGRAM_ISNUMVISUAL" val="0"/>
-  <p:tag name="KSO_WM_UNIT_DIAGRAM_ISREFERUNIT" val="0"/>
-  <p:tag name="KSO_WM_UNIT_ID" val="_5**"/>
-  <p:tag name="KSO_WM_UNIT_LAYERLEVEL" val="1"/>
-  <p:tag name="KSO_WM_TAG_VERSION" val="1.0"/>
-  <p:tag name="KSO_WM_BEAUTIFY_FLAG" val="#wm#"/>
-</p:tagLst>
-</file>
-
-<file path=ppt/tags/tag23.xml><?xml version="1.0" encoding="utf-8"?>
-<p:tagLst xmlns:p="http://schemas.openxmlformats.org/presentationml/2006/main">
-  <p:tag name="KSO_WM_UNIT_HIGHLIGHT" val="0"/>
-  <p:tag name="KSO_WM_UNIT_COMPATIBLE" val="0"/>
-  <p:tag name="KSO_WM_UNIT_DIAGRAM_ISNUMVISUAL" val="0"/>
-  <p:tag name="KSO_WM_UNIT_DIAGRAM_ISREFERUNIT" val="0"/>
-  <p:tag name="KSO_WM_UNIT_ID" val="_5**"/>
-  <p:tag name="KSO_WM_UNIT_LAYERLEVEL" val="1"/>
-  <p:tag name="KSO_WM_TAG_VERSION" val="1.0"/>
-  <p:tag name="KSO_WM_BEAUTIFY_FLAG" val="#wm#"/>
-</p:tagLst>
-</file>
-
-<file path=ppt/tags/tag24.xml><?xml version="1.0" encoding="utf-8"?>
-<p:tagLst xmlns:p="http://schemas.openxmlformats.org/presentationml/2006/main">
-  <p:tag name="KSO_WM_UNIT_HIGHLIGHT" val="0"/>
-  <p:tag name="KSO_WM_UNIT_COMPATIBLE" val="0"/>
-  <p:tag name="KSO_WM_UNIT_DIAGRAM_ISNUMVISUAL" val="0"/>
-  <p:tag name="KSO_WM_UNIT_DIAGRAM_ISREFERUNIT" val="0"/>
-  <p:tag name="KSO_WM_UNIT_ID" val="_5**"/>
-  <p:tag name="KSO_WM_UNIT_LAYERLEVEL" val="1"/>
-  <p:tag name="KSO_WM_TAG_VERSION" val="1.0"/>
-  <p:tag name="KSO_WM_BEAUTIFY_FLAG" val="#wm#"/>
-</p:tagLst>
-</file>
-
-<file path=ppt/tags/tag25.xml><?xml version="1.0" encoding="utf-8"?>
-<p:tagLst xmlns:p="http://schemas.openxmlformats.org/presentationml/2006/main">
-  <p:tag name="KSO_WM_UNIT_HIGHLIGHT" val="0"/>
-  <p:tag name="KSO_WM_UNIT_COMPATIBLE" val="0"/>
-  <p:tag name="KSO_WM_UNIT_DIAGRAM_ISNUMVISUAL" val="0"/>
-  <p:tag name="KSO_WM_UNIT_DIAGRAM_ISREFERUNIT" val="0"/>
-  <p:tag name="KSO_WM_UNIT_ID" val="_5**"/>
-  <p:tag name="KSO_WM_UNIT_LAYERLEVEL" val="1"/>
-  <p:tag name="KSO_WM_TAG_VERSION" val="1.0"/>
-  <p:tag name="KSO_WM_BEAUTIFY_FLAG" val="#wm#"/>
-</p:tagLst>
-</file>
-
-<file path=ppt/tags/tag26.xml><?xml version="1.0" encoding="utf-8"?>
-<p:tagLst xmlns:p="http://schemas.openxmlformats.org/presentationml/2006/main">
-  <p:tag name="KSO_WM_UNIT_HIGHLIGHT" val="0"/>
-  <p:tag name="KSO_WM_UNIT_COMPATIBLE" val="0"/>
-  <p:tag name="KSO_WM_UNIT_DIAGRAM_ISNUMVISUAL" val="0"/>
-  <p:tag name="KSO_WM_UNIT_DIAGRAM_ISREFERUNIT" val="0"/>
-  <p:tag name="KSO_WM_UNIT_ID" val="_5**"/>
-  <p:tag name="KSO_WM_UNIT_LAYERLEVEL" val="1"/>
-  <p:tag name="KSO_WM_TAG_VERSION" val="1.0"/>
-  <p:tag name="KSO_WM_BEAUTIFY_FLAG" val="#wm#"/>
-</p:tagLst>
-</file>
-
-<file path=ppt/tags/tag27.xml><?xml version="1.0" encoding="utf-8"?>
-<p:tagLst xmlns:p="http://schemas.openxmlformats.org/presentationml/2006/main">
-  <p:tag name="KSO_WM_UNIT_HIGHLIGHT" val="0"/>
-  <p:tag name="KSO_WM_UNIT_COMPATIBLE" val="0"/>
-  <p:tag name="KSO_WM_UNIT_DIAGRAM_ISNUMVISUAL" val="0"/>
-  <p:tag name="KSO_WM_UNIT_DIAGRAM_ISREFERUNIT" val="0"/>
-  <p:tag name="KSO_WM_UNIT_ID" val="_5**"/>
-  <p:tag name="KSO_WM_UNIT_LAYERLEVEL" val="1"/>
-  <p:tag name="KSO_WM_TAG_VERSION" val="1.0"/>
-  <p:tag name="KSO_WM_BEAUTIFY_FLAG" val="#wm#"/>
-</p:tagLst>
-</file>
-
-<file path=ppt/tags/tag28.xml><?xml version="1.0" encoding="utf-8"?>
-<p:tagLst xmlns:p="http://schemas.openxmlformats.org/presentationml/2006/main">
-  <p:tag name="KSO_WM_UNIT_HIGHLIGHT" val="0"/>
-  <p:tag name="KSO_WM_UNIT_COMPATIBLE" val="0"/>
-  <p:tag name="KSO_WM_UNIT_DIAGRAM_ISNUMVISUAL" val="0"/>
-  <p:tag name="KSO_WM_UNIT_DIAGRAM_ISREFERUNIT" val="0"/>
-  <p:tag name="KSO_WM_UNIT_ID" val="_5**"/>
-  <p:tag name="KSO_WM_UNIT_LAYERLEVEL" val="1"/>
-  <p:tag name="KSO_WM_TAG_VERSION" val="1.0"/>
-  <p:tag name="KSO_WM_BEAUTIFY_FLAG" val="#wm#"/>
-</p:tagLst>
-</file>
-
-<file path=ppt/tags/tag29.xml><?xml version="1.0" encoding="utf-8"?>
-<p:tagLst xmlns:p="http://schemas.openxmlformats.org/presentationml/2006/main">
-  <p:tag name="KSO_WM_UNIT_HIGHLIGHT" val="0"/>
-  <p:tag name="KSO_WM_UNIT_COMPATIBLE" val="0"/>
-  <p:tag name="KSO_WM_UNIT_DIAGRAM_ISNUMVISUAL" val="0"/>
-  <p:tag name="KSO_WM_UNIT_DIAGRAM_ISREFERUNIT" val="0"/>
-  <p:tag name="KSO_WM_UNIT_ID" val="_5**"/>
-  <p:tag name="KSO_WM_UNIT_LAYERLEVEL" val="1"/>
-  <p:tag name="KSO_WM_TAG_VERSION" val="1.0"/>
-  <p:tag name="KSO_WM_BEAUTIFY_FLAG" val="#wm#"/>
-</p:tagLst>
-</file>
-
-<file path=ppt/tags/tag3.xml><?xml version="1.0" encoding="utf-8"?>
-<p:tagLst xmlns:p="http://schemas.openxmlformats.org/presentationml/2006/main">
-  <p:tag name="KSO_WM_UNIT_HIGHLIGHT" val="0"/>
-  <p:tag name="KSO_WM_UNIT_COMPATIBLE" val="0"/>
-  <p:tag name="KSO_WM_UNIT_DIAGRAM_ISNUMVISUAL" val="0"/>
-  <p:tag name="KSO_WM_UNIT_DIAGRAM_ISREFERUNIT" val="0"/>
-  <p:tag name="KSO_WM_UNIT_ID" val="_1**"/>
-  <p:tag name="KSO_WM_UNIT_LAYERLEVEL" val="1"/>
-  <p:tag name="KSO_WM_TAG_VERSION" val="1.0"/>
-  <p:tag name="KSO_WM_BEAUTIFY_FLAG" val="#wm#"/>
-</p:tagLst>
-</file>
-
-<file path=ppt/tags/tag30.xml><?xml version="1.0" encoding="utf-8"?>
-<p:tagLst xmlns:p="http://schemas.openxmlformats.org/presentationml/2006/main">
-  <p:tag name="KSO_WM_UNIT_HIGHLIGHT" val="0"/>
-  <p:tag name="KSO_WM_UNIT_COMPATIBLE" val="0"/>
-  <p:tag name="KSO_WM_UNIT_DIAGRAM_ISNUMVISUAL" val="0"/>
-  <p:tag name="KSO_WM_UNIT_DIAGRAM_ISREFERUNIT" val="0"/>
-  <p:tag name="KSO_WM_UNIT_ID" val="_6**"/>
-  <p:tag name="KSO_WM_UNIT_LAYERLEVEL" val="1"/>
-  <p:tag name="KSO_WM_TAG_VERSION" val="1.0"/>
-  <p:tag name="KSO_WM_BEAUTIFY_FLAG" val="#wm#"/>
-</p:tagLst>
-</file>
-
-<file path=ppt/tags/tag31.xml><?xml version="1.0" encoding="utf-8"?>
-<p:tagLst xmlns:p="http://schemas.openxmlformats.org/presentationml/2006/main">
-  <p:tag name="KSO_WM_UNIT_HIGHLIGHT" val="0"/>
-  <p:tag name="KSO_WM_UNIT_COMPATIBLE" val="0"/>
-  <p:tag name="KSO_WM_UNIT_DIAGRAM_ISNUMVISUAL" val="0"/>
-  <p:tag name="KSO_WM_UNIT_DIAGRAM_ISREFERUNIT" val="0"/>
-  <p:tag name="KSO_WM_UNIT_ID" val="_6**"/>
-  <p:tag name="KSO_WM_UNIT_LAYERLEVEL" val="1"/>
-  <p:tag name="KSO_WM_TAG_VERSION" val="1.0"/>
-  <p:tag name="KSO_WM_BEAUTIFY_FLAG" val="#wm#"/>
-</p:tagLst>
-</file>
-
-<file path=ppt/tags/tag32.xml><?xml version="1.0" encoding="utf-8"?>
-<p:tagLst xmlns:p="http://schemas.openxmlformats.org/presentationml/2006/main">
-  <p:tag name="KSO_WM_UNIT_HIGHLIGHT" val="0"/>
-  <p:tag name="KSO_WM_UNIT_COMPATIBLE" val="0"/>
-  <p:tag name="KSO_WM_UNIT_DIAGRAM_ISNUMVISUAL" val="0"/>
-  <p:tag name="KSO_WM_UNIT_DIAGRAM_ISREFERUNIT" val="0"/>
-  <p:tag name="KSO_WM_UNIT_ID" val="_6**"/>
-  <p:tag name="KSO_WM_UNIT_LAYERLEVEL" val="1"/>
-  <p:tag name="KSO_WM_TAG_VERSION" val="1.0"/>
-  <p:tag name="KSO_WM_BEAUTIFY_FLAG" val="#wm#"/>
-</p:tagLst>
-</file>
-
-<file path=ppt/tags/tag33.xml><?xml version="1.0" encoding="utf-8"?>
-<p:tagLst xmlns:p="http://schemas.openxmlformats.org/presentationml/2006/main">
-  <p:tag name="KSO_WM_UNIT_HIGHLIGHT" val="0"/>
-  <p:tag name="KSO_WM_UNIT_COMPATIBLE" val="0"/>
-  <p:tag name="KSO_WM_UNIT_DIAGRAM_ISNUMVISUAL" val="0"/>
-  <p:tag name="KSO_WM_UNIT_DIAGRAM_ISREFERUNIT" val="0"/>
-  <p:tag name="KSO_WM_UNIT_ID" val="_6**"/>
-  <p:tag name="KSO_WM_UNIT_LAYERLEVEL" val="1"/>
-  <p:tag name="KSO_WM_TAG_VERSION" val="1.0"/>
-  <p:tag name="KSO_WM_BEAUTIFY_FLAG" val="#wm#"/>
-</p:tagLst>
-</file>
-
-<file path=ppt/tags/tag34.xml><?xml version="1.0" encoding="utf-8"?>
-<p:tagLst xmlns:p="http://schemas.openxmlformats.org/presentationml/2006/main">
-  <p:tag name="KSO_WM_UNIT_HIGHLIGHT" val="0"/>
-  <p:tag name="KSO_WM_UNIT_COMPATIBLE" val="0"/>
-  <p:tag name="KSO_WM_UNIT_DIAGRAM_ISNUMVISUAL" val="0"/>
-  <p:tag name="KSO_WM_UNIT_DIAGRAM_ISREFERUNIT" val="0"/>
-  <p:tag name="KSO_WM_UNIT_ID" val="_7**"/>
-  <p:tag name="KSO_WM_UNIT_LAYERLEVEL" val="1"/>
-  <p:tag name="KSO_WM_TAG_VERSION" val="1.0"/>
-  <p:tag name="KSO_WM_BEAUTIFY_FLAG" val="#wm#"/>
-</p:tagLst>
-</file>
-
-<file path=ppt/tags/tag35.xml><?xml version="1.0" encoding="utf-8"?>
-<p:tagLst xmlns:p="http://schemas.openxmlformats.org/presentationml/2006/main">
-  <p:tag name="KSO_WM_UNIT_HIGHLIGHT" val="0"/>
-  <p:tag name="KSO_WM_UNIT_COMPATIBLE" val="0"/>
-  <p:tag name="KSO_WM_UNIT_DIAGRAM_ISNUMVISUAL" val="0"/>
-  <p:tag name="KSO_WM_UNIT_DIAGRAM_ISREFERUNIT" val="0"/>
-  <p:tag name="KSO_WM_UNIT_ID" val="_7**"/>
-  <p:tag name="KSO_WM_UNIT_LAYERLEVEL" val="1"/>
-  <p:tag name="KSO_WM_TAG_VERSION" val="1.0"/>
-  <p:tag name="KSO_WM_BEAUTIFY_FLAG" val="#wm#"/>
-</p:tagLst>
-</file>
-
-<file path=ppt/tags/tag36.xml><?xml version="1.0" encoding="utf-8"?>
-<p:tagLst xmlns:p="http://schemas.openxmlformats.org/presentationml/2006/main">
-  <p:tag name="KSO_WM_UNIT_HIGHLIGHT" val="0"/>
-  <p:tag name="KSO_WM_UNIT_COMPATIBLE" val="0"/>
-  <p:tag name="KSO_WM_UNIT_DIAGRAM_ISNUMVISUAL" val="0"/>
-  <p:tag name="KSO_WM_UNIT_DIAGRAM_ISREFERUNIT" val="0"/>
-  <p:tag name="KSO_WM_UNIT_ID" val="_7**"/>
-  <p:tag name="KSO_WM_UNIT_LAYERLEVEL" val="1"/>
-  <p:tag name="KSO_WM_TAG_VERSION" val="1.0"/>
-  <p:tag name="KSO_WM_BEAUTIFY_FLAG" val="#wm#"/>
-</p:tagLst>
-</file>
-
-<file path=ppt/tags/tag37.xml><?xml version="1.0" encoding="utf-8"?>
-<p:tagLst xmlns:p="http://schemas.openxmlformats.org/presentationml/2006/main">
-  <p:tag name="KSO_WM_UNIT_HIGHLIGHT" val="0"/>
-  <p:tag name="KSO_WM_UNIT_COMPATIBLE" val="0"/>
-  <p:tag name="KSO_WM_UNIT_DIAGRAM_ISNUMVISUAL" val="0"/>
-  <p:tag name="KSO_WM_UNIT_DIAGRAM_ISREFERUNIT" val="0"/>
-  <p:tag name="KSO_WM_UNIT_ID" val="_8**"/>
-  <p:tag name="KSO_WM_UNIT_LAYERLEVEL" val="1"/>
-  <p:tag name="KSO_WM_TAG_VERSION" val="1.0"/>
-  <p:tag name="KSO_WM_BEAUTIFY_FLAG" val="#wm#"/>
-</p:tagLst>
-</file>
-
-<file path=ppt/tags/tag38.xml><?xml version="1.0" encoding="utf-8"?>
-<p:tagLst xmlns:p="http://schemas.openxmlformats.org/presentationml/2006/main">
-  <p:tag name="KSO_WM_UNIT_HIGHLIGHT" val="0"/>
-  <p:tag name="KSO_WM_UNIT_COMPATIBLE" val="0"/>
-  <p:tag name="KSO_WM_UNIT_DIAGRAM_ISNUMVISUAL" val="0"/>
-  <p:tag name="KSO_WM_UNIT_DIAGRAM_ISREFERUNIT" val="0"/>
-  <p:tag name="KSO_WM_UNIT_ID" val="_8**"/>
-  <p:tag name="KSO_WM_UNIT_LAYERLEVEL" val="1"/>
-  <p:tag name="KSO_WM_TAG_VERSION" val="1.0"/>
-  <p:tag name="KSO_WM_BEAUTIFY_FLAG" val="#wm#"/>
-</p:tagLst>
-</file>
-
-<file path=ppt/tags/tag39.xml><?xml version="1.0" encoding="utf-8"?>
-<p:tagLst xmlns:p="http://schemas.openxmlformats.org/presentationml/2006/main">
-  <p:tag name="KSO_WM_UNIT_HIGHLIGHT" val="0"/>
-  <p:tag name="KSO_WM_UNIT_COMPATIBLE" val="0"/>
-  <p:tag name="KSO_WM_UNIT_DIAGRAM_ISNUMVISUAL" val="0"/>
-  <p:tag name="KSO_WM_UNIT_DIAGRAM_ISREFERUNIT" val="0"/>
-  <p:tag name="KSO_WM_UNIT_ID" val="_8**"/>
-  <p:tag name="KSO_WM_UNIT_LAYERLEVEL" val="1"/>
-  <p:tag name="KSO_WM_TAG_VERSION" val="1.0"/>
-  <p:tag name="KSO_WM_BEAUTIFY_FLAG" val="#wm#"/>
-</p:tagLst>
-</file>
-
-<file path=ppt/tags/tag4.xml><?xml version="1.0" encoding="utf-8"?>
-<p:tagLst xmlns:p="http://schemas.openxmlformats.org/presentationml/2006/main">
-  <p:tag name="KSO_WM_UNIT_HIGHLIGHT" val="0"/>
-  <p:tag name="KSO_WM_UNIT_COMPATIBLE" val="0"/>
-  <p:tag name="KSO_WM_UNIT_DIAGRAM_ISNUMVISUAL" val="0"/>
-  <p:tag name="KSO_WM_UNIT_DIAGRAM_ISREFERUNIT" val="0"/>
-  <p:tag name="KSO_WM_UNIT_ID" val="_1**"/>
-  <p:tag name="KSO_WM_UNIT_LAYERLEVEL" val="1"/>
-  <p:tag name="KSO_WM_TAG_VERSION" val="1.0"/>
-  <p:tag name="KSO_WM_BEAUTIFY_FLAG" val="#wm#"/>
-</p:tagLst>
-</file>
-
-<file path=ppt/tags/tag40.xml><?xml version="1.0" encoding="utf-8"?>
-<p:tagLst xmlns:p="http://schemas.openxmlformats.org/presentationml/2006/main">
-  <p:tag name="KSO_WM_UNIT_HIGHLIGHT" val="0"/>
-  <p:tag name="KSO_WM_UNIT_COMPATIBLE" val="0"/>
-  <p:tag name="KSO_WM_UNIT_DIAGRAM_ISNUMVISUAL" val="0"/>
-  <p:tag name="KSO_WM_UNIT_DIAGRAM_ISREFERUNIT" val="0"/>
-  <p:tag name="KSO_WM_UNIT_ID" val="_8**"/>
-  <p:tag name="KSO_WM_UNIT_LAYERLEVEL" val="1"/>
-  <p:tag name="KSO_WM_TAG_VERSION" val="1.0"/>
-  <p:tag name="KSO_WM_BEAUTIFY_FLAG" val="#wm#"/>
-</p:tagLst>
-</file>
-
-<file path=ppt/tags/tag41.xml><?xml version="1.0" encoding="utf-8"?>
-<p:tagLst xmlns:p="http://schemas.openxmlformats.org/presentationml/2006/main">
-  <p:tag name="KSO_WM_UNIT_HIGHLIGHT" val="0"/>
-  <p:tag name="KSO_WM_UNIT_COMPATIBLE" val="0"/>
-  <p:tag name="KSO_WM_UNIT_DIAGRAM_ISNUMVISUAL" val="0"/>
-  <p:tag name="KSO_WM_UNIT_DIAGRAM_ISREFERUNIT" val="0"/>
-  <p:tag name="KSO_WM_UNIT_ID" val="_8**"/>
-  <p:tag name="KSO_WM_UNIT_LAYERLEVEL" val="1"/>
-  <p:tag name="KSO_WM_TAG_VERSION" val="1.0"/>
-  <p:tag name="KSO_WM_BEAUTIFY_FLAG" val="#wm#"/>
-</p:tagLst>
-</file>
-
-<file path=ppt/tags/tag42.xml><?xml version="1.0" encoding="utf-8"?>
-<p:tagLst xmlns:p="http://schemas.openxmlformats.org/presentationml/2006/main">
-  <p:tag name="KSO_WM_UNIT_HIGHLIGHT" val="0"/>
-  <p:tag name="KSO_WM_UNIT_COMPATIBLE" val="0"/>
-  <p:tag name="KSO_WM_UNIT_DIAGRAM_ISNUMVISUAL" val="0"/>
-  <p:tag name="KSO_WM_UNIT_DIAGRAM_ISREFERUNIT" val="0"/>
-  <p:tag name="KSO_WM_UNIT_ID" val="_8**"/>
-  <p:tag name="KSO_WM_UNIT_LAYERLEVEL" val="1"/>
-  <p:tag name="KSO_WM_TAG_VERSION" val="1.0"/>
-  <p:tag name="KSO_WM_BEAUTIFY_FLAG" val="#wm#"/>
-</p:tagLst>
-</file>
-
-<file path=ppt/tags/tag43.xml><?xml version="1.0" encoding="utf-8"?>
-<p:tagLst xmlns:p="http://schemas.openxmlformats.org/presentationml/2006/main">
-  <p:tag name="KSO_WM_UNIT_HIGHLIGHT" val="0"/>
-  <p:tag name="KSO_WM_UNIT_COMPATIBLE" val="0"/>
-  <p:tag name="KSO_WM_UNIT_DIAGRAM_ISNUMVISUAL" val="0"/>
-  <p:tag name="KSO_WM_UNIT_DIAGRAM_ISREFERUNIT" val="0"/>
-  <p:tag name="KSO_WM_UNIT_ID" val="_9**"/>
-  <p:tag name="KSO_WM_UNIT_LAYERLEVEL" val="1"/>
-  <p:tag name="KSO_WM_TAG_VERSION" val="1.0"/>
-  <p:tag name="KSO_WM_BEAUTIFY_FLAG" val="#wm#"/>
-</p:tagLst>
-</file>
-
-<file path=ppt/tags/tag44.xml><?xml version="1.0" encoding="utf-8"?>
-<p:tagLst xmlns:p="http://schemas.openxmlformats.org/presentationml/2006/main">
-  <p:tag name="KSO_WM_UNIT_HIGHLIGHT" val="0"/>
-  <p:tag name="KSO_WM_UNIT_COMPATIBLE" val="0"/>
-  <p:tag name="KSO_WM_UNIT_DIAGRAM_ISNUMVISUAL" val="0"/>
-  <p:tag name="KSO_WM_UNIT_DIAGRAM_ISREFERUNIT" val="0"/>
-  <p:tag name="KSO_WM_UNIT_ID" val="_9**"/>
-  <p:tag name="KSO_WM_UNIT_LAYERLEVEL" val="1"/>
-  <p:tag name="KSO_WM_TAG_VERSION" val="1.0"/>
-  <p:tag name="KSO_WM_BEAUTIFY_FLAG" val="#wm#"/>
-</p:tagLst>
-</file>
-
-<file path=ppt/tags/tag45.xml><?xml version="1.0" encoding="utf-8"?>
-<p:tagLst xmlns:p="http://schemas.openxmlformats.org/presentationml/2006/main">
-  <p:tag name="KSO_WM_UNIT_HIGHLIGHT" val="0"/>
-  <p:tag name="KSO_WM_UNIT_COMPATIBLE" val="0"/>
-  <p:tag name="KSO_WM_UNIT_DIAGRAM_ISNUMVISUAL" val="0"/>
-  <p:tag name="KSO_WM_UNIT_DIAGRAM_ISREFERUNIT" val="0"/>
-  <p:tag name="KSO_WM_UNIT_ID" val="_9**"/>
-  <p:tag name="KSO_WM_UNIT_LAYERLEVEL" val="1"/>
-  <p:tag name="KSO_WM_TAG_VERSION" val="1.0"/>
-  <p:tag name="KSO_WM_BEAUTIFY_FLAG" val="#wm#"/>
-</p:tagLst>
-</file>
-
-<file path=ppt/tags/tag46.xml><?xml version="1.0" encoding="utf-8"?>
-<p:tagLst xmlns:p="http://schemas.openxmlformats.org/presentationml/2006/main">
-  <p:tag name="KSO_WM_UNIT_HIGHLIGHT" val="0"/>
-  <p:tag name="KSO_WM_UNIT_COMPATIBLE" val="0"/>
-  <p:tag name="KSO_WM_UNIT_DIAGRAM_ISNUMVISUAL" val="0"/>
-  <p:tag name="KSO_WM_UNIT_DIAGRAM_ISREFERUNIT" val="0"/>
-  <p:tag name="KSO_WM_UNIT_ID" val="_9**"/>
-  <p:tag name="KSO_WM_UNIT_LAYERLEVEL" val="1"/>
-  <p:tag name="KSO_WM_TAG_VERSION" val="1.0"/>
-  <p:tag name="KSO_WM_BEAUTIFY_FLAG" val="#wm#"/>
-</p:tagLst>
-</file>
-
-<file path=ppt/tags/tag47.xml><?xml version="1.0" encoding="utf-8"?>
-<p:tagLst xmlns:p="http://schemas.openxmlformats.org/presentationml/2006/main">
-  <p:tag name="KSO_WM_UNIT_HIGHLIGHT" val="0"/>
-  <p:tag name="KSO_WM_UNIT_COMPATIBLE" val="0"/>
-  <p:tag name="KSO_WM_UNIT_DIAGRAM_ISNUMVISUAL" val="0"/>
-  <p:tag name="KSO_WM_UNIT_DIAGRAM_ISREFERUNIT" val="0"/>
-  <p:tag name="KSO_WM_UNIT_ID" val="_9**"/>
-  <p:tag name="KSO_WM_UNIT_LAYERLEVEL" val="1"/>
-  <p:tag name="KSO_WM_TAG_VERSION" val="1.0"/>
-  <p:tag name="KSO_WM_BEAUTIFY_FLAG" val="#wm#"/>
-</p:tagLst>
-</file>
-
-<file path=ppt/tags/tag48.xml><?xml version="1.0" encoding="utf-8"?>
-<p:tagLst xmlns:p="http://schemas.openxmlformats.org/presentationml/2006/main">
-  <p:tag name="KSO_WM_UNIT_HIGHLIGHT" val="0"/>
-  <p:tag name="KSO_WM_UNIT_COMPATIBLE" val="0"/>
-  <p:tag name="KSO_WM_UNIT_DIAGRAM_ISNUMVISUAL" val="0"/>
-  <p:tag name="KSO_WM_UNIT_DIAGRAM_ISREFERUNIT" val="0"/>
-  <p:tag name="KSO_WM_UNIT_ID" val="_10**"/>
-  <p:tag name="KSO_WM_UNIT_LAYERLEVEL" val="1"/>
-  <p:tag name="KSO_WM_TAG_VERSION" val="1.0"/>
-  <p:tag name="KSO_WM_BEAUTIFY_FLAG" val="#wm#"/>
-</p:tagLst>
-</file>
-
-<file path=ppt/tags/tag49.xml><?xml version="1.0" encoding="utf-8"?>
-<p:tagLst xmlns:p="http://schemas.openxmlformats.org/presentationml/2006/main">
-  <p:tag name="KSO_WM_UNIT_HIGHLIGHT" val="0"/>
-  <p:tag name="KSO_WM_UNIT_COMPATIBLE" val="0"/>
-  <p:tag name="KSO_WM_UNIT_DIAGRAM_ISNUMVISUAL" val="0"/>
-  <p:tag name="KSO_WM_UNIT_DIAGRAM_ISREFERUNIT" val="0"/>
-  <p:tag name="KSO_WM_UNIT_ID" val="_10**"/>
-  <p:tag name="KSO_WM_UNIT_LAYERLEVEL" val="1"/>
-  <p:tag name="KSO_WM_TAG_VERSION" val="1.0"/>
-  <p:tag name="KSO_WM_BEAUTIFY_FLAG" val="#wm#"/>
-</p:tagLst>
-</file>
-
-<file path=ppt/tags/tag5.xml><?xml version="1.0" encoding="utf-8"?>
-<p:tagLst xmlns:p="http://schemas.openxmlformats.org/presentationml/2006/main">
-  <p:tag name="KSO_WM_UNIT_HIGHLIGHT" val="0"/>
-  <p:tag name="KSO_WM_UNIT_COMPATIBLE" val="0"/>
-  <p:tag name="KSO_WM_UNIT_DIAGRAM_ISNUMVISUAL" val="0"/>
-  <p:tag name="KSO_WM_UNIT_DIAGRAM_ISREFERUNIT" val="0"/>
-  <p:tag name="KSO_WM_UNIT_ID" val="_1**"/>
-  <p:tag name="KSO_WM_UNIT_LAYERLEVEL" val="1"/>
-  <p:tag name="KSO_WM_TAG_VERSION" val="1.0"/>
-  <p:tag name="KSO_WM_BEAUTIFY_FLAG" val="#wm#"/>
-</p:tagLst>
-</file>
-
-<file path=ppt/tags/tag50.xml><?xml version="1.0" encoding="utf-8"?>
-<p:tagLst xmlns:p="http://schemas.openxmlformats.org/presentationml/2006/main">
-  <p:tag name="KSO_WM_UNIT_HIGHLIGHT" val="0"/>
-  <p:tag name="KSO_WM_UNIT_COMPATIBLE" val="0"/>
-  <p:tag name="KSO_WM_UNIT_DIAGRAM_ISNUMVISUAL" val="0"/>
-  <p:tag name="KSO_WM_UNIT_DIAGRAM_ISREFERUNIT" val="0"/>
-  <p:tag name="KSO_WM_UNIT_ID" val="_10**"/>
-  <p:tag name="KSO_WM_UNIT_LAYERLEVEL" val="1"/>
-  <p:tag name="KSO_WM_TAG_VERSION" val="1.0"/>
-  <p:tag name="KSO_WM_BEAUTIFY_FLAG" val="#wm#"/>
-</p:tagLst>
-</file>
-
-<file path=ppt/tags/tag51.xml><?xml version="1.0" encoding="utf-8"?>
-<p:tagLst xmlns:p="http://schemas.openxmlformats.org/presentationml/2006/main">
-  <p:tag name="KSO_WM_UNIT_HIGHLIGHT" val="0"/>
-  <p:tag name="KSO_WM_UNIT_COMPATIBLE" val="0"/>
-  <p:tag name="KSO_WM_UNIT_DIAGRAM_ISNUMVISUAL" val="0"/>
-  <p:tag name="KSO_WM_UNIT_DIAGRAM_ISREFERUNIT" val="0"/>
-  <p:tag name="KSO_WM_UNIT_ID" val="_10**"/>
-  <p:tag name="KSO_WM_UNIT_LAYERLEVEL" val="1"/>
-  <p:tag name="KSO_WM_TAG_VERSION" val="1.0"/>
-  <p:tag name="KSO_WM_BEAUTIFY_FLAG" val="#wm#"/>
-</p:tagLst>
-</file>
-
-<file path=ppt/tags/tag52.xml><?xml version="1.0" encoding="utf-8"?>
-<p:tagLst xmlns:p="http://schemas.openxmlformats.org/presentationml/2006/main">
-  <p:tag name="KSO_WM_UNIT_HIGHLIGHT" val="0"/>
-  <p:tag name="KSO_WM_UNIT_COMPATIBLE" val="0"/>
-  <p:tag name="KSO_WM_UNIT_DIAGRAM_ISNUMVISUAL" val="0"/>
-  <p:tag name="KSO_WM_UNIT_DIAGRAM_ISREFERUNIT" val="0"/>
-  <p:tag name="KSO_WM_UNIT_ID" val="_11**"/>
-  <p:tag name="KSO_WM_UNIT_LAYERLEVEL" val="1"/>
-  <p:tag name="KSO_WM_TAG_VERSION" val="1.0"/>
-  <p:tag name="KSO_WM_BEAUTIFY_FLAG" val="#wm#"/>
-</p:tagLst>
-</file>
-
-<file path=ppt/tags/tag53.xml><?xml version="1.0" encoding="utf-8"?>
-<p:tagLst xmlns:p="http://schemas.openxmlformats.org/presentationml/2006/main">
-  <p:tag name="KSO_WM_UNIT_HIGHLIGHT" val="0"/>
-  <p:tag name="KSO_WM_UNIT_COMPATIBLE" val="0"/>
-  <p:tag name="KSO_WM_UNIT_DIAGRAM_ISNUMVISUAL" val="0"/>
-  <p:tag name="KSO_WM_UNIT_DIAGRAM_ISREFERUNIT" val="0"/>
-  <p:tag name="KSO_WM_UNIT_ID" val="_11**"/>
-  <p:tag name="KSO_WM_UNIT_LAYERLEVEL" val="1"/>
-  <p:tag name="KSO_WM_TAG_VERSION" val="1.0"/>
-  <p:tag name="KSO_WM_BEAUTIFY_FLAG" val="#wm#"/>
-</p:tagLst>
-</file>
-
-<file path=ppt/tags/tag54.xml><?xml version="1.0" encoding="utf-8"?>
-<p:tagLst xmlns:p="http://schemas.openxmlformats.org/presentationml/2006/main">
-  <p:tag name="KSO_WM_UNIT_HIGHLIGHT" val="0"/>
-  <p:tag name="KSO_WM_UNIT_COMPATIBLE" val="0"/>
-  <p:tag name="KSO_WM_UNIT_DIAGRAM_ISNUMVISUAL" val="0"/>
-  <p:tag name="KSO_WM_UNIT_DIAGRAM_ISREFERUNIT" val="0"/>
-  <p:tag name="KSO_WM_UNIT_ID" val="_11**"/>
-  <p:tag name="KSO_WM_UNIT_LAYERLEVEL" val="1"/>
-  <p:tag name="KSO_WM_TAG_VERSION" val="1.0"/>
-  <p:tag name="KSO_WM_BEAUTIFY_FLAG" val="#wm#"/>
-</p:tagLst>
-</file>
-
-<file path=ppt/tags/tag55.xml><?xml version="1.0" encoding="utf-8"?>
-<p:tagLst xmlns:p="http://schemas.openxmlformats.org/presentationml/2006/main">
-  <p:tag name="KSO_WM_UNIT_HIGHLIGHT" val="0"/>
-  <p:tag name="KSO_WM_UNIT_COMPATIBLE" val="0"/>
-  <p:tag name="KSO_WM_UNIT_DIAGRAM_ISNUMVISUAL" val="0"/>
-  <p:tag name="KSO_WM_UNIT_DIAGRAM_ISREFERUNIT" val="0"/>
-  <p:tag name="KSO_WM_UNIT_ID" val="_11**"/>
-  <p:tag name="KSO_WM_UNIT_LAYERLEVEL" val="1"/>
-  <p:tag name="KSO_WM_TAG_VERSION" val="1.0"/>
-  <p:tag name="KSO_WM_BEAUTIFY_FLAG" val="#wm#"/>
-</p:tagLst>
-</file>
-
-<file path=ppt/tags/tag56.xml><?xml version="1.0" encoding="utf-8"?>
-<p:tagLst xmlns:p="http://schemas.openxmlformats.org/presentationml/2006/main">
-  <p:tag name="KSO_WM_UNIT_HIGHLIGHT" val="0"/>
-  <p:tag name="KSO_WM_UNIT_COMPATIBLE" val="0"/>
-  <p:tag name="KSO_WM_UNIT_DIAGRAM_ISNUMVISUAL" val="0"/>
-  <p:tag name="KSO_WM_UNIT_DIAGRAM_ISREFERUNIT" val="0"/>
-  <p:tag name="KSO_WM_UNIT_ID" val="_11**"/>
-  <p:tag name="KSO_WM_UNIT_LAYERLEVEL" val="1"/>
-  <p:tag name="KSO_WM_TAG_VERSION" val="1.0"/>
-  <p:tag name="KSO_WM_BEAUTIFY_FLAG" val="#wm#"/>
-</p:tagLst>
-</file>
-
-<file path=ppt/tags/tag57.xml><?xml version="1.0" encoding="utf-8"?>
-<p:tagLst xmlns:p="http://schemas.openxmlformats.org/presentationml/2006/main">
-  <p:tag name="KSO_WM_UNIT_HIGHLIGHT" val="0"/>
-  <p:tag name="KSO_WM_UNIT_COMPATIBLE" val="0"/>
-  <p:tag name="KSO_WM_UNIT_DIAGRAM_ISNUMVISUAL" val="0"/>
-  <p:tag name="KSO_WM_UNIT_DIAGRAM_ISREFERUNIT" val="0"/>
-  <p:tag name="KSO_WM_UNIT_ID" val="_0**"/>
-  <p:tag name="KSO_WM_UNIT_LAYERLEVEL" val="1"/>
-  <p:tag name="KSO_WM_TAG_VERSION" val="1.0"/>
-  <p:tag name="KSO_WM_BEAUTIFY_FLAG" val="#wm#"/>
-  <p:tag name="KSO_WM_TEMPLATE_CATEGORY" val="custom"/>
-  <p:tag name="KSO_WM_TEMPLATE_INDEX" val="20205081"/>
-</p:tagLst>
-</file>
-
-<file path=ppt/tags/tag58.xml><?xml version="1.0" encoding="utf-8"?>
-<p:tagLst xmlns:p="http://schemas.openxmlformats.org/presentationml/2006/main">
-  <p:tag name="KSO_WM_UNIT_HIGHLIGHT" val="0"/>
-  <p:tag name="KSO_WM_UNIT_COMPATIBLE" val="0"/>
-  <p:tag name="KSO_WM_UNIT_DIAGRAM_ISNUMVISUAL" val="0"/>
-  <p:tag name="KSO_WM_UNIT_DIAGRAM_ISREFERUNIT" val="0"/>
-  <p:tag name="KSO_WM_UNIT_ID" val="_0**"/>
-  <p:tag name="KSO_WM_UNIT_LAYERLEVEL" val="1"/>
-  <p:tag name="KSO_WM_TAG_VERSION" val="1.0"/>
-  <p:tag name="KSO_WM_BEAUTIFY_FLAG" val="#wm#"/>
-  <p:tag name="KSO_WM_TEMPLATE_CATEGORY" val="custom"/>
-  <p:tag name="KSO_WM_TEMPLATE_INDEX" val="20205081"/>
-</p:tagLst>
-</file>
-
-<file path=ppt/tags/tag59.xml><?xml version="1.0" encoding="utf-8"?>
-<p:tagLst xmlns:p="http://schemas.openxmlformats.org/presentationml/2006/main">
-  <p:tag name="KSO_WM_UNIT_HIGHLIGHT" val="0"/>
-  <p:tag name="KSO_WM_UNIT_COMPATIBLE" val="0"/>
-  <p:tag name="KSO_WM_UNIT_DIAGRAM_ISNUMVISUAL" val="0"/>
-  <p:tag name="KSO_WM_UNIT_DIAGRAM_ISREFERUNIT" val="0"/>
-  <p:tag name="KSO_WM_UNIT_ID" val="_0**"/>
-  <p:tag name="KSO_WM_UNIT_LAYERLEVEL" val="1"/>
-  <p:tag name="KSO_WM_TAG_VERSION" val="1.0"/>
-  <p:tag name="KSO_WM_BEAUTIFY_FLAG" val="#wm#"/>
-</p:tagLst>
-</file>
-
-<file path=ppt/tags/tag6.xml><?xml version="1.0" encoding="utf-8"?>
-<p:tagLst xmlns:p="http://schemas.openxmlformats.org/presentationml/2006/main">
-  <p:tag name="KSO_WM_UNIT_HIGHLIGHT" val="0"/>
-  <p:tag name="KSO_WM_UNIT_COMPATIBLE" val="0"/>
-  <p:tag name="KSO_WM_UNIT_DIAGRAM_ISNUMVISUAL" val="0"/>
-  <p:tag name="KSO_WM_UNIT_DIAGRAM_ISREFERUNIT" val="0"/>
-  <p:tag name="KSO_WM_UNIT_ID" val="_2**"/>
-  <p:tag name="KSO_WM_UNIT_LAYERLEVEL" val="1"/>
-  <p:tag name="KSO_WM_TAG_VERSION" val="1.0"/>
-  <p:tag name="KSO_WM_BEAUTIFY_FLAG" val="#wm#"/>
-</p:tagLst>
-</file>
-
-<file path=ppt/tags/tag60.xml><?xml version="1.0" encoding="utf-8"?>
-<p:tagLst xmlns:p="http://schemas.openxmlformats.org/presentationml/2006/main">
-  <p:tag name="KSO_WM_UNIT_HIGHLIGHT" val="0"/>
-  <p:tag name="KSO_WM_UNIT_COMPATIBLE" val="0"/>
-  <p:tag name="KSO_WM_UNIT_DIAGRAM_ISNUMVISUAL" val="0"/>
-  <p:tag name="KSO_WM_UNIT_DIAGRAM_ISREFERUNIT" val="0"/>
-  <p:tag name="KSO_WM_UNIT_ID" val="_0**"/>
-  <p:tag name="KSO_WM_UNIT_LAYERLEVEL" val="1"/>
-  <p:tag name="KSO_WM_TAG_VERSION" val="1.0"/>
-  <p:tag name="KSO_WM_BEAUTIFY_FLAG" val="#wm#"/>
-</p:tagLst>
-</file>
-
-<file path=ppt/tags/tag61.xml><?xml version="1.0" encoding="utf-8"?>
-<p:tagLst xmlns:p="http://schemas.openxmlformats.org/presentationml/2006/main">
-  <p:tag name="KSO_WM_UNIT_HIGHLIGHT" val="0"/>
-  <p:tag name="KSO_WM_UNIT_COMPATIBLE" val="0"/>
-  <p:tag name="KSO_WM_UNIT_DIAGRAM_ISNUMVISUAL" val="0"/>
-  <p:tag name="KSO_WM_UNIT_DIAGRAM_ISREFERUNIT" val="0"/>
-  <p:tag name="KSO_WM_UNIT_ID" val="_0**"/>
-  <p:tag name="KSO_WM_UNIT_LAYERLEVEL" val="1"/>
-  <p:tag name="KSO_WM_TAG_VERSION" val="1.0"/>
-  <p:tag name="KSO_WM_BEAUTIFY_FLAG" val="#wm#"/>
-</p:tagLst>
-</file>
-
-<file path=ppt/tags/tag62.xml><?xml version="1.0" encoding="utf-8"?>
-<p:tagLst xmlns:p="http://schemas.openxmlformats.org/presentationml/2006/main">
-  <p:tag name="KSO_WM_TEMPLATE_THUMBS_INDEX" val="1、4、7、12、13、14、15、16、17、18、20、24、25、28、33、36、40、43、44"/>
-  <p:tag name="KSO_WM_TEMPLATE_SUBCATEGORY" val="19"/>
-  <p:tag name="KSO_WM_TAG_VERSION" val="1.0"/>
-  <p:tag name="KSO_WM_BEAUTIFY_FLAG" val="#wm#"/>
-  <p:tag name="KSO_WM_TEMPLATE_CATEGORY" val="custom"/>
-  <p:tag name="KSO_WM_TEMPLATE_INDEX" val="20205081"/>
-  <p:tag name="KSO_WM_TEMPLATE_MASTER_TYPE" val="0"/>
-  <p:tag name="KSO_WM_TEMPLATE_COLOR_TYPE" val="1"/>
-  <p:tag name="KSO_WM_UNIT_SHOW_EDIT_AREA_INDICATION" val="1"/>
-</p:tagLst>
-</file>
-
-<file path=ppt/tags/tag63.xml><?xml version="1.0" encoding="utf-8"?>
+<file path=ppt/tags/tag100.xml><?xml version="1.0" encoding="utf-8"?>
 <p:tagLst xmlns:p="http://schemas.openxmlformats.org/presentationml/2006/main">
   <p:tag name="KSO_WM_BEAUTIFY_FLAG" val=""/>
 </p:tagLst>
 </file>
 
-<file path=ppt/tags/tag64.xml><?xml version="1.0" encoding="utf-8"?>
+<file path=ppt/tags/tag101.xml><?xml version="1.0" encoding="utf-8"?>
 <p:tagLst xmlns:p="http://schemas.openxmlformats.org/presentationml/2006/main">
   <p:tag name="KSO_WM_SLIDE_ID" val="custom20205081_1"/>
   <p:tag name="KSO_WM_TEMPLATE_SUBCATEGORY" val="19"/>
@@ -4064,13 +7643,848 @@
 </p:tagLst>
 </file>
 
-<file path=ppt/tags/tag65.xml><?xml version="1.0" encoding="utf-8"?>
+<file path=ppt/tags/tag102.xml><?xml version="1.0" encoding="utf-8"?>
+<p:tagLst xmlns:p="http://schemas.openxmlformats.org/presentationml/2006/main">
+  <p:tag name="KSO_WM_BEAUTIFY_FLAG" val=""/>
+</p:tagLst>
+</file>
+
+<file path=ppt/tags/tag103.xml><?xml version="1.0" encoding="utf-8"?>
+<p:tagLst xmlns:p="http://schemas.openxmlformats.org/presentationml/2006/main">
+  <p:tag name="KSO_WM_BEAUTIFY_FLAG" val=""/>
+</p:tagLst>
+</file>
+
+<file path=ppt/tags/tag104.xml><?xml version="1.0" encoding="utf-8"?>
+<p:tagLst xmlns:p="http://schemas.openxmlformats.org/presentationml/2006/main">
+  <p:tag name="KSO_WM_BEAUTIFY_FLAG" val=""/>
+</p:tagLst>
+</file>
+
+<file path=ppt/tags/tag105.xml><?xml version="1.0" encoding="utf-8"?>
+<p:tagLst xmlns:p="http://schemas.openxmlformats.org/presentationml/2006/main">
+  <p:tag name="KSO_WM_BEAUTIFY_FLAG" val=""/>
+</p:tagLst>
+</file>
+
+<file path=ppt/tags/tag106.xml><?xml version="1.0" encoding="utf-8"?>
+<p:tagLst xmlns:p="http://schemas.openxmlformats.org/presentationml/2006/main">
+  <p:tag name="KSO_WM_BEAUTIFY_FLAG" val=""/>
+</p:tagLst>
+</file>
+
+<file path=ppt/tags/tag107.xml><?xml version="1.0" encoding="utf-8"?>
+<p:tagLst xmlns:p="http://schemas.openxmlformats.org/presentationml/2006/main">
+  <p:tag name="KSO_WM_BEAUTIFY_FLAG" val=""/>
+</p:tagLst>
+</file>
+
+<file path=ppt/tags/tag108.xml><?xml version="1.0" encoding="utf-8"?>
+<p:tagLst xmlns:p="http://schemas.openxmlformats.org/presentationml/2006/main">
+  <p:tag name="KSO_WM_BEAUTIFY_FLAG" val=""/>
+</p:tagLst>
+</file>
+
+<file path=ppt/tags/tag109.xml><?xml version="1.0" encoding="utf-8"?>
+<p:tagLst xmlns:p="http://schemas.openxmlformats.org/presentationml/2006/main">
+  <p:tag name="KSO_WM_BEAUTIFY_FLAG" val=""/>
+</p:tagLst>
+</file>
+
+<file path=ppt/tags/tag11.xml><?xml version="1.0" encoding="utf-8"?>
+<p:tagLst xmlns:p="http://schemas.openxmlformats.org/presentationml/2006/main">
+  <p:tag name="KSO_WM_UNIT_HIGHLIGHT" val="0"/>
+  <p:tag name="KSO_WM_UNIT_COMPATIBLE" val="0"/>
+  <p:tag name="KSO_WM_UNIT_DIAGRAM_ISNUMVISUAL" val="0"/>
+  <p:tag name="KSO_WM_UNIT_DIAGRAM_ISREFERUNIT" val="0"/>
+  <p:tag name="KSO_WM_UNIT_ID" val="_3**"/>
+  <p:tag name="KSO_WM_UNIT_LAYERLEVEL" val="1"/>
+  <p:tag name="KSO_WM_TAG_VERSION" val="1.0"/>
+  <p:tag name="KSO_WM_BEAUTIFY_FLAG" val="#wm#"/>
+</p:tagLst>
+</file>
+
+<file path=ppt/tags/tag110.xml><?xml version="1.0" encoding="utf-8"?>
+<p:tagLst xmlns:p="http://schemas.openxmlformats.org/presentationml/2006/main">
+  <p:tag name="KSO_WM_BEAUTIFY_FLAG" val=""/>
+</p:tagLst>
+</file>
+
+<file path=ppt/tags/tag111.xml><?xml version="1.0" encoding="utf-8"?>
+<p:tagLst xmlns:p="http://schemas.openxmlformats.org/presentationml/2006/main">
+  <p:tag name="KSO_WM_BEAUTIFY_FLAG" val=""/>
+</p:tagLst>
+</file>
+
+<file path=ppt/tags/tag112.xml><?xml version="1.0" encoding="utf-8"?>
+<p:tagLst xmlns:p="http://schemas.openxmlformats.org/presentationml/2006/main">
+  <p:tag name="KSO_WM_BEAUTIFY_FLAG" val=""/>
+</p:tagLst>
+</file>
+
+<file path=ppt/tags/tag113.xml><?xml version="1.0" encoding="utf-8"?>
+<p:tagLst xmlns:p="http://schemas.openxmlformats.org/presentationml/2006/main">
+  <p:tag name="KSO_WM_BEAUTIFY_FLAG" val=""/>
+</p:tagLst>
+</file>
+
+<file path=ppt/tags/tag114.xml><?xml version="1.0" encoding="utf-8"?>
+<p:tagLst xmlns:p="http://schemas.openxmlformats.org/presentationml/2006/main">
+  <p:tag name="KSO_WM_BEAUTIFY_FLAG" val=""/>
+</p:tagLst>
+</file>
+
+<file path=ppt/tags/tag115.xml><?xml version="1.0" encoding="utf-8"?>
+<p:tagLst xmlns:p="http://schemas.openxmlformats.org/presentationml/2006/main">
+  <p:tag name="KSO_WM_BEAUTIFY_FLAG" val=""/>
+</p:tagLst>
+</file>
+
+<file path=ppt/tags/tag116.xml><?xml version="1.0" encoding="utf-8"?>
+<p:tagLst xmlns:p="http://schemas.openxmlformats.org/presentationml/2006/main">
+  <p:tag name="KSO_WM_BEAUTIFY_FLAG" val=""/>
+</p:tagLst>
+</file>
+
+<file path=ppt/tags/tag117.xml><?xml version="1.0" encoding="utf-8"?>
+<p:tagLst xmlns:p="http://schemas.openxmlformats.org/presentationml/2006/main">
+  <p:tag name="KSO_WM_BEAUTIFY_FLAG" val=""/>
+</p:tagLst>
+</file>
+
+<file path=ppt/tags/tag118.xml><?xml version="1.0" encoding="utf-8"?>
+<p:tagLst xmlns:p="http://schemas.openxmlformats.org/presentationml/2006/main">
+  <p:tag name="KSO_WM_BEAUTIFY_FLAG" val=""/>
+</p:tagLst>
+</file>
+
+<file path=ppt/tags/tag119.xml><?xml version="1.0" encoding="utf-8"?>
+<p:tagLst xmlns:p="http://schemas.openxmlformats.org/presentationml/2006/main">
+  <p:tag name="KSO_WM_BEAUTIFY_FLAG" val=""/>
+</p:tagLst>
+</file>
+
+<file path=ppt/tags/tag12.xml><?xml version="1.0" encoding="utf-8"?>
+<p:tagLst xmlns:p="http://schemas.openxmlformats.org/presentationml/2006/main">
+  <p:tag name="KSO_WM_UNIT_HIGHLIGHT" val="0"/>
+  <p:tag name="KSO_WM_UNIT_COMPATIBLE" val="0"/>
+  <p:tag name="KSO_WM_UNIT_DIAGRAM_ISNUMVISUAL" val="0"/>
+  <p:tag name="KSO_WM_UNIT_DIAGRAM_ISREFERUNIT" val="0"/>
+  <p:tag name="KSO_WM_UNIT_ID" val="_3**"/>
+  <p:tag name="KSO_WM_UNIT_LAYERLEVEL" val="1"/>
+  <p:tag name="KSO_WM_TAG_VERSION" val="1.0"/>
+  <p:tag name="KSO_WM_BEAUTIFY_FLAG" val="#wm#"/>
+</p:tagLst>
+</file>
+
+<file path=ppt/tags/tag120.xml><?xml version="1.0" encoding="utf-8"?>
+<p:tagLst xmlns:p="http://schemas.openxmlformats.org/presentationml/2006/main">
+  <p:tag name="KSO_WM_BEAUTIFY_FLAG" val=""/>
+</p:tagLst>
+</file>
+
+<file path=ppt/tags/tag121.xml><?xml version="1.0" encoding="utf-8"?>
+<p:tagLst xmlns:p="http://schemas.openxmlformats.org/presentationml/2006/main">
+  <p:tag name="KSO_WM_BEAUTIFY_FLAG" val=""/>
+</p:tagLst>
+</file>
+
+<file path=ppt/tags/tag122.xml><?xml version="1.0" encoding="utf-8"?>
+<p:tagLst xmlns:p="http://schemas.openxmlformats.org/presentationml/2006/main">
+  <p:tag name="KSO_WM_SLIDE_ID" val="custom20205081_1"/>
+  <p:tag name="KSO_WM_TEMPLATE_SUBCATEGORY" val="19"/>
+  <p:tag name="KSO_WM_TEMPLATE_MASTER_TYPE" val="0"/>
+  <p:tag name="KSO_WM_TEMPLATE_COLOR_TYPE" val="1"/>
+  <p:tag name="KSO_WM_SLIDE_TYPE" val="title"/>
+  <p:tag name="KSO_WM_SLIDE_SUBTYPE" val="defaultBlank"/>
+  <p:tag name="KSO_WM_SLIDE_ITEM_CNT" val="0"/>
+  <p:tag name="KSO_WM_SLIDE_INDEX" val="1"/>
+  <p:tag name="KSO_WM_TAG_VERSION" val="1.0"/>
+  <p:tag name="KSO_WM_BEAUTIFY_FLAG" val="#wm#"/>
+  <p:tag name="KSO_WM_TEMPLATE_CATEGORY" val="custom"/>
+  <p:tag name="KSO_WM_TEMPLATE_INDEX" val="20205081"/>
+  <p:tag name="KSO_WM_SLIDE_LAYOUT" val="a_b"/>
+  <p:tag name="KSO_WM_SLIDE_LAYOUT_CNT" val="1_1"/>
+  <p:tag name="KSO_WM_UNIT_SHOW_EDIT_AREA_INDICATION" val="1"/>
+  <p:tag name="KSO_WM_TEMPLATE_THUMBS_INDEX" val="1、4、7、12、13、14、15、16、17、18、20、24、25、28、33、36、40、43、44"/>
+</p:tagLst>
+</file>
+
+<file path=ppt/tags/tag123.xml><?xml version="1.0" encoding="utf-8"?>
 <p:tagLst xmlns:p="http://schemas.openxmlformats.org/presentationml/2006/main">
   <p:tag name="COMMONDATA" val="eyJoZGlkIjoiZDMwMTI4ZGVmMDEzNDE4MTNlZDQ4ZjIwYWMwZGYxYmUifQ=="/>
-</p:tagLst>
-</file>
-
-<file path=ppt/tags/tag7.xml><?xml version="1.0" encoding="utf-8"?>
+  <p:tag name="KSO_WPP_MARK_KEY" val="57dbe3a9-404d-4660-abf0-dcc807b3f95a"/>
+</p:tagLst>
+</file>
+
+<file path=ppt/tags/tag13.xml><?xml version="1.0" encoding="utf-8"?>
+<p:tagLst xmlns:p="http://schemas.openxmlformats.org/presentationml/2006/main">
+  <p:tag name="KSO_WM_UNIT_HIGHLIGHT" val="0"/>
+  <p:tag name="KSO_WM_UNIT_COMPATIBLE" val="0"/>
+  <p:tag name="KSO_WM_UNIT_DIAGRAM_ISNUMVISUAL" val="0"/>
+  <p:tag name="KSO_WM_UNIT_DIAGRAM_ISREFERUNIT" val="0"/>
+  <p:tag name="KSO_WM_UNIT_ID" val="_3**"/>
+  <p:tag name="KSO_WM_UNIT_LAYERLEVEL" val="1"/>
+  <p:tag name="KSO_WM_TAG_VERSION" val="1.0"/>
+  <p:tag name="KSO_WM_BEAUTIFY_FLAG" val="#wm#"/>
+</p:tagLst>
+</file>
+
+<file path=ppt/tags/tag14.xml><?xml version="1.0" encoding="utf-8"?>
+<p:tagLst xmlns:p="http://schemas.openxmlformats.org/presentationml/2006/main">
+  <p:tag name="KSO_WM_UNIT_HIGHLIGHT" val="0"/>
+  <p:tag name="KSO_WM_UNIT_COMPATIBLE" val="0"/>
+  <p:tag name="KSO_WM_UNIT_DIAGRAM_ISNUMVISUAL" val="0"/>
+  <p:tag name="KSO_WM_UNIT_DIAGRAM_ISREFERUNIT" val="0"/>
+  <p:tag name="KSO_WM_UNIT_ID" val="_3**"/>
+  <p:tag name="KSO_WM_UNIT_LAYERLEVEL" val="1"/>
+  <p:tag name="KSO_WM_TAG_VERSION" val="1.0"/>
+  <p:tag name="KSO_WM_BEAUTIFY_FLAG" val="#wm#"/>
+</p:tagLst>
+</file>
+
+<file path=ppt/tags/tag15.xml><?xml version="1.0" encoding="utf-8"?>
+<p:tagLst xmlns:p="http://schemas.openxmlformats.org/presentationml/2006/main">
+  <p:tag name="KSO_WM_UNIT_HIGHLIGHT" val="0"/>
+  <p:tag name="KSO_WM_UNIT_COMPATIBLE" val="0"/>
+  <p:tag name="KSO_WM_UNIT_DIAGRAM_ISNUMVISUAL" val="0"/>
+  <p:tag name="KSO_WM_UNIT_DIAGRAM_ISREFERUNIT" val="0"/>
+  <p:tag name="KSO_WM_UNIT_ID" val="_3**"/>
+  <p:tag name="KSO_WM_UNIT_LAYERLEVEL" val="1"/>
+  <p:tag name="KSO_WM_TAG_VERSION" val="1.0"/>
+  <p:tag name="KSO_WM_BEAUTIFY_FLAG" val="#wm#"/>
+</p:tagLst>
+</file>
+
+<file path=ppt/tags/tag16.xml><?xml version="1.0" encoding="utf-8"?>
+<p:tagLst xmlns:p="http://schemas.openxmlformats.org/presentationml/2006/main">
+  <p:tag name="KSO_WM_UNIT_HIGHLIGHT" val="0"/>
+  <p:tag name="KSO_WM_UNIT_COMPATIBLE" val="0"/>
+  <p:tag name="KSO_WM_UNIT_DIAGRAM_ISNUMVISUAL" val="0"/>
+  <p:tag name="KSO_WM_UNIT_DIAGRAM_ISREFERUNIT" val="0"/>
+  <p:tag name="KSO_WM_UNIT_ID" val="_4**"/>
+  <p:tag name="KSO_WM_UNIT_LAYERLEVEL" val="1"/>
+  <p:tag name="KSO_WM_TAG_VERSION" val="1.0"/>
+  <p:tag name="KSO_WM_BEAUTIFY_FLAG" val="#wm#"/>
+</p:tagLst>
+</file>
+
+<file path=ppt/tags/tag17.xml><?xml version="1.0" encoding="utf-8"?>
+<p:tagLst xmlns:p="http://schemas.openxmlformats.org/presentationml/2006/main">
+  <p:tag name="KSO_WM_UNIT_HIGHLIGHT" val="0"/>
+  <p:tag name="KSO_WM_UNIT_COMPATIBLE" val="0"/>
+  <p:tag name="KSO_WM_UNIT_DIAGRAM_ISNUMVISUAL" val="0"/>
+  <p:tag name="KSO_WM_UNIT_DIAGRAM_ISREFERUNIT" val="0"/>
+  <p:tag name="KSO_WM_UNIT_ID" val="_4**"/>
+  <p:tag name="KSO_WM_UNIT_LAYERLEVEL" val="1"/>
+  <p:tag name="KSO_WM_TAG_VERSION" val="1.0"/>
+  <p:tag name="KSO_WM_BEAUTIFY_FLAG" val="#wm#"/>
+</p:tagLst>
+</file>
+
+<file path=ppt/tags/tag18.xml><?xml version="1.0" encoding="utf-8"?>
+<p:tagLst xmlns:p="http://schemas.openxmlformats.org/presentationml/2006/main">
+  <p:tag name="KSO_WM_UNIT_HIGHLIGHT" val="0"/>
+  <p:tag name="KSO_WM_UNIT_COMPATIBLE" val="0"/>
+  <p:tag name="KSO_WM_UNIT_DIAGRAM_ISNUMVISUAL" val="0"/>
+  <p:tag name="KSO_WM_UNIT_DIAGRAM_ISREFERUNIT" val="0"/>
+  <p:tag name="KSO_WM_UNIT_ID" val="_4**"/>
+  <p:tag name="KSO_WM_UNIT_LAYERLEVEL" val="1"/>
+  <p:tag name="KSO_WM_TAG_VERSION" val="1.0"/>
+  <p:tag name="KSO_WM_BEAUTIFY_FLAG" val="#wm#"/>
+</p:tagLst>
+</file>
+
+<file path=ppt/tags/tag19.xml><?xml version="1.0" encoding="utf-8"?>
+<p:tagLst xmlns:p="http://schemas.openxmlformats.org/presentationml/2006/main">
+  <p:tag name="KSO_WM_UNIT_HIGHLIGHT" val="0"/>
+  <p:tag name="KSO_WM_UNIT_COMPATIBLE" val="0"/>
+  <p:tag name="KSO_WM_UNIT_DIAGRAM_ISNUMVISUAL" val="0"/>
+  <p:tag name="KSO_WM_UNIT_DIAGRAM_ISREFERUNIT" val="0"/>
+  <p:tag name="KSO_WM_UNIT_ID" val="_4**"/>
+  <p:tag name="KSO_WM_UNIT_LAYERLEVEL" val="1"/>
+  <p:tag name="KSO_WM_TAG_VERSION" val="1.0"/>
+  <p:tag name="KSO_WM_BEAUTIFY_FLAG" val="#wm#"/>
+</p:tagLst>
+</file>
+
+<file path=ppt/tags/tag2.xml><?xml version="1.0" encoding="utf-8"?>
+<p:tagLst xmlns:p="http://schemas.openxmlformats.org/presentationml/2006/main">
+  <p:tag name="KSO_WM_UNIT_HIGHLIGHT" val="0"/>
+  <p:tag name="KSO_WM_UNIT_COMPATIBLE" val="0"/>
+  <p:tag name="KSO_WM_UNIT_DIAGRAM_ISNUMVISUAL" val="0"/>
+  <p:tag name="KSO_WM_UNIT_DIAGRAM_ISREFERUNIT" val="0"/>
+  <p:tag name="KSO_WM_UNIT_ID" val="_1**"/>
+  <p:tag name="KSO_WM_UNIT_LAYERLEVEL" val="1"/>
+  <p:tag name="KSO_WM_TAG_VERSION" val="1.0"/>
+  <p:tag name="KSO_WM_BEAUTIFY_FLAG" val="#wm#"/>
+</p:tagLst>
+</file>
+
+<file path=ppt/tags/tag20.xml><?xml version="1.0" encoding="utf-8"?>
+<p:tagLst xmlns:p="http://schemas.openxmlformats.org/presentationml/2006/main">
+  <p:tag name="KSO_WM_UNIT_HIGHLIGHT" val="0"/>
+  <p:tag name="KSO_WM_UNIT_COMPATIBLE" val="0"/>
+  <p:tag name="KSO_WM_UNIT_DIAGRAM_ISNUMVISUAL" val="0"/>
+  <p:tag name="KSO_WM_UNIT_DIAGRAM_ISREFERUNIT" val="0"/>
+  <p:tag name="KSO_WM_UNIT_ID" val="_4**"/>
+  <p:tag name="KSO_WM_UNIT_LAYERLEVEL" val="1"/>
+  <p:tag name="KSO_WM_TAG_VERSION" val="1.0"/>
+  <p:tag name="KSO_WM_BEAUTIFY_FLAG" val="#wm#"/>
+</p:tagLst>
+</file>
+
+<file path=ppt/tags/tag21.xml><?xml version="1.0" encoding="utf-8"?>
+<p:tagLst xmlns:p="http://schemas.openxmlformats.org/presentationml/2006/main">
+  <p:tag name="KSO_WM_UNIT_HIGHLIGHT" val="0"/>
+  <p:tag name="KSO_WM_UNIT_COMPATIBLE" val="0"/>
+  <p:tag name="KSO_WM_UNIT_DIAGRAM_ISNUMVISUAL" val="0"/>
+  <p:tag name="KSO_WM_UNIT_DIAGRAM_ISREFERUNIT" val="0"/>
+  <p:tag name="KSO_WM_UNIT_ID" val="_4**"/>
+  <p:tag name="KSO_WM_UNIT_LAYERLEVEL" val="1"/>
+  <p:tag name="KSO_WM_TAG_VERSION" val="1.0"/>
+  <p:tag name="KSO_WM_BEAUTIFY_FLAG" val="#wm#"/>
+</p:tagLst>
+</file>
+
+<file path=ppt/tags/tag22.xml><?xml version="1.0" encoding="utf-8"?>
+<p:tagLst xmlns:p="http://schemas.openxmlformats.org/presentationml/2006/main">
+  <p:tag name="KSO_WM_UNIT_HIGHLIGHT" val="0"/>
+  <p:tag name="KSO_WM_UNIT_COMPATIBLE" val="0"/>
+  <p:tag name="KSO_WM_UNIT_DIAGRAM_ISNUMVISUAL" val="0"/>
+  <p:tag name="KSO_WM_UNIT_DIAGRAM_ISREFERUNIT" val="0"/>
+  <p:tag name="KSO_WM_UNIT_ID" val="_5**"/>
+  <p:tag name="KSO_WM_UNIT_LAYERLEVEL" val="1"/>
+  <p:tag name="KSO_WM_TAG_VERSION" val="1.0"/>
+  <p:tag name="KSO_WM_BEAUTIFY_FLAG" val="#wm#"/>
+</p:tagLst>
+</file>
+
+<file path=ppt/tags/tag23.xml><?xml version="1.0" encoding="utf-8"?>
+<p:tagLst xmlns:p="http://schemas.openxmlformats.org/presentationml/2006/main">
+  <p:tag name="KSO_WM_UNIT_HIGHLIGHT" val="0"/>
+  <p:tag name="KSO_WM_UNIT_COMPATIBLE" val="0"/>
+  <p:tag name="KSO_WM_UNIT_DIAGRAM_ISNUMVISUAL" val="0"/>
+  <p:tag name="KSO_WM_UNIT_DIAGRAM_ISREFERUNIT" val="0"/>
+  <p:tag name="KSO_WM_UNIT_ID" val="_5**"/>
+  <p:tag name="KSO_WM_UNIT_LAYERLEVEL" val="1"/>
+  <p:tag name="KSO_WM_TAG_VERSION" val="1.0"/>
+  <p:tag name="KSO_WM_BEAUTIFY_FLAG" val="#wm#"/>
+</p:tagLst>
+</file>
+
+<file path=ppt/tags/tag24.xml><?xml version="1.0" encoding="utf-8"?>
+<p:tagLst xmlns:p="http://schemas.openxmlformats.org/presentationml/2006/main">
+  <p:tag name="KSO_WM_UNIT_HIGHLIGHT" val="0"/>
+  <p:tag name="KSO_WM_UNIT_COMPATIBLE" val="0"/>
+  <p:tag name="KSO_WM_UNIT_DIAGRAM_ISNUMVISUAL" val="0"/>
+  <p:tag name="KSO_WM_UNIT_DIAGRAM_ISREFERUNIT" val="0"/>
+  <p:tag name="KSO_WM_UNIT_ID" val="_5**"/>
+  <p:tag name="KSO_WM_UNIT_LAYERLEVEL" val="1"/>
+  <p:tag name="KSO_WM_TAG_VERSION" val="1.0"/>
+  <p:tag name="KSO_WM_BEAUTIFY_FLAG" val="#wm#"/>
+</p:tagLst>
+</file>
+
+<file path=ppt/tags/tag25.xml><?xml version="1.0" encoding="utf-8"?>
+<p:tagLst xmlns:p="http://schemas.openxmlformats.org/presentationml/2006/main">
+  <p:tag name="KSO_WM_UNIT_HIGHLIGHT" val="0"/>
+  <p:tag name="KSO_WM_UNIT_COMPATIBLE" val="0"/>
+  <p:tag name="KSO_WM_UNIT_DIAGRAM_ISNUMVISUAL" val="0"/>
+  <p:tag name="KSO_WM_UNIT_DIAGRAM_ISREFERUNIT" val="0"/>
+  <p:tag name="KSO_WM_UNIT_ID" val="_5**"/>
+  <p:tag name="KSO_WM_UNIT_LAYERLEVEL" val="1"/>
+  <p:tag name="KSO_WM_TAG_VERSION" val="1.0"/>
+  <p:tag name="KSO_WM_BEAUTIFY_FLAG" val="#wm#"/>
+</p:tagLst>
+</file>
+
+<file path=ppt/tags/tag26.xml><?xml version="1.0" encoding="utf-8"?>
+<p:tagLst xmlns:p="http://schemas.openxmlformats.org/presentationml/2006/main">
+  <p:tag name="KSO_WM_UNIT_HIGHLIGHT" val="0"/>
+  <p:tag name="KSO_WM_UNIT_COMPATIBLE" val="0"/>
+  <p:tag name="KSO_WM_UNIT_DIAGRAM_ISNUMVISUAL" val="0"/>
+  <p:tag name="KSO_WM_UNIT_DIAGRAM_ISREFERUNIT" val="0"/>
+  <p:tag name="KSO_WM_UNIT_ID" val="_5**"/>
+  <p:tag name="KSO_WM_UNIT_LAYERLEVEL" val="1"/>
+  <p:tag name="KSO_WM_TAG_VERSION" val="1.0"/>
+  <p:tag name="KSO_WM_BEAUTIFY_FLAG" val="#wm#"/>
+</p:tagLst>
+</file>
+
+<file path=ppt/tags/tag27.xml><?xml version="1.0" encoding="utf-8"?>
+<p:tagLst xmlns:p="http://schemas.openxmlformats.org/presentationml/2006/main">
+  <p:tag name="KSO_WM_UNIT_HIGHLIGHT" val="0"/>
+  <p:tag name="KSO_WM_UNIT_COMPATIBLE" val="0"/>
+  <p:tag name="KSO_WM_UNIT_DIAGRAM_ISNUMVISUAL" val="0"/>
+  <p:tag name="KSO_WM_UNIT_DIAGRAM_ISREFERUNIT" val="0"/>
+  <p:tag name="KSO_WM_UNIT_ID" val="_5**"/>
+  <p:tag name="KSO_WM_UNIT_LAYERLEVEL" val="1"/>
+  <p:tag name="KSO_WM_TAG_VERSION" val="1.0"/>
+  <p:tag name="KSO_WM_BEAUTIFY_FLAG" val="#wm#"/>
+</p:tagLst>
+</file>
+
+<file path=ppt/tags/tag28.xml><?xml version="1.0" encoding="utf-8"?>
+<p:tagLst xmlns:p="http://schemas.openxmlformats.org/presentationml/2006/main">
+  <p:tag name="KSO_WM_UNIT_HIGHLIGHT" val="0"/>
+  <p:tag name="KSO_WM_UNIT_COMPATIBLE" val="0"/>
+  <p:tag name="KSO_WM_UNIT_DIAGRAM_ISNUMVISUAL" val="0"/>
+  <p:tag name="KSO_WM_UNIT_DIAGRAM_ISREFERUNIT" val="0"/>
+  <p:tag name="KSO_WM_UNIT_ID" val="_5**"/>
+  <p:tag name="KSO_WM_UNIT_LAYERLEVEL" val="1"/>
+  <p:tag name="KSO_WM_TAG_VERSION" val="1.0"/>
+  <p:tag name="KSO_WM_BEAUTIFY_FLAG" val="#wm#"/>
+</p:tagLst>
+</file>
+
+<file path=ppt/tags/tag29.xml><?xml version="1.0" encoding="utf-8"?>
+<p:tagLst xmlns:p="http://schemas.openxmlformats.org/presentationml/2006/main">
+  <p:tag name="KSO_WM_UNIT_HIGHLIGHT" val="0"/>
+  <p:tag name="KSO_WM_UNIT_COMPATIBLE" val="0"/>
+  <p:tag name="KSO_WM_UNIT_DIAGRAM_ISNUMVISUAL" val="0"/>
+  <p:tag name="KSO_WM_UNIT_DIAGRAM_ISREFERUNIT" val="0"/>
+  <p:tag name="KSO_WM_UNIT_ID" val="_5**"/>
+  <p:tag name="KSO_WM_UNIT_LAYERLEVEL" val="1"/>
+  <p:tag name="KSO_WM_TAG_VERSION" val="1.0"/>
+  <p:tag name="KSO_WM_BEAUTIFY_FLAG" val="#wm#"/>
+</p:tagLst>
+</file>
+
+<file path=ppt/tags/tag3.xml><?xml version="1.0" encoding="utf-8"?>
+<p:tagLst xmlns:p="http://schemas.openxmlformats.org/presentationml/2006/main">
+  <p:tag name="KSO_WM_UNIT_HIGHLIGHT" val="0"/>
+  <p:tag name="KSO_WM_UNIT_COMPATIBLE" val="0"/>
+  <p:tag name="KSO_WM_UNIT_DIAGRAM_ISNUMVISUAL" val="0"/>
+  <p:tag name="KSO_WM_UNIT_DIAGRAM_ISREFERUNIT" val="0"/>
+  <p:tag name="KSO_WM_UNIT_ID" val="_1**"/>
+  <p:tag name="KSO_WM_UNIT_LAYERLEVEL" val="1"/>
+  <p:tag name="KSO_WM_TAG_VERSION" val="1.0"/>
+  <p:tag name="KSO_WM_BEAUTIFY_FLAG" val="#wm#"/>
+</p:tagLst>
+</file>
+
+<file path=ppt/tags/tag30.xml><?xml version="1.0" encoding="utf-8"?>
+<p:tagLst xmlns:p="http://schemas.openxmlformats.org/presentationml/2006/main">
+  <p:tag name="KSO_WM_UNIT_HIGHLIGHT" val="0"/>
+  <p:tag name="KSO_WM_UNIT_COMPATIBLE" val="0"/>
+  <p:tag name="KSO_WM_UNIT_DIAGRAM_ISNUMVISUAL" val="0"/>
+  <p:tag name="KSO_WM_UNIT_DIAGRAM_ISREFERUNIT" val="0"/>
+  <p:tag name="KSO_WM_UNIT_ID" val="_6**"/>
+  <p:tag name="KSO_WM_UNIT_LAYERLEVEL" val="1"/>
+  <p:tag name="KSO_WM_TAG_VERSION" val="1.0"/>
+  <p:tag name="KSO_WM_BEAUTIFY_FLAG" val="#wm#"/>
+</p:tagLst>
+</file>
+
+<file path=ppt/tags/tag31.xml><?xml version="1.0" encoding="utf-8"?>
+<p:tagLst xmlns:p="http://schemas.openxmlformats.org/presentationml/2006/main">
+  <p:tag name="KSO_WM_UNIT_HIGHLIGHT" val="0"/>
+  <p:tag name="KSO_WM_UNIT_COMPATIBLE" val="0"/>
+  <p:tag name="KSO_WM_UNIT_DIAGRAM_ISNUMVISUAL" val="0"/>
+  <p:tag name="KSO_WM_UNIT_DIAGRAM_ISREFERUNIT" val="0"/>
+  <p:tag name="KSO_WM_UNIT_ID" val="_6**"/>
+  <p:tag name="KSO_WM_UNIT_LAYERLEVEL" val="1"/>
+  <p:tag name="KSO_WM_TAG_VERSION" val="1.0"/>
+  <p:tag name="KSO_WM_BEAUTIFY_FLAG" val="#wm#"/>
+</p:tagLst>
+</file>
+
+<file path=ppt/tags/tag32.xml><?xml version="1.0" encoding="utf-8"?>
+<p:tagLst xmlns:p="http://schemas.openxmlformats.org/presentationml/2006/main">
+  <p:tag name="KSO_WM_UNIT_HIGHLIGHT" val="0"/>
+  <p:tag name="KSO_WM_UNIT_COMPATIBLE" val="0"/>
+  <p:tag name="KSO_WM_UNIT_DIAGRAM_ISNUMVISUAL" val="0"/>
+  <p:tag name="KSO_WM_UNIT_DIAGRAM_ISREFERUNIT" val="0"/>
+  <p:tag name="KSO_WM_UNIT_ID" val="_6**"/>
+  <p:tag name="KSO_WM_UNIT_LAYERLEVEL" val="1"/>
+  <p:tag name="KSO_WM_TAG_VERSION" val="1.0"/>
+  <p:tag name="KSO_WM_BEAUTIFY_FLAG" val="#wm#"/>
+</p:tagLst>
+</file>
+
+<file path=ppt/tags/tag33.xml><?xml version="1.0" encoding="utf-8"?>
+<p:tagLst xmlns:p="http://schemas.openxmlformats.org/presentationml/2006/main">
+  <p:tag name="KSO_WM_UNIT_HIGHLIGHT" val="0"/>
+  <p:tag name="KSO_WM_UNIT_COMPATIBLE" val="0"/>
+  <p:tag name="KSO_WM_UNIT_DIAGRAM_ISNUMVISUAL" val="0"/>
+  <p:tag name="KSO_WM_UNIT_DIAGRAM_ISREFERUNIT" val="0"/>
+  <p:tag name="KSO_WM_UNIT_ID" val="_6**"/>
+  <p:tag name="KSO_WM_UNIT_LAYERLEVEL" val="1"/>
+  <p:tag name="KSO_WM_TAG_VERSION" val="1.0"/>
+  <p:tag name="KSO_WM_BEAUTIFY_FLAG" val="#wm#"/>
+</p:tagLst>
+</file>
+
+<file path=ppt/tags/tag34.xml><?xml version="1.0" encoding="utf-8"?>
+<p:tagLst xmlns:p="http://schemas.openxmlformats.org/presentationml/2006/main">
+  <p:tag name="KSO_WM_UNIT_HIGHLIGHT" val="0"/>
+  <p:tag name="KSO_WM_UNIT_COMPATIBLE" val="0"/>
+  <p:tag name="KSO_WM_UNIT_DIAGRAM_ISNUMVISUAL" val="0"/>
+  <p:tag name="KSO_WM_UNIT_DIAGRAM_ISREFERUNIT" val="0"/>
+  <p:tag name="KSO_WM_UNIT_ID" val="_7**"/>
+  <p:tag name="KSO_WM_UNIT_LAYERLEVEL" val="1"/>
+  <p:tag name="KSO_WM_TAG_VERSION" val="1.0"/>
+  <p:tag name="KSO_WM_BEAUTIFY_FLAG" val="#wm#"/>
+</p:tagLst>
+</file>
+
+<file path=ppt/tags/tag35.xml><?xml version="1.0" encoding="utf-8"?>
+<p:tagLst xmlns:p="http://schemas.openxmlformats.org/presentationml/2006/main">
+  <p:tag name="KSO_WM_UNIT_HIGHLIGHT" val="0"/>
+  <p:tag name="KSO_WM_UNIT_COMPATIBLE" val="0"/>
+  <p:tag name="KSO_WM_UNIT_DIAGRAM_ISNUMVISUAL" val="0"/>
+  <p:tag name="KSO_WM_UNIT_DIAGRAM_ISREFERUNIT" val="0"/>
+  <p:tag name="KSO_WM_UNIT_ID" val="_7**"/>
+  <p:tag name="KSO_WM_UNIT_LAYERLEVEL" val="1"/>
+  <p:tag name="KSO_WM_TAG_VERSION" val="1.0"/>
+  <p:tag name="KSO_WM_BEAUTIFY_FLAG" val="#wm#"/>
+</p:tagLst>
+</file>
+
+<file path=ppt/tags/tag36.xml><?xml version="1.0" encoding="utf-8"?>
+<p:tagLst xmlns:p="http://schemas.openxmlformats.org/presentationml/2006/main">
+  <p:tag name="KSO_WM_UNIT_HIGHLIGHT" val="0"/>
+  <p:tag name="KSO_WM_UNIT_COMPATIBLE" val="0"/>
+  <p:tag name="KSO_WM_UNIT_DIAGRAM_ISNUMVISUAL" val="0"/>
+  <p:tag name="KSO_WM_UNIT_DIAGRAM_ISREFERUNIT" val="0"/>
+  <p:tag name="KSO_WM_UNIT_ID" val="_7**"/>
+  <p:tag name="KSO_WM_UNIT_LAYERLEVEL" val="1"/>
+  <p:tag name="KSO_WM_TAG_VERSION" val="1.0"/>
+  <p:tag name="KSO_WM_BEAUTIFY_FLAG" val="#wm#"/>
+</p:tagLst>
+</file>
+
+<file path=ppt/tags/tag37.xml><?xml version="1.0" encoding="utf-8"?>
+<p:tagLst xmlns:p="http://schemas.openxmlformats.org/presentationml/2006/main">
+  <p:tag name="KSO_WM_UNIT_HIGHLIGHT" val="0"/>
+  <p:tag name="KSO_WM_UNIT_COMPATIBLE" val="0"/>
+  <p:tag name="KSO_WM_UNIT_DIAGRAM_ISNUMVISUAL" val="0"/>
+  <p:tag name="KSO_WM_UNIT_DIAGRAM_ISREFERUNIT" val="0"/>
+  <p:tag name="KSO_WM_UNIT_ID" val="_8**"/>
+  <p:tag name="KSO_WM_UNIT_LAYERLEVEL" val="1"/>
+  <p:tag name="KSO_WM_TAG_VERSION" val="1.0"/>
+  <p:tag name="KSO_WM_BEAUTIFY_FLAG" val="#wm#"/>
+</p:tagLst>
+</file>
+
+<file path=ppt/tags/tag38.xml><?xml version="1.0" encoding="utf-8"?>
+<p:tagLst xmlns:p="http://schemas.openxmlformats.org/presentationml/2006/main">
+  <p:tag name="KSO_WM_UNIT_HIGHLIGHT" val="0"/>
+  <p:tag name="KSO_WM_UNIT_COMPATIBLE" val="0"/>
+  <p:tag name="KSO_WM_UNIT_DIAGRAM_ISNUMVISUAL" val="0"/>
+  <p:tag name="KSO_WM_UNIT_DIAGRAM_ISREFERUNIT" val="0"/>
+  <p:tag name="KSO_WM_UNIT_ID" val="_8**"/>
+  <p:tag name="KSO_WM_UNIT_LAYERLEVEL" val="1"/>
+  <p:tag name="KSO_WM_TAG_VERSION" val="1.0"/>
+  <p:tag name="KSO_WM_BEAUTIFY_FLAG" val="#wm#"/>
+</p:tagLst>
+</file>
+
+<file path=ppt/tags/tag39.xml><?xml version="1.0" encoding="utf-8"?>
+<p:tagLst xmlns:p="http://schemas.openxmlformats.org/presentationml/2006/main">
+  <p:tag name="KSO_WM_UNIT_HIGHLIGHT" val="0"/>
+  <p:tag name="KSO_WM_UNIT_COMPATIBLE" val="0"/>
+  <p:tag name="KSO_WM_UNIT_DIAGRAM_ISNUMVISUAL" val="0"/>
+  <p:tag name="KSO_WM_UNIT_DIAGRAM_ISREFERUNIT" val="0"/>
+  <p:tag name="KSO_WM_UNIT_ID" val="_8**"/>
+  <p:tag name="KSO_WM_UNIT_LAYERLEVEL" val="1"/>
+  <p:tag name="KSO_WM_TAG_VERSION" val="1.0"/>
+  <p:tag name="KSO_WM_BEAUTIFY_FLAG" val="#wm#"/>
+</p:tagLst>
+</file>
+
+<file path=ppt/tags/tag4.xml><?xml version="1.0" encoding="utf-8"?>
+<p:tagLst xmlns:p="http://schemas.openxmlformats.org/presentationml/2006/main">
+  <p:tag name="KSO_WM_UNIT_HIGHLIGHT" val="0"/>
+  <p:tag name="KSO_WM_UNIT_COMPATIBLE" val="0"/>
+  <p:tag name="KSO_WM_UNIT_DIAGRAM_ISNUMVISUAL" val="0"/>
+  <p:tag name="KSO_WM_UNIT_DIAGRAM_ISREFERUNIT" val="0"/>
+  <p:tag name="KSO_WM_UNIT_ID" val="_1**"/>
+  <p:tag name="KSO_WM_UNIT_LAYERLEVEL" val="1"/>
+  <p:tag name="KSO_WM_TAG_VERSION" val="1.0"/>
+  <p:tag name="KSO_WM_BEAUTIFY_FLAG" val="#wm#"/>
+</p:tagLst>
+</file>
+
+<file path=ppt/tags/tag40.xml><?xml version="1.0" encoding="utf-8"?>
+<p:tagLst xmlns:p="http://schemas.openxmlformats.org/presentationml/2006/main">
+  <p:tag name="KSO_WM_UNIT_HIGHLIGHT" val="0"/>
+  <p:tag name="KSO_WM_UNIT_COMPATIBLE" val="0"/>
+  <p:tag name="KSO_WM_UNIT_DIAGRAM_ISNUMVISUAL" val="0"/>
+  <p:tag name="KSO_WM_UNIT_DIAGRAM_ISREFERUNIT" val="0"/>
+  <p:tag name="KSO_WM_UNIT_ID" val="_8**"/>
+  <p:tag name="KSO_WM_UNIT_LAYERLEVEL" val="1"/>
+  <p:tag name="KSO_WM_TAG_VERSION" val="1.0"/>
+  <p:tag name="KSO_WM_BEAUTIFY_FLAG" val="#wm#"/>
+</p:tagLst>
+</file>
+
+<file path=ppt/tags/tag41.xml><?xml version="1.0" encoding="utf-8"?>
+<p:tagLst xmlns:p="http://schemas.openxmlformats.org/presentationml/2006/main">
+  <p:tag name="KSO_WM_UNIT_HIGHLIGHT" val="0"/>
+  <p:tag name="KSO_WM_UNIT_COMPATIBLE" val="0"/>
+  <p:tag name="KSO_WM_UNIT_DIAGRAM_ISNUMVISUAL" val="0"/>
+  <p:tag name="KSO_WM_UNIT_DIAGRAM_ISREFERUNIT" val="0"/>
+  <p:tag name="KSO_WM_UNIT_ID" val="_8**"/>
+  <p:tag name="KSO_WM_UNIT_LAYERLEVEL" val="1"/>
+  <p:tag name="KSO_WM_TAG_VERSION" val="1.0"/>
+  <p:tag name="KSO_WM_BEAUTIFY_FLAG" val="#wm#"/>
+</p:tagLst>
+</file>
+
+<file path=ppt/tags/tag42.xml><?xml version="1.0" encoding="utf-8"?>
+<p:tagLst xmlns:p="http://schemas.openxmlformats.org/presentationml/2006/main">
+  <p:tag name="KSO_WM_UNIT_HIGHLIGHT" val="0"/>
+  <p:tag name="KSO_WM_UNIT_COMPATIBLE" val="0"/>
+  <p:tag name="KSO_WM_UNIT_DIAGRAM_ISNUMVISUAL" val="0"/>
+  <p:tag name="KSO_WM_UNIT_DIAGRAM_ISREFERUNIT" val="0"/>
+  <p:tag name="KSO_WM_UNIT_ID" val="_8**"/>
+  <p:tag name="KSO_WM_UNIT_LAYERLEVEL" val="1"/>
+  <p:tag name="KSO_WM_TAG_VERSION" val="1.0"/>
+  <p:tag name="KSO_WM_BEAUTIFY_FLAG" val="#wm#"/>
+</p:tagLst>
+</file>
+
+<file path=ppt/tags/tag43.xml><?xml version="1.0" encoding="utf-8"?>
+<p:tagLst xmlns:p="http://schemas.openxmlformats.org/presentationml/2006/main">
+  <p:tag name="KSO_WM_UNIT_HIGHLIGHT" val="0"/>
+  <p:tag name="KSO_WM_UNIT_COMPATIBLE" val="0"/>
+  <p:tag name="KSO_WM_UNIT_DIAGRAM_ISNUMVISUAL" val="0"/>
+  <p:tag name="KSO_WM_UNIT_DIAGRAM_ISREFERUNIT" val="0"/>
+  <p:tag name="KSO_WM_UNIT_ID" val="_9**"/>
+  <p:tag name="KSO_WM_UNIT_LAYERLEVEL" val="1"/>
+  <p:tag name="KSO_WM_TAG_VERSION" val="1.0"/>
+  <p:tag name="KSO_WM_BEAUTIFY_FLAG" val="#wm#"/>
+</p:tagLst>
+</file>
+
+<file path=ppt/tags/tag44.xml><?xml version="1.0" encoding="utf-8"?>
+<p:tagLst xmlns:p="http://schemas.openxmlformats.org/presentationml/2006/main">
+  <p:tag name="KSO_WM_UNIT_HIGHLIGHT" val="0"/>
+  <p:tag name="KSO_WM_UNIT_COMPATIBLE" val="0"/>
+  <p:tag name="KSO_WM_UNIT_DIAGRAM_ISNUMVISUAL" val="0"/>
+  <p:tag name="KSO_WM_UNIT_DIAGRAM_ISREFERUNIT" val="0"/>
+  <p:tag name="KSO_WM_UNIT_ID" val="_9**"/>
+  <p:tag name="KSO_WM_UNIT_LAYERLEVEL" val="1"/>
+  <p:tag name="KSO_WM_TAG_VERSION" val="1.0"/>
+  <p:tag name="KSO_WM_BEAUTIFY_FLAG" val="#wm#"/>
+</p:tagLst>
+</file>
+
+<file path=ppt/tags/tag45.xml><?xml version="1.0" encoding="utf-8"?>
+<p:tagLst xmlns:p="http://schemas.openxmlformats.org/presentationml/2006/main">
+  <p:tag name="KSO_WM_UNIT_HIGHLIGHT" val="0"/>
+  <p:tag name="KSO_WM_UNIT_COMPATIBLE" val="0"/>
+  <p:tag name="KSO_WM_UNIT_DIAGRAM_ISNUMVISUAL" val="0"/>
+  <p:tag name="KSO_WM_UNIT_DIAGRAM_ISREFERUNIT" val="0"/>
+  <p:tag name="KSO_WM_UNIT_ID" val="_9**"/>
+  <p:tag name="KSO_WM_UNIT_LAYERLEVEL" val="1"/>
+  <p:tag name="KSO_WM_TAG_VERSION" val="1.0"/>
+  <p:tag name="KSO_WM_BEAUTIFY_FLAG" val="#wm#"/>
+</p:tagLst>
+</file>
+
+<file path=ppt/tags/tag46.xml><?xml version="1.0" encoding="utf-8"?>
+<p:tagLst xmlns:p="http://schemas.openxmlformats.org/presentationml/2006/main">
+  <p:tag name="KSO_WM_UNIT_HIGHLIGHT" val="0"/>
+  <p:tag name="KSO_WM_UNIT_COMPATIBLE" val="0"/>
+  <p:tag name="KSO_WM_UNIT_DIAGRAM_ISNUMVISUAL" val="0"/>
+  <p:tag name="KSO_WM_UNIT_DIAGRAM_ISREFERUNIT" val="0"/>
+  <p:tag name="KSO_WM_UNIT_ID" val="_9**"/>
+  <p:tag name="KSO_WM_UNIT_LAYERLEVEL" val="1"/>
+  <p:tag name="KSO_WM_TAG_VERSION" val="1.0"/>
+  <p:tag name="KSO_WM_BEAUTIFY_FLAG" val="#wm#"/>
+</p:tagLst>
+</file>
+
+<file path=ppt/tags/tag47.xml><?xml version="1.0" encoding="utf-8"?>
+<p:tagLst xmlns:p="http://schemas.openxmlformats.org/presentationml/2006/main">
+  <p:tag name="KSO_WM_UNIT_HIGHLIGHT" val="0"/>
+  <p:tag name="KSO_WM_UNIT_COMPATIBLE" val="0"/>
+  <p:tag name="KSO_WM_UNIT_DIAGRAM_ISNUMVISUAL" val="0"/>
+  <p:tag name="KSO_WM_UNIT_DIAGRAM_ISREFERUNIT" val="0"/>
+  <p:tag name="KSO_WM_UNIT_ID" val="_9**"/>
+  <p:tag name="KSO_WM_UNIT_LAYERLEVEL" val="1"/>
+  <p:tag name="KSO_WM_TAG_VERSION" val="1.0"/>
+  <p:tag name="KSO_WM_BEAUTIFY_FLAG" val="#wm#"/>
+</p:tagLst>
+</file>
+
+<file path=ppt/tags/tag48.xml><?xml version="1.0" encoding="utf-8"?>
+<p:tagLst xmlns:p="http://schemas.openxmlformats.org/presentationml/2006/main">
+  <p:tag name="KSO_WM_UNIT_HIGHLIGHT" val="0"/>
+  <p:tag name="KSO_WM_UNIT_COMPATIBLE" val="0"/>
+  <p:tag name="KSO_WM_UNIT_DIAGRAM_ISNUMVISUAL" val="0"/>
+  <p:tag name="KSO_WM_UNIT_DIAGRAM_ISREFERUNIT" val="0"/>
+  <p:tag name="KSO_WM_UNIT_ID" val="_10**"/>
+  <p:tag name="KSO_WM_UNIT_LAYERLEVEL" val="1"/>
+  <p:tag name="KSO_WM_TAG_VERSION" val="1.0"/>
+  <p:tag name="KSO_WM_BEAUTIFY_FLAG" val="#wm#"/>
+</p:tagLst>
+</file>
+
+<file path=ppt/tags/tag49.xml><?xml version="1.0" encoding="utf-8"?>
+<p:tagLst xmlns:p="http://schemas.openxmlformats.org/presentationml/2006/main">
+  <p:tag name="KSO_WM_UNIT_HIGHLIGHT" val="0"/>
+  <p:tag name="KSO_WM_UNIT_COMPATIBLE" val="0"/>
+  <p:tag name="KSO_WM_UNIT_DIAGRAM_ISNUMVISUAL" val="0"/>
+  <p:tag name="KSO_WM_UNIT_DIAGRAM_ISREFERUNIT" val="0"/>
+  <p:tag name="KSO_WM_UNIT_ID" val="_10**"/>
+  <p:tag name="KSO_WM_UNIT_LAYERLEVEL" val="1"/>
+  <p:tag name="KSO_WM_TAG_VERSION" val="1.0"/>
+  <p:tag name="KSO_WM_BEAUTIFY_FLAG" val="#wm#"/>
+</p:tagLst>
+</file>
+
+<file path=ppt/tags/tag5.xml><?xml version="1.0" encoding="utf-8"?>
+<p:tagLst xmlns:p="http://schemas.openxmlformats.org/presentationml/2006/main">
+  <p:tag name="KSO_WM_UNIT_HIGHLIGHT" val="0"/>
+  <p:tag name="KSO_WM_UNIT_COMPATIBLE" val="0"/>
+  <p:tag name="KSO_WM_UNIT_DIAGRAM_ISNUMVISUAL" val="0"/>
+  <p:tag name="KSO_WM_UNIT_DIAGRAM_ISREFERUNIT" val="0"/>
+  <p:tag name="KSO_WM_UNIT_ID" val="_1**"/>
+  <p:tag name="KSO_WM_UNIT_LAYERLEVEL" val="1"/>
+  <p:tag name="KSO_WM_TAG_VERSION" val="1.0"/>
+  <p:tag name="KSO_WM_BEAUTIFY_FLAG" val="#wm#"/>
+</p:tagLst>
+</file>
+
+<file path=ppt/tags/tag50.xml><?xml version="1.0" encoding="utf-8"?>
+<p:tagLst xmlns:p="http://schemas.openxmlformats.org/presentationml/2006/main">
+  <p:tag name="KSO_WM_UNIT_HIGHLIGHT" val="0"/>
+  <p:tag name="KSO_WM_UNIT_COMPATIBLE" val="0"/>
+  <p:tag name="KSO_WM_UNIT_DIAGRAM_ISNUMVISUAL" val="0"/>
+  <p:tag name="KSO_WM_UNIT_DIAGRAM_ISREFERUNIT" val="0"/>
+  <p:tag name="KSO_WM_UNIT_ID" val="_10**"/>
+  <p:tag name="KSO_WM_UNIT_LAYERLEVEL" val="1"/>
+  <p:tag name="KSO_WM_TAG_VERSION" val="1.0"/>
+  <p:tag name="KSO_WM_BEAUTIFY_FLAG" val="#wm#"/>
+</p:tagLst>
+</file>
+
+<file path=ppt/tags/tag51.xml><?xml version="1.0" encoding="utf-8"?>
+<p:tagLst xmlns:p="http://schemas.openxmlformats.org/presentationml/2006/main">
+  <p:tag name="KSO_WM_UNIT_HIGHLIGHT" val="0"/>
+  <p:tag name="KSO_WM_UNIT_COMPATIBLE" val="0"/>
+  <p:tag name="KSO_WM_UNIT_DIAGRAM_ISNUMVISUAL" val="0"/>
+  <p:tag name="KSO_WM_UNIT_DIAGRAM_ISREFERUNIT" val="0"/>
+  <p:tag name="KSO_WM_UNIT_ID" val="_10**"/>
+  <p:tag name="KSO_WM_UNIT_LAYERLEVEL" val="1"/>
+  <p:tag name="KSO_WM_TAG_VERSION" val="1.0"/>
+  <p:tag name="KSO_WM_BEAUTIFY_FLAG" val="#wm#"/>
+</p:tagLst>
+</file>
+
+<file path=ppt/tags/tag52.xml><?xml version="1.0" encoding="utf-8"?>
+<p:tagLst xmlns:p="http://schemas.openxmlformats.org/presentationml/2006/main">
+  <p:tag name="KSO_WM_UNIT_HIGHLIGHT" val="0"/>
+  <p:tag name="KSO_WM_UNIT_COMPATIBLE" val="0"/>
+  <p:tag name="KSO_WM_UNIT_DIAGRAM_ISNUMVISUAL" val="0"/>
+  <p:tag name="KSO_WM_UNIT_DIAGRAM_ISREFERUNIT" val="0"/>
+  <p:tag name="KSO_WM_UNIT_ID" val="_11**"/>
+  <p:tag name="KSO_WM_UNIT_LAYERLEVEL" val="1"/>
+  <p:tag name="KSO_WM_TAG_VERSION" val="1.0"/>
+  <p:tag name="KSO_WM_BEAUTIFY_FLAG" val="#wm#"/>
+</p:tagLst>
+</file>
+
+<file path=ppt/tags/tag53.xml><?xml version="1.0" encoding="utf-8"?>
+<p:tagLst xmlns:p="http://schemas.openxmlformats.org/presentationml/2006/main">
+  <p:tag name="KSO_WM_UNIT_HIGHLIGHT" val="0"/>
+  <p:tag name="KSO_WM_UNIT_COMPATIBLE" val="0"/>
+  <p:tag name="KSO_WM_UNIT_DIAGRAM_ISNUMVISUAL" val="0"/>
+  <p:tag name="KSO_WM_UNIT_DIAGRAM_ISREFERUNIT" val="0"/>
+  <p:tag name="KSO_WM_UNIT_ID" val="_11**"/>
+  <p:tag name="KSO_WM_UNIT_LAYERLEVEL" val="1"/>
+  <p:tag name="KSO_WM_TAG_VERSION" val="1.0"/>
+  <p:tag name="KSO_WM_BEAUTIFY_FLAG" val="#wm#"/>
+</p:tagLst>
+</file>
+
+<file path=ppt/tags/tag54.xml><?xml version="1.0" encoding="utf-8"?>
+<p:tagLst xmlns:p="http://schemas.openxmlformats.org/presentationml/2006/main">
+  <p:tag name="KSO_WM_UNIT_HIGHLIGHT" val="0"/>
+  <p:tag name="KSO_WM_UNIT_COMPATIBLE" val="0"/>
+  <p:tag name="KSO_WM_UNIT_DIAGRAM_ISNUMVISUAL" val="0"/>
+  <p:tag name="KSO_WM_UNIT_DIAGRAM_ISREFERUNIT" val="0"/>
+  <p:tag name="KSO_WM_UNIT_ID" val="_11**"/>
+  <p:tag name="KSO_WM_UNIT_LAYERLEVEL" val="1"/>
+  <p:tag name="KSO_WM_TAG_VERSION" val="1.0"/>
+  <p:tag name="KSO_WM_BEAUTIFY_FLAG" val="#wm#"/>
+</p:tagLst>
+</file>
+
+<file path=ppt/tags/tag55.xml><?xml version="1.0" encoding="utf-8"?>
+<p:tagLst xmlns:p="http://schemas.openxmlformats.org/presentationml/2006/main">
+  <p:tag name="KSO_WM_UNIT_HIGHLIGHT" val="0"/>
+  <p:tag name="KSO_WM_UNIT_COMPATIBLE" val="0"/>
+  <p:tag name="KSO_WM_UNIT_DIAGRAM_ISNUMVISUAL" val="0"/>
+  <p:tag name="KSO_WM_UNIT_DIAGRAM_ISREFERUNIT" val="0"/>
+  <p:tag name="KSO_WM_UNIT_ID" val="_11**"/>
+  <p:tag name="KSO_WM_UNIT_LAYERLEVEL" val="1"/>
+  <p:tag name="KSO_WM_TAG_VERSION" val="1.0"/>
+  <p:tag name="KSO_WM_BEAUTIFY_FLAG" val="#wm#"/>
+</p:tagLst>
+</file>
+
+<file path=ppt/tags/tag56.xml><?xml version="1.0" encoding="utf-8"?>
+<p:tagLst xmlns:p="http://schemas.openxmlformats.org/presentationml/2006/main">
+  <p:tag name="KSO_WM_UNIT_HIGHLIGHT" val="0"/>
+  <p:tag name="KSO_WM_UNIT_COMPATIBLE" val="0"/>
+  <p:tag name="KSO_WM_UNIT_DIAGRAM_ISNUMVISUAL" val="0"/>
+  <p:tag name="KSO_WM_UNIT_DIAGRAM_ISREFERUNIT" val="0"/>
+  <p:tag name="KSO_WM_UNIT_ID" val="_11**"/>
+  <p:tag name="KSO_WM_UNIT_LAYERLEVEL" val="1"/>
+  <p:tag name="KSO_WM_TAG_VERSION" val="1.0"/>
+  <p:tag name="KSO_WM_BEAUTIFY_FLAG" val="#wm#"/>
+</p:tagLst>
+</file>
+
+<file path=ppt/tags/tag57.xml><?xml version="1.0" encoding="utf-8"?>
+<p:tagLst xmlns:p="http://schemas.openxmlformats.org/presentationml/2006/main">
+  <p:tag name="KSO_WM_UNIT_HIGHLIGHT" val="0"/>
+  <p:tag name="KSO_WM_UNIT_COMPATIBLE" val="0"/>
+  <p:tag name="KSO_WM_UNIT_DIAGRAM_ISNUMVISUAL" val="0"/>
+  <p:tag name="KSO_WM_UNIT_DIAGRAM_ISREFERUNIT" val="0"/>
+  <p:tag name="KSO_WM_UNIT_ID" val="_0**"/>
+  <p:tag name="KSO_WM_UNIT_LAYERLEVEL" val="1"/>
+  <p:tag name="KSO_WM_TAG_VERSION" val="1.0"/>
+  <p:tag name="KSO_WM_BEAUTIFY_FLAG" val="#wm#"/>
+  <p:tag name="KSO_WM_TEMPLATE_CATEGORY" val="custom"/>
+  <p:tag name="KSO_WM_TEMPLATE_INDEX" val="20205081"/>
+</p:tagLst>
+</file>
+
+<file path=ppt/tags/tag58.xml><?xml version="1.0" encoding="utf-8"?>
+<p:tagLst xmlns:p="http://schemas.openxmlformats.org/presentationml/2006/main">
+  <p:tag name="KSO_WM_UNIT_HIGHLIGHT" val="0"/>
+  <p:tag name="KSO_WM_UNIT_COMPATIBLE" val="0"/>
+  <p:tag name="KSO_WM_UNIT_DIAGRAM_ISNUMVISUAL" val="0"/>
+  <p:tag name="KSO_WM_UNIT_DIAGRAM_ISREFERUNIT" val="0"/>
+  <p:tag name="KSO_WM_UNIT_ID" val="_0**"/>
+  <p:tag name="KSO_WM_UNIT_LAYERLEVEL" val="1"/>
+  <p:tag name="KSO_WM_TAG_VERSION" val="1.0"/>
+  <p:tag name="KSO_WM_BEAUTIFY_FLAG" val="#wm#"/>
+  <p:tag name="KSO_WM_TEMPLATE_CATEGORY" val="custom"/>
+  <p:tag name="KSO_WM_TEMPLATE_INDEX" val="20205081"/>
+</p:tagLst>
+</file>
+
+<file path=ppt/tags/tag59.xml><?xml version="1.0" encoding="utf-8"?>
+<p:tagLst xmlns:p="http://schemas.openxmlformats.org/presentationml/2006/main">
+  <p:tag name="KSO_WM_UNIT_HIGHLIGHT" val="0"/>
+  <p:tag name="KSO_WM_UNIT_COMPATIBLE" val="0"/>
+  <p:tag name="KSO_WM_UNIT_DIAGRAM_ISNUMVISUAL" val="0"/>
+  <p:tag name="KSO_WM_UNIT_DIAGRAM_ISREFERUNIT" val="0"/>
+  <p:tag name="KSO_WM_UNIT_ID" val="_0**"/>
+  <p:tag name="KSO_WM_UNIT_LAYERLEVEL" val="1"/>
+  <p:tag name="KSO_WM_TAG_VERSION" val="1.0"/>
+  <p:tag name="KSO_WM_BEAUTIFY_FLAG" val="#wm#"/>
+</p:tagLst>
+</file>
+
+<file path=ppt/tags/tag6.xml><?xml version="1.0" encoding="utf-8"?>
 <p:tagLst xmlns:p="http://schemas.openxmlformats.org/presentationml/2006/main">
   <p:tag name="KSO_WM_UNIT_HIGHLIGHT" val="0"/>
   <p:tag name="KSO_WM_UNIT_COMPATIBLE" val="0"/>
@@ -4083,7 +8497,89 @@
 </p:tagLst>
 </file>
 
-<file path=ppt/tags/tag8.xml><?xml version="1.0" encoding="utf-8"?>
+<file path=ppt/tags/tag60.xml><?xml version="1.0" encoding="utf-8"?>
+<p:tagLst xmlns:p="http://schemas.openxmlformats.org/presentationml/2006/main">
+  <p:tag name="KSO_WM_UNIT_HIGHLIGHT" val="0"/>
+  <p:tag name="KSO_WM_UNIT_COMPATIBLE" val="0"/>
+  <p:tag name="KSO_WM_UNIT_DIAGRAM_ISNUMVISUAL" val="0"/>
+  <p:tag name="KSO_WM_UNIT_DIAGRAM_ISREFERUNIT" val="0"/>
+  <p:tag name="KSO_WM_UNIT_ID" val="_0**"/>
+  <p:tag name="KSO_WM_UNIT_LAYERLEVEL" val="1"/>
+  <p:tag name="KSO_WM_TAG_VERSION" val="1.0"/>
+  <p:tag name="KSO_WM_BEAUTIFY_FLAG" val="#wm#"/>
+</p:tagLst>
+</file>
+
+<file path=ppt/tags/tag61.xml><?xml version="1.0" encoding="utf-8"?>
+<p:tagLst xmlns:p="http://schemas.openxmlformats.org/presentationml/2006/main">
+  <p:tag name="KSO_WM_UNIT_HIGHLIGHT" val="0"/>
+  <p:tag name="KSO_WM_UNIT_COMPATIBLE" val="0"/>
+  <p:tag name="KSO_WM_UNIT_DIAGRAM_ISNUMVISUAL" val="0"/>
+  <p:tag name="KSO_WM_UNIT_DIAGRAM_ISREFERUNIT" val="0"/>
+  <p:tag name="KSO_WM_UNIT_ID" val="_0**"/>
+  <p:tag name="KSO_WM_UNIT_LAYERLEVEL" val="1"/>
+  <p:tag name="KSO_WM_TAG_VERSION" val="1.0"/>
+  <p:tag name="KSO_WM_BEAUTIFY_FLAG" val="#wm#"/>
+</p:tagLst>
+</file>
+
+<file path=ppt/tags/tag62.xml><?xml version="1.0" encoding="utf-8"?>
+<p:tagLst xmlns:p="http://schemas.openxmlformats.org/presentationml/2006/main">
+  <p:tag name="KSO_WM_TEMPLATE_THUMBS_INDEX" val="1、4、7、12、13、14、15、16、17、18、20、24、25、28、33、36、40、43、44"/>
+  <p:tag name="KSO_WM_TEMPLATE_SUBCATEGORY" val="19"/>
+  <p:tag name="KSO_WM_TAG_VERSION" val="1.0"/>
+  <p:tag name="KSO_WM_BEAUTIFY_FLAG" val="#wm#"/>
+  <p:tag name="KSO_WM_TEMPLATE_CATEGORY" val="custom"/>
+  <p:tag name="KSO_WM_TEMPLATE_INDEX" val="20205081"/>
+  <p:tag name="KSO_WM_TEMPLATE_MASTER_TYPE" val="0"/>
+  <p:tag name="KSO_WM_TEMPLATE_COLOR_TYPE" val="1"/>
+  <p:tag name="KSO_WM_UNIT_SHOW_EDIT_AREA_INDICATION" val="1"/>
+</p:tagLst>
+</file>
+
+<file path=ppt/tags/tag63.xml><?xml version="1.0" encoding="utf-8"?>
+<p:tagLst xmlns:p="http://schemas.openxmlformats.org/presentationml/2006/main">
+  <p:tag name="KSO_WM_BEAUTIFY_FLAG" val=""/>
+</p:tagLst>
+</file>
+
+<file path=ppt/tags/tag64.xml><?xml version="1.0" encoding="utf-8"?>
+<p:tagLst xmlns:p="http://schemas.openxmlformats.org/presentationml/2006/main">
+  <p:tag name="KSO_WM_BEAUTIFY_FLAG" val=""/>
+</p:tagLst>
+</file>
+
+<file path=ppt/tags/tag65.xml><?xml version="1.0" encoding="utf-8"?>
+<p:tagLst xmlns:p="http://schemas.openxmlformats.org/presentationml/2006/main">
+  <p:tag name="KSO_WM_BEAUTIFY_FLAG" val=""/>
+</p:tagLst>
+</file>
+
+<file path=ppt/tags/tag66.xml><?xml version="1.0" encoding="utf-8"?>
+<p:tagLst xmlns:p="http://schemas.openxmlformats.org/presentationml/2006/main">
+  <p:tag name="KSO_WM_BEAUTIFY_FLAG" val=""/>
+</p:tagLst>
+</file>
+
+<file path=ppt/tags/tag67.xml><?xml version="1.0" encoding="utf-8"?>
+<p:tagLst xmlns:p="http://schemas.openxmlformats.org/presentationml/2006/main">
+  <p:tag name="KSO_WM_BEAUTIFY_FLAG" val=""/>
+</p:tagLst>
+</file>
+
+<file path=ppt/tags/tag68.xml><?xml version="1.0" encoding="utf-8"?>
+<p:tagLst xmlns:p="http://schemas.openxmlformats.org/presentationml/2006/main">
+  <p:tag name="KSO_WM_BEAUTIFY_FLAG" val=""/>
+</p:tagLst>
+</file>
+
+<file path=ppt/tags/tag69.xml><?xml version="1.0" encoding="utf-8"?>
+<p:tagLst xmlns:p="http://schemas.openxmlformats.org/presentationml/2006/main">
+  <p:tag name="KSO_WM_BEAUTIFY_FLAG" val=""/>
+</p:tagLst>
+</file>
+
+<file path=ppt/tags/tag7.xml><?xml version="1.0" encoding="utf-8"?>
 <p:tagLst xmlns:p="http://schemas.openxmlformats.org/presentationml/2006/main">
   <p:tag name="KSO_WM_UNIT_HIGHLIGHT" val="0"/>
   <p:tag name="KSO_WM_UNIT_COMPATIBLE" val="0"/>
@@ -4096,7 +8592,82 @@
 </p:tagLst>
 </file>
 
-<file path=ppt/tags/tag9.xml><?xml version="1.0" encoding="utf-8"?>
+<file path=ppt/tags/tag70.xml><?xml version="1.0" encoding="utf-8"?>
+<p:tagLst xmlns:p="http://schemas.openxmlformats.org/presentationml/2006/main">
+  <p:tag name="KSO_WM_SLIDE_ID" val="custom20205081_1"/>
+  <p:tag name="KSO_WM_TEMPLATE_SUBCATEGORY" val="19"/>
+  <p:tag name="KSO_WM_TEMPLATE_MASTER_TYPE" val="0"/>
+  <p:tag name="KSO_WM_TEMPLATE_COLOR_TYPE" val="1"/>
+  <p:tag name="KSO_WM_SLIDE_TYPE" val="title"/>
+  <p:tag name="KSO_WM_SLIDE_SUBTYPE" val="defaultBlank"/>
+  <p:tag name="KSO_WM_SLIDE_ITEM_CNT" val="0"/>
+  <p:tag name="KSO_WM_SLIDE_INDEX" val="1"/>
+  <p:tag name="KSO_WM_TAG_VERSION" val="1.0"/>
+  <p:tag name="KSO_WM_BEAUTIFY_FLAG" val="#wm#"/>
+  <p:tag name="KSO_WM_TEMPLATE_CATEGORY" val="custom"/>
+  <p:tag name="KSO_WM_TEMPLATE_INDEX" val="20205081"/>
+  <p:tag name="KSO_WM_SLIDE_LAYOUT" val="a_b"/>
+  <p:tag name="KSO_WM_SLIDE_LAYOUT_CNT" val="1_1"/>
+  <p:tag name="KSO_WM_UNIT_SHOW_EDIT_AREA_INDICATION" val="1"/>
+  <p:tag name="KSO_WM_TEMPLATE_THUMBS_INDEX" val="1、4、7、12、13、14、15、16、17、18、20、24、25、28、33、36、40、43、44"/>
+</p:tagLst>
+</file>
+
+<file path=ppt/tags/tag71.xml><?xml version="1.0" encoding="utf-8"?>
+<p:tagLst xmlns:p="http://schemas.openxmlformats.org/presentationml/2006/main">
+  <p:tag name="KSO_WM_BEAUTIFY_FLAG" val=""/>
+</p:tagLst>
+</file>
+
+<file path=ppt/tags/tag72.xml><?xml version="1.0" encoding="utf-8"?>
+<p:tagLst xmlns:p="http://schemas.openxmlformats.org/presentationml/2006/main">
+  <p:tag name="KSO_WM_BEAUTIFY_FLAG" val=""/>
+</p:tagLst>
+</file>
+
+<file path=ppt/tags/tag73.xml><?xml version="1.0" encoding="utf-8"?>
+<p:tagLst xmlns:p="http://schemas.openxmlformats.org/presentationml/2006/main">
+  <p:tag name="KSO_WM_BEAUTIFY_FLAG" val=""/>
+</p:tagLst>
+</file>
+
+<file path=ppt/tags/tag74.xml><?xml version="1.0" encoding="utf-8"?>
+<p:tagLst xmlns:p="http://schemas.openxmlformats.org/presentationml/2006/main">
+  <p:tag name="KSO_WM_BEAUTIFY_FLAG" val=""/>
+</p:tagLst>
+</file>
+
+<file path=ppt/tags/tag75.xml><?xml version="1.0" encoding="utf-8"?>
+<p:tagLst xmlns:p="http://schemas.openxmlformats.org/presentationml/2006/main">
+  <p:tag name="KSO_WM_BEAUTIFY_FLAG" val=""/>
+</p:tagLst>
+</file>
+
+<file path=ppt/tags/tag76.xml><?xml version="1.0" encoding="utf-8"?>
+<p:tagLst xmlns:p="http://schemas.openxmlformats.org/presentationml/2006/main">
+  <p:tag name="KSO_WM_BEAUTIFY_FLAG" val=""/>
+</p:tagLst>
+</file>
+
+<file path=ppt/tags/tag77.xml><?xml version="1.0" encoding="utf-8"?>
+<p:tagLst xmlns:p="http://schemas.openxmlformats.org/presentationml/2006/main">
+  <p:tag name="KSO_WM_BEAUTIFY_FLAG" val=""/>
+</p:tagLst>
+</file>
+
+<file path=ppt/tags/tag78.xml><?xml version="1.0" encoding="utf-8"?>
+<p:tagLst xmlns:p="http://schemas.openxmlformats.org/presentationml/2006/main">
+  <p:tag name="KSO_WM_BEAUTIFY_FLAG" val=""/>
+</p:tagLst>
+</file>
+
+<file path=ppt/tags/tag79.xml><?xml version="1.0" encoding="utf-8"?>
+<p:tagLst xmlns:p="http://schemas.openxmlformats.org/presentationml/2006/main">
+  <p:tag name="KSO_WM_BEAUTIFY_FLAG" val=""/>
+</p:tagLst>
+</file>
+
+<file path=ppt/tags/tag8.xml><?xml version="1.0" encoding="utf-8"?>
 <p:tagLst xmlns:p="http://schemas.openxmlformats.org/presentationml/2006/main">
   <p:tag name="KSO_WM_UNIT_HIGHLIGHT" val="0"/>
   <p:tag name="KSO_WM_UNIT_COMPATIBLE" val="0"/>
@@ -4106,6 +8677,139 @@
   <p:tag name="KSO_WM_UNIT_LAYERLEVEL" val="1"/>
   <p:tag name="KSO_WM_TAG_VERSION" val="1.0"/>
   <p:tag name="KSO_WM_BEAUTIFY_FLAG" val="#wm#"/>
+</p:tagLst>
+</file>
+
+<file path=ppt/tags/tag80.xml><?xml version="1.0" encoding="utf-8"?>
+<p:tagLst xmlns:p="http://schemas.openxmlformats.org/presentationml/2006/main">
+  <p:tag name="KSO_WM_BEAUTIFY_FLAG" val=""/>
+</p:tagLst>
+</file>
+
+<file path=ppt/tags/tag81.xml><?xml version="1.0" encoding="utf-8"?>
+<p:tagLst xmlns:p="http://schemas.openxmlformats.org/presentationml/2006/main">
+  <p:tag name="KSO_WM_BEAUTIFY_FLAG" val=""/>
+</p:tagLst>
+</file>
+
+<file path=ppt/tags/tag82.xml><?xml version="1.0" encoding="utf-8"?>
+<p:tagLst xmlns:p="http://schemas.openxmlformats.org/presentationml/2006/main">
+  <p:tag name="KSO_WM_BEAUTIFY_FLAG" val=""/>
+</p:tagLst>
+</file>
+
+<file path=ppt/tags/tag83.xml><?xml version="1.0" encoding="utf-8"?>
+<p:tagLst xmlns:p="http://schemas.openxmlformats.org/presentationml/2006/main">
+  <p:tag name="KSO_WM_BEAUTIFY_FLAG" val=""/>
+</p:tagLst>
+</file>
+
+<file path=ppt/tags/tag84.xml><?xml version="1.0" encoding="utf-8"?>
+<p:tagLst xmlns:p="http://schemas.openxmlformats.org/presentationml/2006/main">
+  <p:tag name="KSO_WM_BEAUTIFY_FLAG" val=""/>
+</p:tagLst>
+</file>
+
+<file path=ppt/tags/tag85.xml><?xml version="1.0" encoding="utf-8"?>
+<p:tagLst xmlns:p="http://schemas.openxmlformats.org/presentationml/2006/main">
+  <p:tag name="KSO_WM_BEAUTIFY_FLAG" val=""/>
+</p:tagLst>
+</file>
+
+<file path=ppt/tags/tag86.xml><?xml version="1.0" encoding="utf-8"?>
+<p:tagLst xmlns:p="http://schemas.openxmlformats.org/presentationml/2006/main">
+  <p:tag name="KSO_WM_BEAUTIFY_FLAG" val=""/>
+</p:tagLst>
+</file>
+
+<file path=ppt/tags/tag87.xml><?xml version="1.0" encoding="utf-8"?>
+<p:tagLst xmlns:p="http://schemas.openxmlformats.org/presentationml/2006/main">
+  <p:tag name="KSO_WM_BEAUTIFY_FLAG" val=""/>
+</p:tagLst>
+</file>
+
+<file path=ppt/tags/tag88.xml><?xml version="1.0" encoding="utf-8"?>
+<p:tagLst xmlns:p="http://schemas.openxmlformats.org/presentationml/2006/main">
+  <p:tag name="KSO_WM_BEAUTIFY_FLAG" val=""/>
+</p:tagLst>
+</file>
+
+<file path=ppt/tags/tag89.xml><?xml version="1.0" encoding="utf-8"?>
+<p:tagLst xmlns:p="http://schemas.openxmlformats.org/presentationml/2006/main">
+  <p:tag name="KSO_WM_BEAUTIFY_FLAG" val=""/>
+</p:tagLst>
+</file>
+
+<file path=ppt/tags/tag9.xml><?xml version="1.0" encoding="utf-8"?>
+<p:tagLst xmlns:p="http://schemas.openxmlformats.org/presentationml/2006/main">
+  <p:tag name="KSO_WM_UNIT_HIGHLIGHT" val="0"/>
+  <p:tag name="KSO_WM_UNIT_COMPATIBLE" val="0"/>
+  <p:tag name="KSO_WM_UNIT_DIAGRAM_ISNUMVISUAL" val="0"/>
+  <p:tag name="KSO_WM_UNIT_DIAGRAM_ISREFERUNIT" val="0"/>
+  <p:tag name="KSO_WM_UNIT_ID" val="_2**"/>
+  <p:tag name="KSO_WM_UNIT_LAYERLEVEL" val="1"/>
+  <p:tag name="KSO_WM_TAG_VERSION" val="1.0"/>
+  <p:tag name="KSO_WM_BEAUTIFY_FLAG" val="#wm#"/>
+</p:tagLst>
+</file>
+
+<file path=ppt/tags/tag90.xml><?xml version="1.0" encoding="utf-8"?>
+<p:tagLst xmlns:p="http://schemas.openxmlformats.org/presentationml/2006/main">
+  <p:tag name="KSO_WM_BEAUTIFY_FLAG" val=""/>
+</p:tagLst>
+</file>
+
+<file path=ppt/tags/tag91.xml><?xml version="1.0" encoding="utf-8"?>
+<p:tagLst xmlns:p="http://schemas.openxmlformats.org/presentationml/2006/main">
+  <p:tag name="KSO_WM_BEAUTIFY_FLAG" val=""/>
+</p:tagLst>
+</file>
+
+<file path=ppt/tags/tag92.xml><?xml version="1.0" encoding="utf-8"?>
+<p:tagLst xmlns:p="http://schemas.openxmlformats.org/presentationml/2006/main">
+  <p:tag name="KSO_WM_BEAUTIFY_FLAG" val=""/>
+</p:tagLst>
+</file>
+
+<file path=ppt/tags/tag93.xml><?xml version="1.0" encoding="utf-8"?>
+<p:tagLst xmlns:p="http://schemas.openxmlformats.org/presentationml/2006/main">
+  <p:tag name="KSO_WM_BEAUTIFY_FLAG" val=""/>
+</p:tagLst>
+</file>
+
+<file path=ppt/tags/tag94.xml><?xml version="1.0" encoding="utf-8"?>
+<p:tagLst xmlns:p="http://schemas.openxmlformats.org/presentationml/2006/main">
+  <p:tag name="KSO_WM_BEAUTIFY_FLAG" val=""/>
+</p:tagLst>
+</file>
+
+<file path=ppt/tags/tag95.xml><?xml version="1.0" encoding="utf-8"?>
+<p:tagLst xmlns:p="http://schemas.openxmlformats.org/presentationml/2006/main">
+  <p:tag name="KSO_WM_BEAUTIFY_FLAG" val=""/>
+</p:tagLst>
+</file>
+
+<file path=ppt/tags/tag96.xml><?xml version="1.0" encoding="utf-8"?>
+<p:tagLst xmlns:p="http://schemas.openxmlformats.org/presentationml/2006/main">
+  <p:tag name="KSO_WM_BEAUTIFY_FLAG" val=""/>
+</p:tagLst>
+</file>
+
+<file path=ppt/tags/tag97.xml><?xml version="1.0" encoding="utf-8"?>
+<p:tagLst xmlns:p="http://schemas.openxmlformats.org/presentationml/2006/main">
+  <p:tag name="KSO_WM_BEAUTIFY_FLAG" val=""/>
+</p:tagLst>
+</file>
+
+<file path=ppt/tags/tag98.xml><?xml version="1.0" encoding="utf-8"?>
+<p:tagLst xmlns:p="http://schemas.openxmlformats.org/presentationml/2006/main">
+  <p:tag name="KSO_WM_BEAUTIFY_FLAG" val=""/>
+</p:tagLst>
+</file>
+
+<file path=ppt/tags/tag99.xml><?xml version="1.0" encoding="utf-8"?>
+<p:tagLst xmlns:p="http://schemas.openxmlformats.org/presentationml/2006/main">
+  <p:tag name="KSO_WM_BEAUTIFY_FLAG" val=""/>
 </p:tagLst>
 </file>
 
